--- a/lectures/2023_RNAseq_Class2.pptx
+++ b/lectures/2023_RNAseq_Class2.pptx
@@ -5,7 +5,7 @@
     <p:sldMasterId id="2147483648" r:id="rId1"/>
   </p:sldMasterIdLst>
   <p:notesMasterIdLst>
-    <p:notesMasterId r:id="rId22"/>
+    <p:notesMasterId r:id="rId30"/>
   </p:notesMasterIdLst>
   <p:sldIdLst>
     <p:sldId id="301" r:id="rId2"/>
@@ -15,19 +15,27 @@
     <p:sldId id="287" r:id="rId6"/>
     <p:sldId id="302" r:id="rId7"/>
     <p:sldId id="304" r:id="rId8"/>
-    <p:sldId id="288" r:id="rId9"/>
-    <p:sldId id="303" r:id="rId10"/>
-    <p:sldId id="289" r:id="rId11"/>
-    <p:sldId id="290" r:id="rId12"/>
-    <p:sldId id="291" r:id="rId13"/>
-    <p:sldId id="293" r:id="rId14"/>
-    <p:sldId id="294" r:id="rId15"/>
-    <p:sldId id="295" r:id="rId16"/>
-    <p:sldId id="296" r:id="rId17"/>
-    <p:sldId id="297" r:id="rId18"/>
-    <p:sldId id="298" r:id="rId19"/>
-    <p:sldId id="299" r:id="rId20"/>
-    <p:sldId id="300" r:id="rId21"/>
+    <p:sldId id="305" r:id="rId9"/>
+    <p:sldId id="309" r:id="rId10"/>
+    <p:sldId id="288" r:id="rId11"/>
+    <p:sldId id="303" r:id="rId12"/>
+    <p:sldId id="289" r:id="rId13"/>
+    <p:sldId id="290" r:id="rId14"/>
+    <p:sldId id="291" r:id="rId15"/>
+    <p:sldId id="308" r:id="rId16"/>
+    <p:sldId id="306" r:id="rId17"/>
+    <p:sldId id="307" r:id="rId18"/>
+    <p:sldId id="293" r:id="rId19"/>
+    <p:sldId id="294" r:id="rId20"/>
+    <p:sldId id="295" r:id="rId21"/>
+    <p:sldId id="297" r:id="rId22"/>
+    <p:sldId id="298" r:id="rId23"/>
+    <p:sldId id="310" r:id="rId24"/>
+    <p:sldId id="311" r:id="rId25"/>
+    <p:sldId id="312" r:id="rId26"/>
+    <p:sldId id="313" r:id="rId27"/>
+    <p:sldId id="314" r:id="rId28"/>
+    <p:sldId id="299" r:id="rId29"/>
   </p:sldIdLst>
   <p:sldSz cx="12192000" cy="6858000"/>
   <p:notesSz cx="6858000" cy="9144000"/>
@@ -126,6 +134,11 @@
       </a:defRPr>
     </a:lvl9pPr>
   </p:defaultTextStyle>
+  <p:extLst>
+    <p:ext uri="{EFAFB233-063F-42B5-8137-9DF3F51BA10A}">
+      <p15:sldGuideLst xmlns:p15="http://schemas.microsoft.com/office/powerpoint/2012/main"/>
+    </p:ext>
+  </p:extLst>
 </p:presentation>
 </file>
 
@@ -211,7 +224,7 @@
           <a:p>
             <a:fld id="{DE4242AA-3937-624B-9BD8-F1C01C498458}" type="datetimeFigureOut">
               <a:rPr lang="en-US" smtClean="0"/>
-              <a:t>4/13/23</a:t>
+              <a:t>4/14/23</a:t>
             </a:fld>
             <a:endParaRPr lang="en-US"/>
           </a:p>
@@ -869,7 +882,7 @@
           <a:p>
             <a:fld id="{B56C126C-0D09-7346-9096-8E1075EB9758}" type="datetimeFigureOut">
               <a:rPr lang="en-US" smtClean="0"/>
-              <a:t>4/13/23</a:t>
+              <a:t>4/14/23</a:t>
             </a:fld>
             <a:endParaRPr lang="en-US"/>
           </a:p>
@@ -1067,7 +1080,7 @@
           <a:p>
             <a:fld id="{B56C126C-0D09-7346-9096-8E1075EB9758}" type="datetimeFigureOut">
               <a:rPr lang="en-US" smtClean="0"/>
-              <a:t>4/13/23</a:t>
+              <a:t>4/14/23</a:t>
             </a:fld>
             <a:endParaRPr lang="en-US"/>
           </a:p>
@@ -1275,7 +1288,7 @@
           <a:p>
             <a:fld id="{B56C126C-0D09-7346-9096-8E1075EB9758}" type="datetimeFigureOut">
               <a:rPr lang="en-US" smtClean="0"/>
-              <a:t>4/13/23</a:t>
+              <a:t>4/14/23</a:t>
             </a:fld>
             <a:endParaRPr lang="en-US"/>
           </a:p>
@@ -1473,7 +1486,7 @@
           <a:p>
             <a:fld id="{B56C126C-0D09-7346-9096-8E1075EB9758}" type="datetimeFigureOut">
               <a:rPr lang="en-US" smtClean="0"/>
-              <a:t>4/13/23</a:t>
+              <a:t>4/14/23</a:t>
             </a:fld>
             <a:endParaRPr lang="en-US"/>
           </a:p>
@@ -1748,7 +1761,7 @@
           <a:p>
             <a:fld id="{B56C126C-0D09-7346-9096-8E1075EB9758}" type="datetimeFigureOut">
               <a:rPr lang="en-US" smtClean="0"/>
-              <a:t>4/13/23</a:t>
+              <a:t>4/14/23</a:t>
             </a:fld>
             <a:endParaRPr lang="en-US"/>
           </a:p>
@@ -2013,7 +2026,7 @@
           <a:p>
             <a:fld id="{B56C126C-0D09-7346-9096-8E1075EB9758}" type="datetimeFigureOut">
               <a:rPr lang="en-US" smtClean="0"/>
-              <a:t>4/13/23</a:t>
+              <a:t>4/14/23</a:t>
             </a:fld>
             <a:endParaRPr lang="en-US"/>
           </a:p>
@@ -2425,7 +2438,7 @@
           <a:p>
             <a:fld id="{B56C126C-0D09-7346-9096-8E1075EB9758}" type="datetimeFigureOut">
               <a:rPr lang="en-US" smtClean="0"/>
-              <a:t>4/13/23</a:t>
+              <a:t>4/14/23</a:t>
             </a:fld>
             <a:endParaRPr lang="en-US"/>
           </a:p>
@@ -2566,7 +2579,7 @@
           <a:p>
             <a:fld id="{B56C126C-0D09-7346-9096-8E1075EB9758}" type="datetimeFigureOut">
               <a:rPr lang="en-US" smtClean="0"/>
-              <a:t>4/13/23</a:t>
+              <a:t>4/14/23</a:t>
             </a:fld>
             <a:endParaRPr lang="en-US"/>
           </a:p>
@@ -2679,7 +2692,7 @@
           <a:p>
             <a:fld id="{B56C126C-0D09-7346-9096-8E1075EB9758}" type="datetimeFigureOut">
               <a:rPr lang="en-US" smtClean="0"/>
-              <a:t>4/13/23</a:t>
+              <a:t>4/14/23</a:t>
             </a:fld>
             <a:endParaRPr lang="en-US"/>
           </a:p>
@@ -2990,7 +3003,7 @@
           <a:p>
             <a:fld id="{B56C126C-0D09-7346-9096-8E1075EB9758}" type="datetimeFigureOut">
               <a:rPr lang="en-US" smtClean="0"/>
-              <a:t>4/13/23</a:t>
+              <a:t>4/14/23</a:t>
             </a:fld>
             <a:endParaRPr lang="en-US"/>
           </a:p>
@@ -3278,7 +3291,7 @@
           <a:p>
             <a:fld id="{B56C126C-0D09-7346-9096-8E1075EB9758}" type="datetimeFigureOut">
               <a:rPr lang="en-US" smtClean="0"/>
-              <a:t>4/13/23</a:t>
+              <a:t>4/14/23</a:t>
             </a:fld>
             <a:endParaRPr lang="en-US"/>
           </a:p>
@@ -3519,7 +3532,7 @@
           <a:p>
             <a:fld id="{B56C126C-0D09-7346-9096-8E1075EB9758}" type="datetimeFigureOut">
               <a:rPr lang="en-US" smtClean="0"/>
-              <a:t>4/13/23</a:t>
+              <a:t>4/14/23</a:t>
             </a:fld>
             <a:endParaRPr lang="en-US"/>
           </a:p>
@@ -4003,22 +4016,22 @@
       </p:grpSpPr>
       <p:pic>
         <p:nvPicPr>
-          <p:cNvPr id="338" name="Image" descr="Image"/>
+          <p:cNvPr id="333" name="Image" descr="Image"/>
           <p:cNvPicPr>
             <a:picLocks noChangeAspect="1"/>
           </p:cNvPicPr>
           <p:nvPr/>
         </p:nvPicPr>
         <p:blipFill>
-          <a:blip r:embed="rId3"/>
+          <a:blip r:embed="rId2"/>
           <a:stretch>
             <a:fillRect/>
           </a:stretch>
         </p:blipFill>
         <p:spPr>
           <a:xfrm>
-            <a:off x="202599" y="2139318"/>
-            <a:ext cx="7412239" cy="1593559"/>
+            <a:off x="548667" y="1956759"/>
+            <a:ext cx="2557080" cy="3752929"/>
           </a:xfrm>
           <a:prstGeom prst="rect">
             <a:avLst/>
@@ -4030,14 +4043,14 @@
       </p:pic>
       <p:sp>
         <p:nvSpPr>
-          <p:cNvPr id="339" name="A little more complicated example - samples from different conditions"/>
+          <p:cNvPr id="334" name="What if we want to look at expression levels of these 4 genes?"/>
           <p:cNvSpPr txBox="1"/>
           <p:nvPr/>
         </p:nvSpPr>
         <p:spPr>
           <a:xfrm>
-            <a:off x="1197886" y="163197"/>
-            <a:ext cx="8978099" cy="420628"/>
+            <a:off x="3105747" y="1208929"/>
+            <a:ext cx="5295360" cy="328295"/>
           </a:xfrm>
           <a:prstGeom prst="rect">
             <a:avLst/>
@@ -4047,7 +4060,7 @@
           </a:ln>
           <a:extLst>
             <a:ext uri="{C572A759-6A51-4108-AA02-DFA0A04FC94B}">
-              <ma14:wrappingTextBoxFlag xmlns:ma14="http://schemas.microsoft.com/office/mac/drawingml/2011/main" xmlns:a14="http://schemas.microsoft.com/office/drawing/2010/main" xmlns:m="http://schemas.openxmlformats.org/officeDocument/2006/math" xmlns="" val="1"/>
+              <ma14:wrappingTextBoxFlag xmlns="" xmlns:m="http://schemas.openxmlformats.org/officeDocument/2006/math" xmlns:a14="http://schemas.microsoft.com/office/drawing/2010/main" xmlns:ma14="http://schemas.microsoft.com/office/mac/drawingml/2011/main" val="1"/>
             </a:ext>
           </a:extLst>
         </p:spPr>
@@ -4057,258 +4070,13 @@
           </a:bodyPr>
           <a:lstStyle>
             <a:lvl1pPr>
-              <a:defRPr sz="4800" b="1"/>
+              <a:defRPr sz="3600"/>
             </a:lvl1pPr>
           </a:lstStyle>
           <a:p>
             <a:r>
-              <a:rPr sz="2400"/>
-              <a:t>A little more complicated example - samples from different conditions</a:t>
-            </a:r>
-          </a:p>
-        </p:txBody>
-      </p:sp>
-      <p:sp>
-        <p:nvSpPr>
-          <p:cNvPr id="340" name="Untreated"/>
-          <p:cNvSpPr txBox="1"/>
-          <p:nvPr/>
-        </p:nvSpPr>
-        <p:spPr>
-          <a:xfrm>
-            <a:off x="2004675" y="1526185"/>
-            <a:ext cx="1355949" cy="420628"/>
-          </a:xfrm>
-          <a:prstGeom prst="rect">
-            <a:avLst/>
-          </a:prstGeom>
-          <a:ln w="12700">
-            <a:miter lim="400000"/>
-          </a:ln>
-          <a:extLst>
-            <a:ext uri="{C572A759-6A51-4108-AA02-DFA0A04FC94B}">
-              <ma14:wrappingTextBoxFlag xmlns:ma14="http://schemas.microsoft.com/office/mac/drawingml/2011/main" xmlns:a14="http://schemas.microsoft.com/office/drawing/2010/main" xmlns:m="http://schemas.openxmlformats.org/officeDocument/2006/math" xmlns="" val="1"/>
-            </a:ext>
-          </a:extLst>
-        </p:spPr>
-        <p:txBody>
-          <a:bodyPr wrap="none" lIns="25400" tIns="25400" rIns="25400" bIns="25400" anchor="ctr">
-            <a:spAutoFit/>
-          </a:bodyPr>
-          <a:lstStyle>
-            <a:lvl1pPr>
-              <a:defRPr sz="4800" b="1"/>
-            </a:lvl1pPr>
-          </a:lstStyle>
-          <a:p>
-            <a:r>
-              <a:rPr sz="2400"/>
-              <a:t>Untreated</a:t>
-            </a:r>
-          </a:p>
-        </p:txBody>
-      </p:sp>
-      <p:sp>
-        <p:nvSpPr>
-          <p:cNvPr id="341" name="Treated"/>
-          <p:cNvSpPr txBox="1"/>
-          <p:nvPr/>
-        </p:nvSpPr>
-        <p:spPr>
-          <a:xfrm>
-            <a:off x="5376405" y="1526185"/>
-            <a:ext cx="1022459" cy="420628"/>
-          </a:xfrm>
-          <a:prstGeom prst="rect">
-            <a:avLst/>
-          </a:prstGeom>
-          <a:ln w="12700">
-            <a:miter lim="400000"/>
-          </a:ln>
-          <a:extLst>
-            <a:ext uri="{C572A759-6A51-4108-AA02-DFA0A04FC94B}">
-              <ma14:wrappingTextBoxFlag xmlns:ma14="http://schemas.microsoft.com/office/mac/drawingml/2011/main" xmlns:a14="http://schemas.microsoft.com/office/drawing/2010/main" xmlns:m="http://schemas.openxmlformats.org/officeDocument/2006/math" xmlns="" val="1"/>
-            </a:ext>
-          </a:extLst>
-        </p:spPr>
-        <p:txBody>
-          <a:bodyPr wrap="none" lIns="25400" tIns="25400" rIns="25400" bIns="25400" anchor="ctr">
-            <a:spAutoFit/>
-          </a:bodyPr>
-          <a:lstStyle>
-            <a:lvl1pPr>
-              <a:defRPr sz="4800" b="1"/>
-            </a:lvl1pPr>
-          </a:lstStyle>
-          <a:p>
-            <a:r>
-              <a:rPr sz="2400"/>
-              <a:t>Treated</a:t>
-            </a:r>
-          </a:p>
-        </p:txBody>
-      </p:sp>
-      <p:sp>
-        <p:nvSpPr>
-          <p:cNvPr id="342" name="Line"/>
-          <p:cNvSpPr/>
-          <p:nvPr/>
-        </p:nvSpPr>
-        <p:spPr>
-          <a:xfrm>
-            <a:off x="1584692" y="1990499"/>
-            <a:ext cx="2342480" cy="1"/>
-          </a:xfrm>
-          <a:prstGeom prst="line">
-            <a:avLst/>
-          </a:prstGeom>
-          <a:ln w="101600">
-            <a:solidFill>
-              <a:srgbClr val="000000"/>
-            </a:solidFill>
-            <a:miter lim="400000"/>
-          </a:ln>
-        </p:spPr>
-        <p:txBody>
-          <a:bodyPr lIns="25400" tIns="25400" rIns="25400" bIns="25400" anchor="ctr"/>
-          <a:lstStyle/>
-          <a:p>
-            <a:endParaRPr sz="900"/>
-          </a:p>
-        </p:txBody>
-      </p:sp>
-      <p:sp>
-        <p:nvSpPr>
-          <p:cNvPr id="343" name="Line"/>
-          <p:cNvSpPr/>
-          <p:nvPr/>
-        </p:nvSpPr>
-        <p:spPr>
-          <a:xfrm>
-            <a:off x="4778570" y="2040473"/>
-            <a:ext cx="2342480" cy="1"/>
-          </a:xfrm>
-          <a:prstGeom prst="line">
-            <a:avLst/>
-          </a:prstGeom>
-          <a:ln w="101600">
-            <a:solidFill>
-              <a:srgbClr val="000000"/>
-            </a:solidFill>
-            <a:miter lim="400000"/>
-          </a:ln>
-        </p:spPr>
-        <p:txBody>
-          <a:bodyPr lIns="25400" tIns="25400" rIns="25400" bIns="25400" anchor="ctr"/>
-          <a:lstStyle/>
-          <a:p>
-            <a:endParaRPr sz="900"/>
-          </a:p>
-        </p:txBody>
-      </p:sp>
-      <p:pic>
-        <p:nvPicPr>
-          <p:cNvPr id="344" name="Image" descr="Image"/>
-          <p:cNvPicPr>
-            <a:picLocks noChangeAspect="1"/>
-          </p:cNvPicPr>
-          <p:nvPr/>
-        </p:nvPicPr>
-        <p:blipFill>
-          <a:blip r:embed="rId4"/>
-          <a:stretch>
-            <a:fillRect/>
-          </a:stretch>
-        </p:blipFill>
-        <p:spPr>
-          <a:xfrm>
-            <a:off x="8169033" y="2142844"/>
-            <a:ext cx="3510206" cy="3194288"/>
-          </a:xfrm>
-          <a:prstGeom prst="rect">
-            <a:avLst/>
-          </a:prstGeom>
-          <a:ln w="12700">
-            <a:miter lim="400000"/>
-          </a:ln>
-        </p:spPr>
-      </p:pic>
-      <p:sp>
-        <p:nvSpPr>
-          <p:cNvPr id="345" name="Wide"/>
-          <p:cNvSpPr txBox="1"/>
-          <p:nvPr/>
-        </p:nvSpPr>
-        <p:spPr>
-          <a:xfrm>
-            <a:off x="3771499" y="3835594"/>
-            <a:ext cx="726161" cy="420628"/>
-          </a:xfrm>
-          <a:prstGeom prst="rect">
-            <a:avLst/>
-          </a:prstGeom>
-          <a:ln w="12700">
-            <a:miter lim="400000"/>
-          </a:ln>
-          <a:extLst>
-            <a:ext uri="{C572A759-6A51-4108-AA02-DFA0A04FC94B}">
-              <ma14:wrappingTextBoxFlag xmlns:ma14="http://schemas.microsoft.com/office/mac/drawingml/2011/main" xmlns:a14="http://schemas.microsoft.com/office/drawing/2010/main" xmlns:m="http://schemas.openxmlformats.org/officeDocument/2006/math" xmlns="" val="1"/>
-            </a:ext>
-          </a:extLst>
-        </p:spPr>
-        <p:txBody>
-          <a:bodyPr wrap="none" lIns="25400" tIns="25400" rIns="25400" bIns="25400" anchor="ctr">
-            <a:spAutoFit/>
-          </a:bodyPr>
-          <a:lstStyle>
-            <a:lvl1pPr>
-              <a:defRPr sz="4800" b="1"/>
-            </a:lvl1pPr>
-          </a:lstStyle>
-          <a:p>
-            <a:r>
-              <a:rPr sz="2400"/>
-              <a:t>Wide</a:t>
-            </a:r>
-          </a:p>
-        </p:txBody>
-      </p:sp>
-      <p:sp>
-        <p:nvSpPr>
-          <p:cNvPr id="346" name="Long"/>
-          <p:cNvSpPr txBox="1"/>
-          <p:nvPr/>
-        </p:nvSpPr>
-        <p:spPr>
-          <a:xfrm>
-            <a:off x="9528582" y="5396883"/>
-            <a:ext cx="657231" cy="420628"/>
-          </a:xfrm>
-          <a:prstGeom prst="rect">
-            <a:avLst/>
-          </a:prstGeom>
-          <a:ln w="12700">
-            <a:miter lim="400000"/>
-          </a:ln>
-          <a:extLst>
-            <a:ext uri="{C572A759-6A51-4108-AA02-DFA0A04FC94B}">
-              <ma14:wrappingTextBoxFlag xmlns:ma14="http://schemas.microsoft.com/office/mac/drawingml/2011/main" xmlns:a14="http://schemas.microsoft.com/office/drawing/2010/main" xmlns:m="http://schemas.openxmlformats.org/officeDocument/2006/math" xmlns="" val="1"/>
-            </a:ext>
-          </a:extLst>
-        </p:spPr>
-        <p:txBody>
-          <a:bodyPr wrap="none" lIns="25400" tIns="25400" rIns="25400" bIns="25400" anchor="ctr">
-            <a:spAutoFit/>
-          </a:bodyPr>
-          <a:lstStyle>
-            <a:lvl1pPr>
-              <a:defRPr sz="4800" b="1"/>
-            </a:lvl1pPr>
-          </a:lstStyle>
-          <a:p>
-            <a:r>
-              <a:rPr sz="2400"/>
-              <a:t>Long</a:t>
+              <a:rPr sz="1800" dirty="0"/>
+              <a:t>What if we want to look at expression levels of 4 genes?</a:t>
             </a:r>
           </a:p>
         </p:txBody>
@@ -4340,22 +4108,22 @@
       </p:grpSpPr>
       <p:pic>
         <p:nvPicPr>
-          <p:cNvPr id="350" name="Image" descr="Image"/>
+          <p:cNvPr id="333" name="Image" descr="Image"/>
           <p:cNvPicPr>
             <a:picLocks noChangeAspect="1"/>
           </p:cNvPicPr>
           <p:nvPr/>
         </p:nvPicPr>
         <p:blipFill>
-          <a:blip r:embed="rId3"/>
+          <a:blip r:embed="rId2"/>
           <a:stretch>
             <a:fillRect/>
           </a:stretch>
         </p:blipFill>
         <p:spPr>
           <a:xfrm>
-            <a:off x="6672906" y="3124151"/>
-            <a:ext cx="5067520" cy="3091072"/>
+            <a:off x="548667" y="1956759"/>
+            <a:ext cx="2557080" cy="3752929"/>
           </a:xfrm>
           <a:prstGeom prst="rect">
             <a:avLst/>
@@ -4365,43 +4133,16 @@
           </a:ln>
         </p:spPr>
       </p:pic>
-      <p:pic>
-        <p:nvPicPr>
-          <p:cNvPr id="351" name="Image" descr="Image"/>
-          <p:cNvPicPr>
-            <a:picLocks noChangeAspect="1"/>
-          </p:cNvPicPr>
-          <p:nvPr/>
-        </p:nvPicPr>
-        <p:blipFill>
-          <a:blip r:embed="rId4"/>
-          <a:stretch>
-            <a:fillRect/>
-          </a:stretch>
-        </p:blipFill>
-        <p:spPr>
-          <a:xfrm>
-            <a:off x="889780" y="1831857"/>
-            <a:ext cx="3510206" cy="3194287"/>
-          </a:xfrm>
-          <a:prstGeom prst="rect">
-            <a:avLst/>
-          </a:prstGeom>
-          <a:ln w="12700">
-            <a:miter lim="400000"/>
-          </a:ln>
-        </p:spPr>
-      </p:pic>
-      <p:sp>
-        <p:nvSpPr>
-          <p:cNvPr id="352" name="A little more complicated example - samples from different conditions"/>
+      <p:sp>
+        <p:nvSpPr>
+          <p:cNvPr id="334" name="What if we want to look at expression levels of these 4 genes?"/>
           <p:cNvSpPr txBox="1"/>
           <p:nvPr/>
         </p:nvSpPr>
         <p:spPr>
           <a:xfrm>
-            <a:off x="1197886" y="163197"/>
-            <a:ext cx="8978099" cy="420628"/>
+            <a:off x="3105747" y="316171"/>
+            <a:ext cx="5295360" cy="328295"/>
           </a:xfrm>
           <a:prstGeom prst="rect">
             <a:avLst/>
@@ -4421,35 +4162,35 @@
           </a:bodyPr>
           <a:lstStyle>
             <a:lvl1pPr>
-              <a:defRPr sz="4800" b="1"/>
+              <a:defRPr sz="3600"/>
             </a:lvl1pPr>
           </a:lstStyle>
           <a:p>
             <a:r>
-              <a:rPr sz="2400"/>
-              <a:t>A little more complicated example - samples from different conditions</a:t>
+              <a:rPr sz="1800" dirty="0"/>
+              <a:t>What if we want to look at expression levels of 4 genes?</a:t>
             </a:r>
           </a:p>
         </p:txBody>
       </p:sp>
       <p:pic>
         <p:nvPicPr>
-          <p:cNvPr id="353" name="Image" descr="Image"/>
+          <p:cNvPr id="335" name="Image" descr="Image"/>
           <p:cNvPicPr>
             <a:picLocks noChangeAspect="1"/>
           </p:cNvPicPr>
           <p:nvPr/>
         </p:nvPicPr>
         <p:blipFill>
-          <a:blip r:embed="rId5"/>
+          <a:blip r:embed="rId3"/>
           <a:stretch>
             <a:fillRect/>
           </a:stretch>
         </p:blipFill>
         <p:spPr>
           <a:xfrm>
-            <a:off x="5312266" y="1746648"/>
-            <a:ext cx="5475550" cy="882045"/>
+            <a:off x="3794882" y="2257620"/>
+            <a:ext cx="7979507" cy="414838"/>
           </a:xfrm>
           <a:prstGeom prst="rect">
             <a:avLst/>
@@ -4459,7 +4200,39 @@
           </a:ln>
         </p:spPr>
       </p:pic>
+      <p:pic>
+        <p:nvPicPr>
+          <p:cNvPr id="336" name="Image" descr="Image"/>
+          <p:cNvPicPr>
+            <a:picLocks noChangeAspect="1"/>
+          </p:cNvPicPr>
+          <p:nvPr/>
+        </p:nvPicPr>
+        <p:blipFill>
+          <a:blip r:embed="rId4"/>
+          <a:stretch>
+            <a:fillRect/>
+          </a:stretch>
+        </p:blipFill>
+        <p:spPr>
+          <a:xfrm>
+            <a:off x="3541283" y="2870097"/>
+            <a:ext cx="5653199" cy="3572603"/>
+          </a:xfrm>
+          <a:prstGeom prst="rect">
+            <a:avLst/>
+          </a:prstGeom>
+          <a:ln w="12700">
+            <a:miter lim="400000"/>
+          </a:ln>
+        </p:spPr>
+      </p:pic>
     </p:spTree>
+    <p:extLst>
+      <p:ext uri="{BB962C8B-B14F-4D97-AF65-F5344CB8AC3E}">
+        <p14:creationId xmlns:p14="http://schemas.microsoft.com/office/powerpoint/2010/main" val="2696821515"/>
+      </p:ext>
+    </p:extLst>
   </p:cSld>
   <p:clrMapOvr>
     <a:masterClrMapping/>
@@ -4486,7 +4259,7 @@
       </p:grpSpPr>
       <p:pic>
         <p:nvPicPr>
-          <p:cNvPr id="357" name="Image" descr="Image"/>
+          <p:cNvPr id="338" name="Image" descr="Image"/>
           <p:cNvPicPr>
             <a:picLocks noChangeAspect="1"/>
           </p:cNvPicPr>
@@ -4500,8 +4273,8 @@
         </p:blipFill>
         <p:spPr>
           <a:xfrm>
-            <a:off x="889780" y="1831857"/>
-            <a:ext cx="3510206" cy="3194287"/>
+            <a:off x="202599" y="2139318"/>
+            <a:ext cx="7412239" cy="1593559"/>
           </a:xfrm>
           <a:prstGeom prst="rect">
             <a:avLst/>
@@ -4513,7 +4286,7 @@
       </p:pic>
       <p:sp>
         <p:nvSpPr>
-          <p:cNvPr id="358" name="A little more complicated example - samples from different conditions"/>
+          <p:cNvPr id="339" name="A little more complicated example - samples from different conditions"/>
           <p:cNvSpPr txBox="1"/>
           <p:nvPr/>
         </p:nvSpPr>
@@ -4530,7 +4303,7 @@
           </a:ln>
           <a:extLst>
             <a:ext uri="{C572A759-6A51-4108-AA02-DFA0A04FC94B}">
-              <ma14:wrappingTextBoxFlag xmlns:ma14="http://schemas.microsoft.com/office/mac/drawingml/2011/main" xmlns:a14="http://schemas.microsoft.com/office/drawing/2010/main" xmlns:m="http://schemas.openxmlformats.org/officeDocument/2006/math" xmlns="" val="1"/>
+              <ma14:wrappingTextBoxFlag xmlns="" xmlns:m="http://schemas.openxmlformats.org/officeDocument/2006/math" xmlns:a14="http://schemas.microsoft.com/office/drawing/2010/main" xmlns:ma14="http://schemas.microsoft.com/office/mac/drawingml/2011/main" val="1"/>
             </a:ext>
           </a:extLst>
         </p:spPr>
@@ -4551,9 +4324,147 @@
           </a:p>
         </p:txBody>
       </p:sp>
+      <p:sp>
+        <p:nvSpPr>
+          <p:cNvPr id="340" name="Untreated"/>
+          <p:cNvSpPr txBox="1"/>
+          <p:nvPr/>
+        </p:nvSpPr>
+        <p:spPr>
+          <a:xfrm>
+            <a:off x="2004675" y="1526185"/>
+            <a:ext cx="1355949" cy="420628"/>
+          </a:xfrm>
+          <a:prstGeom prst="rect">
+            <a:avLst/>
+          </a:prstGeom>
+          <a:ln w="12700">
+            <a:miter lim="400000"/>
+          </a:ln>
+          <a:extLst>
+            <a:ext uri="{C572A759-6A51-4108-AA02-DFA0A04FC94B}">
+              <ma14:wrappingTextBoxFlag xmlns="" xmlns:m="http://schemas.openxmlformats.org/officeDocument/2006/math" xmlns:a14="http://schemas.microsoft.com/office/drawing/2010/main" xmlns:ma14="http://schemas.microsoft.com/office/mac/drawingml/2011/main" val="1"/>
+            </a:ext>
+          </a:extLst>
+        </p:spPr>
+        <p:txBody>
+          <a:bodyPr wrap="none" lIns="25400" tIns="25400" rIns="25400" bIns="25400" anchor="ctr">
+            <a:spAutoFit/>
+          </a:bodyPr>
+          <a:lstStyle>
+            <a:lvl1pPr>
+              <a:defRPr sz="4800" b="1"/>
+            </a:lvl1pPr>
+          </a:lstStyle>
+          <a:p>
+            <a:r>
+              <a:rPr sz="2400"/>
+              <a:t>Untreated</a:t>
+            </a:r>
+          </a:p>
+        </p:txBody>
+      </p:sp>
+      <p:sp>
+        <p:nvSpPr>
+          <p:cNvPr id="341" name="Treated"/>
+          <p:cNvSpPr txBox="1"/>
+          <p:nvPr/>
+        </p:nvSpPr>
+        <p:spPr>
+          <a:xfrm>
+            <a:off x="5376405" y="1526185"/>
+            <a:ext cx="1022459" cy="420628"/>
+          </a:xfrm>
+          <a:prstGeom prst="rect">
+            <a:avLst/>
+          </a:prstGeom>
+          <a:ln w="12700">
+            <a:miter lim="400000"/>
+          </a:ln>
+          <a:extLst>
+            <a:ext uri="{C572A759-6A51-4108-AA02-DFA0A04FC94B}">
+              <ma14:wrappingTextBoxFlag xmlns="" xmlns:m="http://schemas.openxmlformats.org/officeDocument/2006/math" xmlns:a14="http://schemas.microsoft.com/office/drawing/2010/main" xmlns:ma14="http://schemas.microsoft.com/office/mac/drawingml/2011/main" val="1"/>
+            </a:ext>
+          </a:extLst>
+        </p:spPr>
+        <p:txBody>
+          <a:bodyPr wrap="none" lIns="25400" tIns="25400" rIns="25400" bIns="25400" anchor="ctr">
+            <a:spAutoFit/>
+          </a:bodyPr>
+          <a:lstStyle>
+            <a:lvl1pPr>
+              <a:defRPr sz="4800" b="1"/>
+            </a:lvl1pPr>
+          </a:lstStyle>
+          <a:p>
+            <a:r>
+              <a:rPr sz="2400"/>
+              <a:t>Treated</a:t>
+            </a:r>
+          </a:p>
+        </p:txBody>
+      </p:sp>
+      <p:sp>
+        <p:nvSpPr>
+          <p:cNvPr id="342" name="Line"/>
+          <p:cNvSpPr/>
+          <p:nvPr/>
+        </p:nvSpPr>
+        <p:spPr>
+          <a:xfrm>
+            <a:off x="1584692" y="1990499"/>
+            <a:ext cx="2342480" cy="1"/>
+          </a:xfrm>
+          <a:prstGeom prst="line">
+            <a:avLst/>
+          </a:prstGeom>
+          <a:ln w="101600">
+            <a:solidFill>
+              <a:srgbClr val="000000"/>
+            </a:solidFill>
+            <a:miter lim="400000"/>
+          </a:ln>
+        </p:spPr>
+        <p:txBody>
+          <a:bodyPr lIns="25400" tIns="25400" rIns="25400" bIns="25400" anchor="ctr"/>
+          <a:lstStyle/>
+          <a:p>
+            <a:endParaRPr sz="900"/>
+          </a:p>
+        </p:txBody>
+      </p:sp>
+      <p:sp>
+        <p:nvSpPr>
+          <p:cNvPr id="343" name="Line"/>
+          <p:cNvSpPr/>
+          <p:nvPr/>
+        </p:nvSpPr>
+        <p:spPr>
+          <a:xfrm>
+            <a:off x="4778570" y="2040473"/>
+            <a:ext cx="2342480" cy="1"/>
+          </a:xfrm>
+          <a:prstGeom prst="line">
+            <a:avLst/>
+          </a:prstGeom>
+          <a:ln w="101600">
+            <a:solidFill>
+              <a:srgbClr val="000000"/>
+            </a:solidFill>
+            <a:miter lim="400000"/>
+          </a:ln>
+        </p:spPr>
+        <p:txBody>
+          <a:bodyPr lIns="25400" tIns="25400" rIns="25400" bIns="25400" anchor="ctr"/>
+          <a:lstStyle/>
+          <a:p>
+            <a:endParaRPr sz="900"/>
+          </a:p>
+        </p:txBody>
+      </p:sp>
       <p:pic>
         <p:nvPicPr>
-          <p:cNvPr id="359" name="Image" descr="Image"/>
+          <p:cNvPr id="344" name="Image" descr="Image"/>
           <p:cNvPicPr>
             <a:picLocks noChangeAspect="1"/>
           </p:cNvPicPr>
@@ -4567,8 +4478,8 @@
         </p:blipFill>
         <p:spPr>
           <a:xfrm>
-            <a:off x="4859685" y="3045933"/>
-            <a:ext cx="6626289" cy="3194287"/>
+            <a:off x="8169033" y="2142844"/>
+            <a:ext cx="3510206" cy="3194288"/>
           </a:xfrm>
           <a:prstGeom prst="rect">
             <a:avLst/>
@@ -4578,24 +4489,16 @@
           </a:ln>
         </p:spPr>
       </p:pic>
-      <p:pic>
-        <p:nvPicPr>
-          <p:cNvPr id="360" name="Image" descr="Image"/>
-          <p:cNvPicPr>
-            <a:picLocks noChangeAspect="1"/>
-          </p:cNvPicPr>
-          <p:nvPr/>
-        </p:nvPicPr>
-        <p:blipFill>
-          <a:blip r:embed="rId5"/>
-          <a:stretch>
-            <a:fillRect/>
-          </a:stretch>
-        </p:blipFill>
-        <p:spPr>
-          <a:xfrm>
-            <a:off x="4602042" y="1695828"/>
-            <a:ext cx="7141574" cy="828009"/>
+      <p:sp>
+        <p:nvSpPr>
+          <p:cNvPr id="345" name="Wide"/>
+          <p:cNvSpPr txBox="1"/>
+          <p:nvPr/>
+        </p:nvSpPr>
+        <p:spPr>
+          <a:xfrm>
+            <a:off x="3771499" y="3835594"/>
+            <a:ext cx="726161" cy="420628"/>
           </a:xfrm>
           <a:prstGeom prst="rect">
             <a:avLst/>
@@ -4603,8 +4506,69 @@
           <a:ln w="12700">
             <a:miter lim="400000"/>
           </a:ln>
-        </p:spPr>
-      </p:pic>
+          <a:extLst>
+            <a:ext uri="{C572A759-6A51-4108-AA02-DFA0A04FC94B}">
+              <ma14:wrappingTextBoxFlag xmlns="" xmlns:m="http://schemas.openxmlformats.org/officeDocument/2006/math" xmlns:a14="http://schemas.microsoft.com/office/drawing/2010/main" xmlns:ma14="http://schemas.microsoft.com/office/mac/drawingml/2011/main" val="1"/>
+            </a:ext>
+          </a:extLst>
+        </p:spPr>
+        <p:txBody>
+          <a:bodyPr wrap="none" lIns="25400" tIns="25400" rIns="25400" bIns="25400" anchor="ctr">
+            <a:spAutoFit/>
+          </a:bodyPr>
+          <a:lstStyle>
+            <a:lvl1pPr>
+              <a:defRPr sz="4800" b="1"/>
+            </a:lvl1pPr>
+          </a:lstStyle>
+          <a:p>
+            <a:r>
+              <a:rPr sz="2400"/>
+              <a:t>Wide</a:t>
+            </a:r>
+          </a:p>
+        </p:txBody>
+      </p:sp>
+      <p:sp>
+        <p:nvSpPr>
+          <p:cNvPr id="346" name="Long"/>
+          <p:cNvSpPr txBox="1"/>
+          <p:nvPr/>
+        </p:nvSpPr>
+        <p:spPr>
+          <a:xfrm>
+            <a:off x="9528582" y="5396883"/>
+            <a:ext cx="657231" cy="420628"/>
+          </a:xfrm>
+          <a:prstGeom prst="rect">
+            <a:avLst/>
+          </a:prstGeom>
+          <a:ln w="12700">
+            <a:miter lim="400000"/>
+          </a:ln>
+          <a:extLst>
+            <a:ext uri="{C572A759-6A51-4108-AA02-DFA0A04FC94B}">
+              <ma14:wrappingTextBoxFlag xmlns="" xmlns:m="http://schemas.openxmlformats.org/officeDocument/2006/math" xmlns:a14="http://schemas.microsoft.com/office/drawing/2010/main" xmlns:ma14="http://schemas.microsoft.com/office/mac/drawingml/2011/main" val="1"/>
+            </a:ext>
+          </a:extLst>
+        </p:spPr>
+        <p:txBody>
+          <a:bodyPr wrap="none" lIns="25400" tIns="25400" rIns="25400" bIns="25400" anchor="ctr">
+            <a:spAutoFit/>
+          </a:bodyPr>
+          <a:lstStyle>
+            <a:lvl1pPr>
+              <a:defRPr sz="4800" b="1"/>
+            </a:lvl1pPr>
+          </a:lstStyle>
+          <a:p>
+            <a:r>
+              <a:rPr sz="2400"/>
+              <a:t>Long</a:t>
+            </a:r>
+          </a:p>
+        </p:txBody>
+      </p:sp>
     </p:spTree>
   </p:cSld>
   <p:clrMapOvr>
@@ -4630,16 +4594,70 @@
           <a:chExt cx="0" cy="0"/>
         </a:xfrm>
       </p:grpSpPr>
-      <p:sp>
-        <p:nvSpPr>
-          <p:cNvPr id="366" name="Merging and Joining (relational data)"/>
+      <p:pic>
+        <p:nvPicPr>
+          <p:cNvPr id="350" name="Image" descr="Image"/>
+          <p:cNvPicPr>
+            <a:picLocks noChangeAspect="1"/>
+          </p:cNvPicPr>
+          <p:nvPr/>
+        </p:nvPicPr>
+        <p:blipFill>
+          <a:blip r:embed="rId3"/>
+          <a:stretch>
+            <a:fillRect/>
+          </a:stretch>
+        </p:blipFill>
+        <p:spPr>
+          <a:xfrm>
+            <a:off x="6672906" y="3124151"/>
+            <a:ext cx="5067520" cy="3091072"/>
+          </a:xfrm>
+          <a:prstGeom prst="rect">
+            <a:avLst/>
+          </a:prstGeom>
+          <a:ln w="12700">
+            <a:miter lim="400000"/>
+          </a:ln>
+        </p:spPr>
+      </p:pic>
+      <p:pic>
+        <p:nvPicPr>
+          <p:cNvPr id="351" name="Image" descr="Image"/>
+          <p:cNvPicPr>
+            <a:picLocks noChangeAspect="1"/>
+          </p:cNvPicPr>
+          <p:nvPr/>
+        </p:nvPicPr>
+        <p:blipFill>
+          <a:blip r:embed="rId4"/>
+          <a:stretch>
+            <a:fillRect/>
+          </a:stretch>
+        </p:blipFill>
+        <p:spPr>
+          <a:xfrm>
+            <a:off x="889780" y="1831857"/>
+            <a:ext cx="3510206" cy="3194287"/>
+          </a:xfrm>
+          <a:prstGeom prst="rect">
+            <a:avLst/>
+          </a:prstGeom>
+          <a:ln w="12700">
+            <a:miter lim="400000"/>
+          </a:ln>
+        </p:spPr>
+      </p:pic>
+      <p:sp>
+        <p:nvSpPr>
+          <p:cNvPr id="352" name="A little more complicated example - samples from different conditions"/>
           <p:cNvSpPr txBox="1"/>
           <p:nvPr/>
         </p:nvSpPr>
         <p:spPr>
           <a:xfrm>
-            <a:off x="3437070" y="248014"/>
-            <a:ext cx="5255926" cy="420628"/>
+            <a:off x="1197886" y="163197"/>
+            <a:ext cx="8978099" cy="420628"/>
           </a:xfrm>
           <a:prstGeom prst="rect">
             <a:avLst/>
@@ -4649,7 +4667,1210 @@
           </a:ln>
           <a:extLst>
             <a:ext uri="{C572A759-6A51-4108-AA02-DFA0A04FC94B}">
-              <ma14:wrappingTextBoxFlag xmlns:ma14="http://schemas.microsoft.com/office/mac/drawingml/2011/main" xmlns:a14="http://schemas.microsoft.com/office/drawing/2010/main" xmlns:m="http://schemas.openxmlformats.org/officeDocument/2006/math" xmlns="" val="1"/>
+              <ma14:wrappingTextBoxFlag xmlns="" xmlns:m="http://schemas.openxmlformats.org/officeDocument/2006/math" xmlns:a14="http://schemas.microsoft.com/office/drawing/2010/main" xmlns:ma14="http://schemas.microsoft.com/office/mac/drawingml/2011/main" val="1"/>
+            </a:ext>
+          </a:extLst>
+        </p:spPr>
+        <p:txBody>
+          <a:bodyPr wrap="none" lIns="25400" tIns="25400" rIns="25400" bIns="25400" anchor="ctr">
+            <a:spAutoFit/>
+          </a:bodyPr>
+          <a:lstStyle>
+            <a:lvl1pPr>
+              <a:defRPr sz="4800" b="1"/>
+            </a:lvl1pPr>
+          </a:lstStyle>
+          <a:p>
+            <a:r>
+              <a:rPr sz="2400"/>
+              <a:t>A little more complicated example - samples from different conditions</a:t>
+            </a:r>
+          </a:p>
+        </p:txBody>
+      </p:sp>
+      <p:pic>
+        <p:nvPicPr>
+          <p:cNvPr id="353" name="Image" descr="Image"/>
+          <p:cNvPicPr>
+            <a:picLocks noChangeAspect="1"/>
+          </p:cNvPicPr>
+          <p:nvPr/>
+        </p:nvPicPr>
+        <p:blipFill>
+          <a:blip r:embed="rId5"/>
+          <a:stretch>
+            <a:fillRect/>
+          </a:stretch>
+        </p:blipFill>
+        <p:spPr>
+          <a:xfrm>
+            <a:off x="5312266" y="1746648"/>
+            <a:ext cx="5475550" cy="882045"/>
+          </a:xfrm>
+          <a:prstGeom prst="rect">
+            <a:avLst/>
+          </a:prstGeom>
+          <a:ln w="12700">
+            <a:miter lim="400000"/>
+          </a:ln>
+        </p:spPr>
+      </p:pic>
+    </p:spTree>
+  </p:cSld>
+  <p:clrMapOvr>
+    <a:masterClrMapping/>
+  </p:clrMapOvr>
+</p:sld>
+</file>
+
+<file path=ppt/slides/slide14.xml><?xml version="1.0" encoding="utf-8"?>
+<p:sld xmlns:a="http://schemas.openxmlformats.org/drawingml/2006/main" xmlns:r="http://schemas.openxmlformats.org/officeDocument/2006/relationships" xmlns:p="http://schemas.openxmlformats.org/presentationml/2006/main">
+  <p:cSld>
+    <p:spTree>
+      <p:nvGrpSpPr>
+        <p:cNvPr id="1" name=""/>
+        <p:cNvGrpSpPr/>
+        <p:nvPr/>
+      </p:nvGrpSpPr>
+      <p:grpSpPr>
+        <a:xfrm>
+          <a:off x="0" y="0"/>
+          <a:ext cx="0" cy="0"/>
+          <a:chOff x="0" y="0"/>
+          <a:chExt cx="0" cy="0"/>
+        </a:xfrm>
+      </p:grpSpPr>
+      <p:pic>
+        <p:nvPicPr>
+          <p:cNvPr id="357" name="Image" descr="Image"/>
+          <p:cNvPicPr>
+            <a:picLocks noChangeAspect="1"/>
+          </p:cNvPicPr>
+          <p:nvPr/>
+        </p:nvPicPr>
+        <p:blipFill>
+          <a:blip r:embed="rId3"/>
+          <a:stretch>
+            <a:fillRect/>
+          </a:stretch>
+        </p:blipFill>
+        <p:spPr>
+          <a:xfrm>
+            <a:off x="889780" y="1831857"/>
+            <a:ext cx="3510206" cy="3194287"/>
+          </a:xfrm>
+          <a:prstGeom prst="rect">
+            <a:avLst/>
+          </a:prstGeom>
+          <a:ln w="12700">
+            <a:miter lim="400000"/>
+          </a:ln>
+        </p:spPr>
+      </p:pic>
+      <p:sp>
+        <p:nvSpPr>
+          <p:cNvPr id="358" name="A little more complicated example - samples from different conditions"/>
+          <p:cNvSpPr txBox="1"/>
+          <p:nvPr/>
+        </p:nvSpPr>
+        <p:spPr>
+          <a:xfrm>
+            <a:off x="1197886" y="163197"/>
+            <a:ext cx="8978099" cy="420628"/>
+          </a:xfrm>
+          <a:prstGeom prst="rect">
+            <a:avLst/>
+          </a:prstGeom>
+          <a:ln w="12700">
+            <a:miter lim="400000"/>
+          </a:ln>
+          <a:extLst>
+            <a:ext uri="{C572A759-6A51-4108-AA02-DFA0A04FC94B}">
+              <ma14:wrappingTextBoxFlag xmlns="" xmlns:m="http://schemas.openxmlformats.org/officeDocument/2006/math" xmlns:a14="http://schemas.microsoft.com/office/drawing/2010/main" xmlns:ma14="http://schemas.microsoft.com/office/mac/drawingml/2011/main" val="1"/>
+            </a:ext>
+          </a:extLst>
+        </p:spPr>
+        <p:txBody>
+          <a:bodyPr wrap="none" lIns="25400" tIns="25400" rIns="25400" bIns="25400" anchor="ctr">
+            <a:spAutoFit/>
+          </a:bodyPr>
+          <a:lstStyle>
+            <a:lvl1pPr>
+              <a:defRPr sz="4800" b="1"/>
+            </a:lvl1pPr>
+          </a:lstStyle>
+          <a:p>
+            <a:r>
+              <a:rPr sz="2400"/>
+              <a:t>A little more complicated example - samples from different conditions</a:t>
+            </a:r>
+          </a:p>
+        </p:txBody>
+      </p:sp>
+      <p:pic>
+        <p:nvPicPr>
+          <p:cNvPr id="359" name="Image" descr="Image"/>
+          <p:cNvPicPr>
+            <a:picLocks noChangeAspect="1"/>
+          </p:cNvPicPr>
+          <p:nvPr/>
+        </p:nvPicPr>
+        <p:blipFill>
+          <a:blip r:embed="rId4"/>
+          <a:stretch>
+            <a:fillRect/>
+          </a:stretch>
+        </p:blipFill>
+        <p:spPr>
+          <a:xfrm>
+            <a:off x="4859685" y="3045933"/>
+            <a:ext cx="6626289" cy="3194287"/>
+          </a:xfrm>
+          <a:prstGeom prst="rect">
+            <a:avLst/>
+          </a:prstGeom>
+          <a:ln w="12700">
+            <a:miter lim="400000"/>
+          </a:ln>
+        </p:spPr>
+      </p:pic>
+      <p:pic>
+        <p:nvPicPr>
+          <p:cNvPr id="360" name="Image" descr="Image"/>
+          <p:cNvPicPr>
+            <a:picLocks noChangeAspect="1"/>
+          </p:cNvPicPr>
+          <p:nvPr/>
+        </p:nvPicPr>
+        <p:blipFill>
+          <a:blip r:embed="rId5"/>
+          <a:stretch>
+            <a:fillRect/>
+          </a:stretch>
+        </p:blipFill>
+        <p:spPr>
+          <a:xfrm>
+            <a:off x="4602042" y="1695828"/>
+            <a:ext cx="7141574" cy="828009"/>
+          </a:xfrm>
+          <a:prstGeom prst="rect">
+            <a:avLst/>
+          </a:prstGeom>
+          <a:ln w="12700">
+            <a:miter lim="400000"/>
+          </a:ln>
+        </p:spPr>
+      </p:pic>
+    </p:spTree>
+  </p:cSld>
+  <p:clrMapOvr>
+    <a:masterClrMapping/>
+  </p:clrMapOvr>
+</p:sld>
+</file>
+
+<file path=ppt/slides/slide15.xml><?xml version="1.0" encoding="utf-8"?>
+<p:sld xmlns:a="http://schemas.openxmlformats.org/drawingml/2006/main" xmlns:r="http://schemas.openxmlformats.org/officeDocument/2006/relationships" xmlns:p="http://schemas.openxmlformats.org/presentationml/2006/main">
+  <p:cSld>
+    <p:spTree>
+      <p:nvGrpSpPr>
+        <p:cNvPr id="1" name=""/>
+        <p:cNvGrpSpPr/>
+        <p:nvPr/>
+      </p:nvGrpSpPr>
+      <p:grpSpPr>
+        <a:xfrm>
+          <a:off x="0" y="0"/>
+          <a:ext cx="0" cy="0"/>
+          <a:chOff x="0" y="0"/>
+          <a:chExt cx="0" cy="0"/>
+        </a:xfrm>
+      </p:grpSpPr>
+      <p:sp>
+        <p:nvSpPr>
+          <p:cNvPr id="2" name="TextBox 1">
+            <a:extLst>
+              <a:ext uri="{FF2B5EF4-FFF2-40B4-BE49-F238E27FC236}">
+                <a16:creationId xmlns:a16="http://schemas.microsoft.com/office/drawing/2014/main" id="{EE808F59-D6A1-6EC7-8215-A1414DD3D939}"/>
+              </a:ext>
+            </a:extLst>
+          </p:cNvPr>
+          <p:cNvSpPr txBox="1"/>
+          <p:nvPr/>
+        </p:nvSpPr>
+        <p:spPr>
+          <a:xfrm>
+            <a:off x="4008329" y="294362"/>
+            <a:ext cx="4416274" cy="369332"/>
+          </a:xfrm>
+          <a:prstGeom prst="rect">
+            <a:avLst/>
+          </a:prstGeom>
+          <a:noFill/>
+        </p:spPr>
+        <p:txBody>
+          <a:bodyPr wrap="none" rtlCol="0">
+            <a:spAutoFit/>
+          </a:bodyPr>
+          <a:lstStyle/>
+          <a:p>
+            <a:r>
+              <a:rPr lang="en-US" dirty="0"/>
+              <a:t>Converting between wide and long formats </a:t>
+            </a:r>
+          </a:p>
+        </p:txBody>
+      </p:sp>
+      <p:sp>
+        <p:nvSpPr>
+          <p:cNvPr id="5" name="TextBox 4">
+            <a:extLst>
+              <a:ext uri="{FF2B5EF4-FFF2-40B4-BE49-F238E27FC236}">
+                <a16:creationId xmlns:a16="http://schemas.microsoft.com/office/drawing/2014/main" id="{B79559C3-A22F-1230-70F5-89B6E2C4E39A}"/>
+              </a:ext>
+            </a:extLst>
+          </p:cNvPr>
+          <p:cNvSpPr txBox="1"/>
+          <p:nvPr/>
+        </p:nvSpPr>
+        <p:spPr>
+          <a:xfrm>
+            <a:off x="753650" y="1054274"/>
+            <a:ext cx="1515928" cy="369332"/>
+          </a:xfrm>
+          <a:prstGeom prst="rect">
+            <a:avLst/>
+          </a:prstGeom>
+          <a:noFill/>
+        </p:spPr>
+        <p:txBody>
+          <a:bodyPr wrap="none" rtlCol="0">
+            <a:spAutoFit/>
+          </a:bodyPr>
+          <a:lstStyle/>
+          <a:p>
+            <a:r>
+              <a:rPr lang="en-US" dirty="0" err="1"/>
+              <a:t>pivot_longer</a:t>
+            </a:r>
+            <a:r>
+              <a:rPr lang="en-US" dirty="0"/>
+              <a:t>()</a:t>
+            </a:r>
+          </a:p>
+        </p:txBody>
+      </p:sp>
+      <p:sp>
+        <p:nvSpPr>
+          <p:cNvPr id="7" name="TextBox 6">
+            <a:extLst>
+              <a:ext uri="{FF2B5EF4-FFF2-40B4-BE49-F238E27FC236}">
+                <a16:creationId xmlns:a16="http://schemas.microsoft.com/office/drawing/2014/main" id="{D45D8B8A-91FB-510E-E86D-3BBB80461A55}"/>
+              </a:ext>
+            </a:extLst>
+          </p:cNvPr>
+          <p:cNvSpPr txBox="1"/>
+          <p:nvPr/>
+        </p:nvSpPr>
+        <p:spPr>
+          <a:xfrm>
+            <a:off x="7733257" y="6194306"/>
+            <a:ext cx="6097044" cy="369332"/>
+          </a:xfrm>
+          <a:prstGeom prst="rect">
+            <a:avLst/>
+          </a:prstGeom>
+          <a:noFill/>
+        </p:spPr>
+        <p:txBody>
+          <a:bodyPr wrap="square">
+            <a:spAutoFit/>
+          </a:bodyPr>
+          <a:lstStyle/>
+          <a:p>
+            <a:r>
+              <a:rPr lang="en-US" dirty="0"/>
+              <a:t>https://</a:t>
+            </a:r>
+            <a:r>
+              <a:rPr lang="en-US" dirty="0" err="1"/>
+              <a:t>tidyr.tidyverse.org</a:t>
+            </a:r>
+            <a:r>
+              <a:rPr lang="en-US" dirty="0"/>
+              <a:t>/articles/</a:t>
+            </a:r>
+            <a:r>
+              <a:rPr lang="en-US" dirty="0" err="1"/>
+              <a:t>pivot.html</a:t>
+            </a:r>
+            <a:endParaRPr lang="en-US" dirty="0"/>
+          </a:p>
+        </p:txBody>
+      </p:sp>
+      <p:pic>
+        <p:nvPicPr>
+          <p:cNvPr id="8" name="Picture 7">
+            <a:extLst>
+              <a:ext uri="{FF2B5EF4-FFF2-40B4-BE49-F238E27FC236}">
+                <a16:creationId xmlns:a16="http://schemas.microsoft.com/office/drawing/2014/main" id="{127BA8B8-06AE-6E6A-8720-78F1858E5025}"/>
+              </a:ext>
+            </a:extLst>
+          </p:cNvPr>
+          <p:cNvPicPr>
+            <a:picLocks noChangeAspect="1"/>
+          </p:cNvPicPr>
+          <p:nvPr/>
+        </p:nvPicPr>
+        <p:blipFill>
+          <a:blip r:embed="rId2"/>
+          <a:stretch>
+            <a:fillRect/>
+          </a:stretch>
+        </p:blipFill>
+        <p:spPr>
+          <a:xfrm>
+            <a:off x="2591844" y="1100513"/>
+            <a:ext cx="7772400" cy="276853"/>
+          </a:xfrm>
+          <a:prstGeom prst="rect">
+            <a:avLst/>
+          </a:prstGeom>
+        </p:spPr>
+      </p:pic>
+      <p:pic>
+        <p:nvPicPr>
+          <p:cNvPr id="9" name="Picture 8">
+            <a:extLst>
+              <a:ext uri="{FF2B5EF4-FFF2-40B4-BE49-F238E27FC236}">
+                <a16:creationId xmlns:a16="http://schemas.microsoft.com/office/drawing/2014/main" id="{6E2F069F-068C-300C-AF56-3432AF4D767F}"/>
+              </a:ext>
+            </a:extLst>
+          </p:cNvPr>
+          <p:cNvPicPr>
+            <a:picLocks noChangeAspect="1"/>
+          </p:cNvPicPr>
+          <p:nvPr/>
+        </p:nvPicPr>
+        <p:blipFill>
+          <a:blip r:embed="rId3"/>
+          <a:stretch>
+            <a:fillRect/>
+          </a:stretch>
+        </p:blipFill>
+        <p:spPr>
+          <a:xfrm>
+            <a:off x="697108" y="1745292"/>
+            <a:ext cx="4612017" cy="2181618"/>
+          </a:xfrm>
+          <a:prstGeom prst="rect">
+            <a:avLst/>
+          </a:prstGeom>
+        </p:spPr>
+      </p:pic>
+    </p:spTree>
+    <p:extLst>
+      <p:ext uri="{BB962C8B-B14F-4D97-AF65-F5344CB8AC3E}">
+        <p14:creationId xmlns:p14="http://schemas.microsoft.com/office/powerpoint/2010/main" val="55680800"/>
+      </p:ext>
+    </p:extLst>
+  </p:cSld>
+  <p:clrMapOvr>
+    <a:masterClrMapping/>
+  </p:clrMapOvr>
+</p:sld>
+</file>
+
+<file path=ppt/slides/slide16.xml><?xml version="1.0" encoding="utf-8"?>
+<p:sld xmlns:a="http://schemas.openxmlformats.org/drawingml/2006/main" xmlns:r="http://schemas.openxmlformats.org/officeDocument/2006/relationships" xmlns:p="http://schemas.openxmlformats.org/presentationml/2006/main">
+  <p:cSld>
+    <p:spTree>
+      <p:nvGrpSpPr>
+        <p:cNvPr id="1" name=""/>
+        <p:cNvGrpSpPr/>
+        <p:nvPr/>
+      </p:nvGrpSpPr>
+      <p:grpSpPr>
+        <a:xfrm>
+          <a:off x="0" y="0"/>
+          <a:ext cx="0" cy="0"/>
+          <a:chOff x="0" y="0"/>
+          <a:chExt cx="0" cy="0"/>
+        </a:xfrm>
+      </p:grpSpPr>
+      <p:sp>
+        <p:nvSpPr>
+          <p:cNvPr id="2" name="TextBox 1">
+            <a:extLst>
+              <a:ext uri="{FF2B5EF4-FFF2-40B4-BE49-F238E27FC236}">
+                <a16:creationId xmlns:a16="http://schemas.microsoft.com/office/drawing/2014/main" id="{EE808F59-D6A1-6EC7-8215-A1414DD3D939}"/>
+              </a:ext>
+            </a:extLst>
+          </p:cNvPr>
+          <p:cNvSpPr txBox="1"/>
+          <p:nvPr/>
+        </p:nvSpPr>
+        <p:spPr>
+          <a:xfrm>
+            <a:off x="4008329" y="294362"/>
+            <a:ext cx="4416274" cy="369332"/>
+          </a:xfrm>
+          <a:prstGeom prst="rect">
+            <a:avLst/>
+          </a:prstGeom>
+          <a:noFill/>
+        </p:spPr>
+        <p:txBody>
+          <a:bodyPr wrap="none" rtlCol="0">
+            <a:spAutoFit/>
+          </a:bodyPr>
+          <a:lstStyle/>
+          <a:p>
+            <a:r>
+              <a:rPr lang="en-US" dirty="0"/>
+              <a:t>Converting between wide and long formats </a:t>
+            </a:r>
+          </a:p>
+        </p:txBody>
+      </p:sp>
+      <p:sp>
+        <p:nvSpPr>
+          <p:cNvPr id="5" name="TextBox 4">
+            <a:extLst>
+              <a:ext uri="{FF2B5EF4-FFF2-40B4-BE49-F238E27FC236}">
+                <a16:creationId xmlns:a16="http://schemas.microsoft.com/office/drawing/2014/main" id="{B79559C3-A22F-1230-70F5-89B6E2C4E39A}"/>
+              </a:ext>
+            </a:extLst>
+          </p:cNvPr>
+          <p:cNvSpPr txBox="1"/>
+          <p:nvPr/>
+        </p:nvSpPr>
+        <p:spPr>
+          <a:xfrm>
+            <a:off x="753650" y="1054274"/>
+            <a:ext cx="1515928" cy="369332"/>
+          </a:xfrm>
+          <a:prstGeom prst="rect">
+            <a:avLst/>
+          </a:prstGeom>
+          <a:noFill/>
+        </p:spPr>
+        <p:txBody>
+          <a:bodyPr wrap="none" rtlCol="0">
+            <a:spAutoFit/>
+          </a:bodyPr>
+          <a:lstStyle/>
+          <a:p>
+            <a:r>
+              <a:rPr lang="en-US" dirty="0" err="1"/>
+              <a:t>pivot_longer</a:t>
+            </a:r>
+            <a:r>
+              <a:rPr lang="en-US" dirty="0"/>
+              <a:t>()</a:t>
+            </a:r>
+          </a:p>
+        </p:txBody>
+      </p:sp>
+      <p:sp>
+        <p:nvSpPr>
+          <p:cNvPr id="7" name="TextBox 6">
+            <a:extLst>
+              <a:ext uri="{FF2B5EF4-FFF2-40B4-BE49-F238E27FC236}">
+                <a16:creationId xmlns:a16="http://schemas.microsoft.com/office/drawing/2014/main" id="{D45D8B8A-91FB-510E-E86D-3BBB80461A55}"/>
+              </a:ext>
+            </a:extLst>
+          </p:cNvPr>
+          <p:cNvSpPr txBox="1"/>
+          <p:nvPr/>
+        </p:nvSpPr>
+        <p:spPr>
+          <a:xfrm>
+            <a:off x="7733257" y="6194306"/>
+            <a:ext cx="6097044" cy="369332"/>
+          </a:xfrm>
+          <a:prstGeom prst="rect">
+            <a:avLst/>
+          </a:prstGeom>
+          <a:noFill/>
+        </p:spPr>
+        <p:txBody>
+          <a:bodyPr wrap="square">
+            <a:spAutoFit/>
+          </a:bodyPr>
+          <a:lstStyle/>
+          <a:p>
+            <a:r>
+              <a:rPr lang="en-US" dirty="0"/>
+              <a:t>https://</a:t>
+            </a:r>
+            <a:r>
+              <a:rPr lang="en-US" dirty="0" err="1"/>
+              <a:t>tidyr.tidyverse.org</a:t>
+            </a:r>
+            <a:r>
+              <a:rPr lang="en-US" dirty="0"/>
+              <a:t>/articles/</a:t>
+            </a:r>
+            <a:r>
+              <a:rPr lang="en-US" dirty="0" err="1"/>
+              <a:t>pivot.html</a:t>
+            </a:r>
+            <a:endParaRPr lang="en-US" dirty="0"/>
+          </a:p>
+        </p:txBody>
+      </p:sp>
+      <p:pic>
+        <p:nvPicPr>
+          <p:cNvPr id="8" name="Picture 7">
+            <a:extLst>
+              <a:ext uri="{FF2B5EF4-FFF2-40B4-BE49-F238E27FC236}">
+                <a16:creationId xmlns:a16="http://schemas.microsoft.com/office/drawing/2014/main" id="{127BA8B8-06AE-6E6A-8720-78F1858E5025}"/>
+              </a:ext>
+            </a:extLst>
+          </p:cNvPr>
+          <p:cNvPicPr>
+            <a:picLocks noChangeAspect="1"/>
+          </p:cNvPicPr>
+          <p:nvPr/>
+        </p:nvPicPr>
+        <p:blipFill>
+          <a:blip r:embed="rId2"/>
+          <a:stretch>
+            <a:fillRect/>
+          </a:stretch>
+        </p:blipFill>
+        <p:spPr>
+          <a:xfrm>
+            <a:off x="2591844" y="1100513"/>
+            <a:ext cx="7772400" cy="276853"/>
+          </a:xfrm>
+          <a:prstGeom prst="rect">
+            <a:avLst/>
+          </a:prstGeom>
+        </p:spPr>
+      </p:pic>
+      <p:pic>
+        <p:nvPicPr>
+          <p:cNvPr id="9" name="Picture 8">
+            <a:extLst>
+              <a:ext uri="{FF2B5EF4-FFF2-40B4-BE49-F238E27FC236}">
+                <a16:creationId xmlns:a16="http://schemas.microsoft.com/office/drawing/2014/main" id="{6E2F069F-068C-300C-AF56-3432AF4D767F}"/>
+              </a:ext>
+            </a:extLst>
+          </p:cNvPr>
+          <p:cNvPicPr>
+            <a:picLocks noChangeAspect="1"/>
+          </p:cNvPicPr>
+          <p:nvPr/>
+        </p:nvPicPr>
+        <p:blipFill>
+          <a:blip r:embed="rId3"/>
+          <a:stretch>
+            <a:fillRect/>
+          </a:stretch>
+        </p:blipFill>
+        <p:spPr>
+          <a:xfrm>
+            <a:off x="697108" y="1745292"/>
+            <a:ext cx="4612017" cy="2181618"/>
+          </a:xfrm>
+          <a:prstGeom prst="rect">
+            <a:avLst/>
+          </a:prstGeom>
+        </p:spPr>
+      </p:pic>
+      <p:pic>
+        <p:nvPicPr>
+          <p:cNvPr id="10" name="Picture 9">
+            <a:extLst>
+              <a:ext uri="{FF2B5EF4-FFF2-40B4-BE49-F238E27FC236}">
+                <a16:creationId xmlns:a16="http://schemas.microsoft.com/office/drawing/2014/main" id="{489A0044-0EA4-60BE-B9E6-980517DA0E47}"/>
+              </a:ext>
+            </a:extLst>
+          </p:cNvPr>
+          <p:cNvPicPr>
+            <a:picLocks noChangeAspect="1"/>
+          </p:cNvPicPr>
+          <p:nvPr/>
+        </p:nvPicPr>
+        <p:blipFill>
+          <a:blip r:embed="rId4"/>
+          <a:stretch>
+            <a:fillRect/>
+          </a:stretch>
+        </p:blipFill>
+        <p:spPr>
+          <a:xfrm>
+            <a:off x="6568858" y="1704419"/>
+            <a:ext cx="2080364" cy="2220706"/>
+          </a:xfrm>
+          <a:prstGeom prst="rect">
+            <a:avLst/>
+          </a:prstGeom>
+        </p:spPr>
+      </p:pic>
+      <p:sp>
+        <p:nvSpPr>
+          <p:cNvPr id="11" name="TextBox 10">
+            <a:extLst>
+              <a:ext uri="{FF2B5EF4-FFF2-40B4-BE49-F238E27FC236}">
+                <a16:creationId xmlns:a16="http://schemas.microsoft.com/office/drawing/2014/main" id="{E6A912FF-30D2-79B4-01F1-07C981BE9D8E}"/>
+              </a:ext>
+            </a:extLst>
+          </p:cNvPr>
+          <p:cNvSpPr txBox="1"/>
+          <p:nvPr/>
+        </p:nvSpPr>
+        <p:spPr>
+          <a:xfrm>
+            <a:off x="594986" y="4294836"/>
+            <a:ext cx="4576959" cy="369332"/>
+          </a:xfrm>
+          <a:prstGeom prst="rect">
+            <a:avLst/>
+          </a:prstGeom>
+          <a:noFill/>
+        </p:spPr>
+        <p:txBody>
+          <a:bodyPr wrap="none" rtlCol="0">
+            <a:spAutoFit/>
+          </a:bodyPr>
+          <a:lstStyle/>
+          <a:p>
+            <a:r>
+              <a:rPr lang="en-US" dirty="0"/>
+              <a:t>More useful if you want to plot length vs width</a:t>
+            </a:r>
+          </a:p>
+        </p:txBody>
+      </p:sp>
+      <p:sp>
+        <p:nvSpPr>
+          <p:cNvPr id="13" name="TextBox 12">
+            <a:extLst>
+              <a:ext uri="{FF2B5EF4-FFF2-40B4-BE49-F238E27FC236}">
+                <a16:creationId xmlns:a16="http://schemas.microsoft.com/office/drawing/2014/main" id="{5E2DCCF8-1717-F444-955C-F62097346BEF}"/>
+              </a:ext>
+            </a:extLst>
+          </p:cNvPr>
+          <p:cNvSpPr txBox="1"/>
+          <p:nvPr/>
+        </p:nvSpPr>
+        <p:spPr>
+          <a:xfrm>
+            <a:off x="6330864" y="3981046"/>
+            <a:ext cx="5194948" cy="369332"/>
+          </a:xfrm>
+          <a:prstGeom prst="rect">
+            <a:avLst/>
+          </a:prstGeom>
+          <a:noFill/>
+        </p:spPr>
+        <p:txBody>
+          <a:bodyPr wrap="none" rtlCol="0">
+            <a:spAutoFit/>
+          </a:bodyPr>
+          <a:lstStyle/>
+          <a:p>
+            <a:r>
+              <a:rPr lang="en-US" dirty="0"/>
+              <a:t>More useful if you want to plot all attributes together</a:t>
+            </a:r>
+          </a:p>
+        </p:txBody>
+      </p:sp>
+      <p:pic>
+        <p:nvPicPr>
+          <p:cNvPr id="14" name="Picture 13">
+            <a:extLst>
+              <a:ext uri="{FF2B5EF4-FFF2-40B4-BE49-F238E27FC236}">
+                <a16:creationId xmlns:a16="http://schemas.microsoft.com/office/drawing/2014/main" id="{F9D1E1A7-24D9-1564-6745-23EBC52DBF63}"/>
+              </a:ext>
+            </a:extLst>
+          </p:cNvPr>
+          <p:cNvPicPr>
+            <a:picLocks noChangeAspect="1"/>
+          </p:cNvPicPr>
+          <p:nvPr/>
+        </p:nvPicPr>
+        <p:blipFill>
+          <a:blip r:embed="rId5"/>
+          <a:stretch>
+            <a:fillRect/>
+          </a:stretch>
+        </p:blipFill>
+        <p:spPr>
+          <a:xfrm>
+            <a:off x="1429340" y="4766961"/>
+            <a:ext cx="1797778" cy="1997136"/>
+          </a:xfrm>
+          <a:prstGeom prst="rect">
+            <a:avLst/>
+          </a:prstGeom>
+        </p:spPr>
+      </p:pic>
+      <p:pic>
+        <p:nvPicPr>
+          <p:cNvPr id="15" name="Picture 14">
+            <a:extLst>
+              <a:ext uri="{FF2B5EF4-FFF2-40B4-BE49-F238E27FC236}">
+                <a16:creationId xmlns:a16="http://schemas.microsoft.com/office/drawing/2014/main" id="{37AABA38-6352-FF7A-A86F-B49D58CF2110}"/>
+              </a:ext>
+            </a:extLst>
+          </p:cNvPr>
+          <p:cNvPicPr>
+            <a:picLocks noChangeAspect="1"/>
+          </p:cNvPicPr>
+          <p:nvPr/>
+        </p:nvPicPr>
+        <p:blipFill>
+          <a:blip r:embed="rId6"/>
+          <a:stretch>
+            <a:fillRect/>
+          </a:stretch>
+        </p:blipFill>
+        <p:spPr>
+          <a:xfrm>
+            <a:off x="5840849" y="4406299"/>
+            <a:ext cx="1892408" cy="2095279"/>
+          </a:xfrm>
+          <a:prstGeom prst="rect">
+            <a:avLst/>
+          </a:prstGeom>
+        </p:spPr>
+      </p:pic>
+    </p:spTree>
+    <p:extLst>
+      <p:ext uri="{BB962C8B-B14F-4D97-AF65-F5344CB8AC3E}">
+        <p14:creationId xmlns:p14="http://schemas.microsoft.com/office/powerpoint/2010/main" val="1309205567"/>
+      </p:ext>
+    </p:extLst>
+  </p:cSld>
+  <p:clrMapOvr>
+    <a:masterClrMapping/>
+  </p:clrMapOvr>
+</p:sld>
+</file>
+
+<file path=ppt/slides/slide17.xml><?xml version="1.0" encoding="utf-8"?>
+<p:sld xmlns:a="http://schemas.openxmlformats.org/drawingml/2006/main" xmlns:r="http://schemas.openxmlformats.org/officeDocument/2006/relationships" xmlns:p="http://schemas.openxmlformats.org/presentationml/2006/main">
+  <p:cSld>
+    <p:spTree>
+      <p:nvGrpSpPr>
+        <p:cNvPr id="1" name=""/>
+        <p:cNvGrpSpPr/>
+        <p:nvPr/>
+      </p:nvGrpSpPr>
+      <p:grpSpPr>
+        <a:xfrm>
+          <a:off x="0" y="0"/>
+          <a:ext cx="0" cy="0"/>
+          <a:chOff x="0" y="0"/>
+          <a:chExt cx="0" cy="0"/>
+        </a:xfrm>
+      </p:grpSpPr>
+      <p:sp>
+        <p:nvSpPr>
+          <p:cNvPr id="2" name="TextBox 1">
+            <a:extLst>
+              <a:ext uri="{FF2B5EF4-FFF2-40B4-BE49-F238E27FC236}">
+                <a16:creationId xmlns:a16="http://schemas.microsoft.com/office/drawing/2014/main" id="{EE808F59-D6A1-6EC7-8215-A1414DD3D939}"/>
+              </a:ext>
+            </a:extLst>
+          </p:cNvPr>
+          <p:cNvSpPr txBox="1"/>
+          <p:nvPr/>
+        </p:nvSpPr>
+        <p:spPr>
+          <a:xfrm>
+            <a:off x="4008329" y="294362"/>
+            <a:ext cx="4416274" cy="369332"/>
+          </a:xfrm>
+          <a:prstGeom prst="rect">
+            <a:avLst/>
+          </a:prstGeom>
+          <a:noFill/>
+        </p:spPr>
+        <p:txBody>
+          <a:bodyPr wrap="none" rtlCol="0">
+            <a:spAutoFit/>
+          </a:bodyPr>
+          <a:lstStyle/>
+          <a:p>
+            <a:r>
+              <a:rPr lang="en-US" dirty="0"/>
+              <a:t>Converting between wide and long formats </a:t>
+            </a:r>
+          </a:p>
+        </p:txBody>
+      </p:sp>
+      <p:sp>
+        <p:nvSpPr>
+          <p:cNvPr id="3" name="TextBox 2">
+            <a:extLst>
+              <a:ext uri="{FF2B5EF4-FFF2-40B4-BE49-F238E27FC236}">
+                <a16:creationId xmlns:a16="http://schemas.microsoft.com/office/drawing/2014/main" id="{3852B5D8-7BCC-7D6F-F6AF-3A1EB2E97A2C}"/>
+              </a:ext>
+            </a:extLst>
+          </p:cNvPr>
+          <p:cNvSpPr txBox="1"/>
+          <p:nvPr/>
+        </p:nvSpPr>
+        <p:spPr>
+          <a:xfrm>
+            <a:off x="785549" y="1549362"/>
+            <a:ext cx="1452129" cy="369332"/>
+          </a:xfrm>
+          <a:prstGeom prst="rect">
+            <a:avLst/>
+          </a:prstGeom>
+          <a:noFill/>
+        </p:spPr>
+        <p:txBody>
+          <a:bodyPr wrap="none" rtlCol="0">
+            <a:spAutoFit/>
+          </a:bodyPr>
+          <a:lstStyle/>
+          <a:p>
+            <a:r>
+              <a:rPr lang="en-US" dirty="0" err="1"/>
+              <a:t>pivot_wider</a:t>
+            </a:r>
+            <a:r>
+              <a:rPr lang="en-US" dirty="0"/>
+              <a:t>()</a:t>
+            </a:r>
+          </a:p>
+        </p:txBody>
+      </p:sp>
+      <p:sp>
+        <p:nvSpPr>
+          <p:cNvPr id="5" name="TextBox 4">
+            <a:extLst>
+              <a:ext uri="{FF2B5EF4-FFF2-40B4-BE49-F238E27FC236}">
+                <a16:creationId xmlns:a16="http://schemas.microsoft.com/office/drawing/2014/main" id="{B79559C3-A22F-1230-70F5-89B6E2C4E39A}"/>
+              </a:ext>
+            </a:extLst>
+          </p:cNvPr>
+          <p:cNvSpPr txBox="1"/>
+          <p:nvPr/>
+        </p:nvSpPr>
+        <p:spPr>
+          <a:xfrm>
+            <a:off x="753650" y="1054274"/>
+            <a:ext cx="1515928" cy="369332"/>
+          </a:xfrm>
+          <a:prstGeom prst="rect">
+            <a:avLst/>
+          </a:prstGeom>
+          <a:noFill/>
+        </p:spPr>
+        <p:txBody>
+          <a:bodyPr wrap="none" rtlCol="0">
+            <a:spAutoFit/>
+          </a:bodyPr>
+          <a:lstStyle/>
+          <a:p>
+            <a:r>
+              <a:rPr lang="en-US" dirty="0" err="1"/>
+              <a:t>pivot_longer</a:t>
+            </a:r>
+            <a:r>
+              <a:rPr lang="en-US" dirty="0"/>
+              <a:t>()</a:t>
+            </a:r>
+          </a:p>
+        </p:txBody>
+      </p:sp>
+      <p:sp>
+        <p:nvSpPr>
+          <p:cNvPr id="7" name="TextBox 6">
+            <a:extLst>
+              <a:ext uri="{FF2B5EF4-FFF2-40B4-BE49-F238E27FC236}">
+                <a16:creationId xmlns:a16="http://schemas.microsoft.com/office/drawing/2014/main" id="{D45D8B8A-91FB-510E-E86D-3BBB80461A55}"/>
+              </a:ext>
+            </a:extLst>
+          </p:cNvPr>
+          <p:cNvSpPr txBox="1"/>
+          <p:nvPr/>
+        </p:nvSpPr>
+        <p:spPr>
+          <a:xfrm>
+            <a:off x="7733257" y="6194306"/>
+            <a:ext cx="6097044" cy="369332"/>
+          </a:xfrm>
+          <a:prstGeom prst="rect">
+            <a:avLst/>
+          </a:prstGeom>
+          <a:noFill/>
+        </p:spPr>
+        <p:txBody>
+          <a:bodyPr wrap="square">
+            <a:spAutoFit/>
+          </a:bodyPr>
+          <a:lstStyle/>
+          <a:p>
+            <a:r>
+              <a:rPr lang="en-US" dirty="0"/>
+              <a:t>https://</a:t>
+            </a:r>
+            <a:r>
+              <a:rPr lang="en-US" dirty="0" err="1"/>
+              <a:t>tidyr.tidyverse.org</a:t>
+            </a:r>
+            <a:r>
+              <a:rPr lang="en-US" dirty="0"/>
+              <a:t>/articles/</a:t>
+            </a:r>
+            <a:r>
+              <a:rPr lang="en-US" dirty="0" err="1"/>
+              <a:t>pivot.html</a:t>
+            </a:r>
+            <a:endParaRPr lang="en-US" dirty="0"/>
+          </a:p>
+        </p:txBody>
+      </p:sp>
+      <p:pic>
+        <p:nvPicPr>
+          <p:cNvPr id="8" name="Picture 7">
+            <a:extLst>
+              <a:ext uri="{FF2B5EF4-FFF2-40B4-BE49-F238E27FC236}">
+                <a16:creationId xmlns:a16="http://schemas.microsoft.com/office/drawing/2014/main" id="{127BA8B8-06AE-6E6A-8720-78F1858E5025}"/>
+              </a:ext>
+            </a:extLst>
+          </p:cNvPr>
+          <p:cNvPicPr>
+            <a:picLocks noChangeAspect="1"/>
+          </p:cNvPicPr>
+          <p:nvPr/>
+        </p:nvPicPr>
+        <p:blipFill>
+          <a:blip r:embed="rId2"/>
+          <a:stretch>
+            <a:fillRect/>
+          </a:stretch>
+        </p:blipFill>
+        <p:spPr>
+          <a:xfrm>
+            <a:off x="2591844" y="1100513"/>
+            <a:ext cx="7772400" cy="276853"/>
+          </a:xfrm>
+          <a:prstGeom prst="rect">
+            <a:avLst/>
+          </a:prstGeom>
+        </p:spPr>
+      </p:pic>
+      <p:pic>
+        <p:nvPicPr>
+          <p:cNvPr id="4" name="Picture 3">
+            <a:extLst>
+              <a:ext uri="{FF2B5EF4-FFF2-40B4-BE49-F238E27FC236}">
+                <a16:creationId xmlns:a16="http://schemas.microsoft.com/office/drawing/2014/main" id="{C1D1F3EE-BADC-BAF1-9B77-F89BBD66B765}"/>
+              </a:ext>
+            </a:extLst>
+          </p:cNvPr>
+          <p:cNvPicPr>
+            <a:picLocks noChangeAspect="1"/>
+          </p:cNvPicPr>
+          <p:nvPr/>
+        </p:nvPicPr>
+        <p:blipFill>
+          <a:blip r:embed="rId3"/>
+          <a:stretch>
+            <a:fillRect/>
+          </a:stretch>
+        </p:blipFill>
+        <p:spPr>
+          <a:xfrm>
+            <a:off x="2635685" y="1688979"/>
+            <a:ext cx="7772400" cy="250411"/>
+          </a:xfrm>
+          <a:prstGeom prst="rect">
+            <a:avLst/>
+          </a:prstGeom>
+        </p:spPr>
+      </p:pic>
+      <p:pic>
+        <p:nvPicPr>
+          <p:cNvPr id="6" name="Picture 5">
+            <a:extLst>
+              <a:ext uri="{FF2B5EF4-FFF2-40B4-BE49-F238E27FC236}">
+                <a16:creationId xmlns:a16="http://schemas.microsoft.com/office/drawing/2014/main" id="{30B92E9A-0F26-8F60-44E6-6F6CF12A6218}"/>
+              </a:ext>
+            </a:extLst>
+          </p:cNvPr>
+          <p:cNvPicPr>
+            <a:picLocks noChangeAspect="1"/>
+          </p:cNvPicPr>
+          <p:nvPr/>
+        </p:nvPicPr>
+        <p:blipFill>
+          <a:blip r:embed="rId4"/>
+          <a:stretch>
+            <a:fillRect/>
+          </a:stretch>
+        </p:blipFill>
+        <p:spPr>
+          <a:xfrm>
+            <a:off x="3146207" y="2029152"/>
+            <a:ext cx="6388100" cy="1524000"/>
+          </a:xfrm>
+          <a:prstGeom prst="rect">
+            <a:avLst/>
+          </a:prstGeom>
+        </p:spPr>
+      </p:pic>
+      <p:pic>
+        <p:nvPicPr>
+          <p:cNvPr id="9" name="Picture 8">
+            <a:extLst>
+              <a:ext uri="{FF2B5EF4-FFF2-40B4-BE49-F238E27FC236}">
+                <a16:creationId xmlns:a16="http://schemas.microsoft.com/office/drawing/2014/main" id="{E0C84F01-AEDE-EA93-ECB9-73BC968C1A25}"/>
+              </a:ext>
+            </a:extLst>
+          </p:cNvPr>
+          <p:cNvPicPr>
+            <a:picLocks noChangeAspect="1"/>
+          </p:cNvPicPr>
+          <p:nvPr/>
+        </p:nvPicPr>
+        <p:blipFill>
+          <a:blip r:embed="rId5"/>
+          <a:stretch>
+            <a:fillRect/>
+          </a:stretch>
+        </p:blipFill>
+        <p:spPr>
+          <a:xfrm>
+            <a:off x="1741116" y="3811787"/>
+            <a:ext cx="8288144" cy="676583"/>
+          </a:xfrm>
+          <a:prstGeom prst="rect">
+            <a:avLst/>
+          </a:prstGeom>
+        </p:spPr>
+      </p:pic>
+      <p:pic>
+        <p:nvPicPr>
+          <p:cNvPr id="10" name="Picture 9">
+            <a:extLst>
+              <a:ext uri="{FF2B5EF4-FFF2-40B4-BE49-F238E27FC236}">
+                <a16:creationId xmlns:a16="http://schemas.microsoft.com/office/drawing/2014/main" id="{BC5A67C5-3F5C-6C5A-896B-CA8504919DBB}"/>
+              </a:ext>
+            </a:extLst>
+          </p:cNvPr>
+          <p:cNvPicPr>
+            <a:picLocks noChangeAspect="1"/>
+          </p:cNvPicPr>
+          <p:nvPr/>
+        </p:nvPicPr>
+        <p:blipFill>
+          <a:blip r:embed="rId6"/>
+          <a:stretch>
+            <a:fillRect/>
+          </a:stretch>
+        </p:blipFill>
+        <p:spPr>
+          <a:xfrm>
+            <a:off x="1453772" y="4609294"/>
+            <a:ext cx="2276144" cy="1954344"/>
+          </a:xfrm>
+          <a:prstGeom prst="rect">
+            <a:avLst/>
+          </a:prstGeom>
+        </p:spPr>
+      </p:pic>
+      <p:sp>
+        <p:nvSpPr>
+          <p:cNvPr id="11" name="TextBox 10">
+            <a:extLst>
+              <a:ext uri="{FF2B5EF4-FFF2-40B4-BE49-F238E27FC236}">
+                <a16:creationId xmlns:a16="http://schemas.microsoft.com/office/drawing/2014/main" id="{DE30BB2C-1F2D-90B3-B5B3-DA406BCB8928}"/>
+              </a:ext>
+            </a:extLst>
+          </p:cNvPr>
+          <p:cNvSpPr txBox="1"/>
+          <p:nvPr/>
+        </p:nvSpPr>
+        <p:spPr>
+          <a:xfrm>
+            <a:off x="3864279" y="4830467"/>
+            <a:ext cx="5760103" cy="338554"/>
+          </a:xfrm>
+          <a:prstGeom prst="rect">
+            <a:avLst/>
+          </a:prstGeom>
+          <a:noFill/>
+        </p:spPr>
+        <p:txBody>
+          <a:bodyPr wrap="none" rtlCol="0">
+            <a:spAutoFit/>
+          </a:bodyPr>
+          <a:lstStyle/>
+          <a:p>
+            <a:r>
+              <a:rPr lang="en-US" sz="1600" dirty="0"/>
+              <a:t>Each set of 4 measurements – (originally 1 row) has a unique </a:t>
+            </a:r>
+            <a:r>
+              <a:rPr lang="en-US" sz="1600" dirty="0" err="1"/>
+              <a:t>rowid</a:t>
+            </a:r>
+            <a:endParaRPr lang="en-US" sz="1600" dirty="0"/>
+          </a:p>
+        </p:txBody>
+      </p:sp>
+    </p:spTree>
+    <p:extLst>
+      <p:ext uri="{BB962C8B-B14F-4D97-AF65-F5344CB8AC3E}">
+        <p14:creationId xmlns:p14="http://schemas.microsoft.com/office/powerpoint/2010/main" val="3382798192"/>
+      </p:ext>
+    </p:extLst>
+  </p:cSld>
+  <p:clrMapOvr>
+    <a:masterClrMapping/>
+  </p:clrMapOvr>
+</p:sld>
+</file>
+
+<file path=ppt/slides/slide18.xml><?xml version="1.0" encoding="utf-8"?>
+<p:sld xmlns:a="http://schemas.openxmlformats.org/drawingml/2006/main" xmlns:r="http://schemas.openxmlformats.org/officeDocument/2006/relationships" xmlns:p="http://schemas.openxmlformats.org/presentationml/2006/main">
+  <p:cSld>
+    <p:spTree>
+      <p:nvGrpSpPr>
+        <p:cNvPr id="1" name=""/>
+        <p:cNvGrpSpPr/>
+        <p:nvPr/>
+      </p:nvGrpSpPr>
+      <p:grpSpPr>
+        <a:xfrm>
+          <a:off x="0" y="0"/>
+          <a:ext cx="0" cy="0"/>
+          <a:chOff x="0" y="0"/>
+          <a:chExt cx="0" cy="0"/>
+        </a:xfrm>
+      </p:grpSpPr>
+      <p:sp>
+        <p:nvSpPr>
+          <p:cNvPr id="366" name="Merging and Joining (relational data)"/>
+          <p:cNvSpPr txBox="1"/>
+          <p:nvPr/>
+        </p:nvSpPr>
+        <p:spPr>
+          <a:xfrm>
+            <a:off x="3437070" y="248014"/>
+            <a:ext cx="5255926" cy="420628"/>
+          </a:xfrm>
+          <a:prstGeom prst="rect">
+            <a:avLst/>
+          </a:prstGeom>
+          <a:ln w="12700">
+            <a:miter lim="400000"/>
+          </a:ln>
+          <a:extLst>
+            <a:ext uri="{C572A759-6A51-4108-AA02-DFA0A04FC94B}">
+              <ma14:wrappingTextBoxFlag xmlns="" xmlns:m="http://schemas.openxmlformats.org/officeDocument/2006/math" xmlns:a14="http://schemas.microsoft.com/office/drawing/2010/main" xmlns:ma14="http://schemas.microsoft.com/office/mac/drawingml/2011/main" val="1"/>
             </a:ext>
           </a:extLst>
         </p:spPr>
@@ -5243,7 +6464,7 @@
 </p:sld>
 </file>
 
-<file path=ppt/slides/slide14.xml><?xml version="1.0" encoding="utf-8"?>
+<file path=ppt/slides/slide19.xml><?xml version="1.0" encoding="utf-8"?>
 <p:sld xmlns:a="http://schemas.openxmlformats.org/drawingml/2006/main" xmlns:r="http://schemas.openxmlformats.org/officeDocument/2006/relationships" xmlns:p="http://schemas.openxmlformats.org/presentationml/2006/main">
   <p:cSld>
     <p:spTree>
@@ -5279,7 +6500,7 @@
           </a:ln>
           <a:extLst>
             <a:ext uri="{C572A759-6A51-4108-AA02-DFA0A04FC94B}">
-              <ma14:wrappingTextBoxFlag xmlns:ma14="http://schemas.microsoft.com/office/mac/drawingml/2011/main" xmlns:a14="http://schemas.microsoft.com/office/drawing/2010/main" xmlns:m="http://schemas.openxmlformats.org/officeDocument/2006/math" xmlns="" val="1"/>
+              <ma14:wrappingTextBoxFlag xmlns="" xmlns:m="http://schemas.openxmlformats.org/officeDocument/2006/math" xmlns:a14="http://schemas.microsoft.com/office/drawing/2010/main" xmlns:ma14="http://schemas.microsoft.com/office/mac/drawingml/2011/main" val="1"/>
             </a:ext>
           </a:extLst>
         </p:spPr>
@@ -5313,7 +6534,7 @@
         </p:nvGraphicFramePr>
         <p:xfrm>
           <a:off x="2197395" y="1421165"/>
-          <a:ext cx="2931110" cy="3374067"/>
+          <a:ext cx="2924760" cy="3367716"/>
         </p:xfrm>
         <a:graphic>
           <a:graphicData uri="http://schemas.openxmlformats.org/drawingml/2006/table">
@@ -5447,7 +6668,7 @@
                     <a:p>
                       <a:pPr defTabSz="914400"/>
                       <a:r>
-                        <a:rPr sz="1600"/>
+                        <a:rPr sz="1600" dirty="0"/>
                         <a:t>A</a:t>
                       </a:r>
                     </a:p>
@@ -5609,7 +6830,7 @@
                     <a:p>
                       <a:pPr defTabSz="914400"/>
                       <a:r>
-                        <a:rPr sz="1600"/>
+                        <a:rPr sz="1600" dirty="0"/>
                         <a:t>B</a:t>
                       </a:r>
                     </a:p>
@@ -5630,25 +6851,31 @@
         <p:nvGraphicFramePr>
           <p:cNvPr id="372" name="Table 1-1"/>
           <p:cNvGraphicFramePr/>
-          <p:nvPr/>
+          <p:nvPr>
+            <p:extLst>
+              <p:ext uri="{D42A27DB-BD31-4B8C-83A1-F6EECF244321}">
+                <p14:modId xmlns:p14="http://schemas.microsoft.com/office/powerpoint/2010/main" val="1397853513"/>
+              </p:ext>
+            </p:extLst>
+          </p:nvPr>
         </p:nvGraphicFramePr>
         <p:xfrm>
           <a:off x="7261420" y="1356725"/>
-          <a:ext cx="2931110" cy="3374066"/>
+          <a:ext cx="2924760" cy="1453216"/>
         </p:xfrm>
         <a:graphic>
           <a:graphicData uri="http://schemas.openxmlformats.org/drawingml/2006/table">
             <a:tbl>
               <a:tblPr firstRow="1" firstCol="1"/>
               <a:tblGrid>
-                <a:gridCol w="1462380">
+                <a:gridCol w="1068388">
                   <a:extLst>
                     <a:ext uri="{9D8B030D-6E8A-4147-A177-3AD203B41FA5}">
                       <a16:colId xmlns:a16="http://schemas.microsoft.com/office/drawing/2014/main" val="20000"/>
                     </a:ext>
                   </a:extLst>
                 </a:gridCol>
-                <a:gridCol w="1462380">
+                <a:gridCol w="1856372">
                   <a:extLst>
                     <a:ext uri="{9D8B030D-6E8A-4147-A177-3AD203B41FA5}">
                       <a16:colId xmlns:a16="http://schemas.microsoft.com/office/drawing/2014/main" val="20001"/>
@@ -5768,7 +6995,7 @@
                     <a:p>
                       <a:pPr defTabSz="914400"/>
                       <a:r>
-                        <a:rPr sz="1600"/>
+                        <a:rPr sz="1600" dirty="0"/>
                         <a:t>Normal</a:t>
                       </a:r>
                     </a:p>
@@ -5793,7 +7020,7 @@
         </p:nvSpPr>
         <p:spPr>
           <a:xfrm>
-            <a:off x="4995678" y="2202900"/>
+            <a:off x="4930581" y="2271793"/>
             <a:ext cx="2648622" cy="1"/>
           </a:xfrm>
           <a:prstGeom prst="line">
@@ -5804,6 +7031,8 @@
               <a:srgbClr val="000000"/>
             </a:solidFill>
             <a:miter lim="400000"/>
+            <a:headEnd type="triangle"/>
+            <a:tailEnd type="triangle"/>
           </a:ln>
         </p:spPr>
         <p:txBody>
@@ -5822,7 +7051,199 @@
 </p:sld>
 </file>
 
-<file path=ppt/slides/slide15.xml><?xml version="1.0" encoding="utf-8"?>
+<file path=ppt/slides/slide2.xml><?xml version="1.0" encoding="utf-8"?>
+<p:sld xmlns:a="http://schemas.openxmlformats.org/drawingml/2006/main" xmlns:r="http://schemas.openxmlformats.org/officeDocument/2006/relationships" xmlns:p="http://schemas.openxmlformats.org/presentationml/2006/main">
+  <p:cSld>
+    <p:spTree>
+      <p:nvGrpSpPr>
+        <p:cNvPr id="1" name=""/>
+        <p:cNvGrpSpPr/>
+        <p:nvPr/>
+      </p:nvGrpSpPr>
+      <p:grpSpPr>
+        <a:xfrm>
+          <a:off x="0" y="0"/>
+          <a:ext cx="0" cy="0"/>
+          <a:chOff x="0" y="0"/>
+          <a:chExt cx="0" cy="0"/>
+        </a:xfrm>
+      </p:grpSpPr>
+      <p:sp>
+        <p:nvSpPr>
+          <p:cNvPr id="311" name="Recap"/>
+          <p:cNvSpPr txBox="1"/>
+          <p:nvPr/>
+        </p:nvSpPr>
+        <p:spPr>
+          <a:xfrm>
+            <a:off x="5819759" y="383337"/>
+            <a:ext cx="51361" cy="420628"/>
+          </a:xfrm>
+          <a:prstGeom prst="rect">
+            <a:avLst/>
+          </a:prstGeom>
+          <a:ln w="12700">
+            <a:miter lim="400000"/>
+          </a:ln>
+          <a:extLst>
+            <a:ext uri="{C572A759-6A51-4108-AA02-DFA0A04FC94B}">
+              <ma14:wrappingTextBoxFlag xmlns="" xmlns:m="http://schemas.openxmlformats.org/officeDocument/2006/math" xmlns:a14="http://schemas.microsoft.com/office/drawing/2010/main" xmlns:ma14="http://schemas.microsoft.com/office/mac/drawingml/2011/main" val="1"/>
+            </a:ext>
+          </a:extLst>
+        </p:spPr>
+        <p:txBody>
+          <a:bodyPr wrap="none" lIns="25400" tIns="25400" rIns="25400" bIns="25400" anchor="ctr">
+            <a:spAutoFit/>
+          </a:bodyPr>
+          <a:lstStyle>
+            <a:lvl1pPr>
+              <a:defRPr sz="4800"/>
+            </a:lvl1pPr>
+          </a:lstStyle>
+          <a:p>
+            <a:endParaRPr sz="2400" dirty="0"/>
+          </a:p>
+        </p:txBody>
+      </p:sp>
+      <p:sp>
+        <p:nvSpPr>
+          <p:cNvPr id="312" name="Installing/loading libraries  - library()…"/>
+          <p:cNvSpPr txBox="1"/>
+          <p:nvPr/>
+        </p:nvSpPr>
+        <p:spPr>
+          <a:xfrm>
+            <a:off x="2161626" y="2277958"/>
+            <a:ext cx="7850226" cy="974626"/>
+          </a:xfrm>
+          <a:prstGeom prst="rect">
+            <a:avLst/>
+          </a:prstGeom>
+          <a:ln w="12700">
+            <a:miter lim="400000"/>
+          </a:ln>
+          <a:extLst>
+            <a:ext uri="{C572A759-6A51-4108-AA02-DFA0A04FC94B}">
+              <ma14:wrappingTextBoxFlag xmlns="" xmlns:m="http://schemas.openxmlformats.org/officeDocument/2006/math" xmlns:a14="http://schemas.microsoft.com/office/drawing/2010/main" xmlns:ma14="http://schemas.microsoft.com/office/mac/drawingml/2011/main" val="1"/>
+            </a:ext>
+          </a:extLst>
+        </p:spPr>
+        <p:txBody>
+          <a:bodyPr wrap="none" lIns="25400" tIns="25400" rIns="25400" bIns="25400" anchor="ctr">
+            <a:spAutoFit/>
+          </a:bodyPr>
+          <a:lstStyle/>
+          <a:p>
+            <a:pPr marL="152400" indent="-152400">
+              <a:buSzPct val="123000"/>
+              <a:buChar char="•"/>
+              <a:defRPr sz="4000"/>
+            </a:pPr>
+            <a:r>
+              <a:rPr sz="2000" dirty="0"/>
+              <a:t>Installing/loading libraries  - library()</a:t>
+            </a:r>
+          </a:p>
+          <a:p>
+            <a:pPr marL="152400" indent="-152400">
+              <a:buSzPct val="123000"/>
+              <a:buChar char="•"/>
+              <a:defRPr sz="4000"/>
+            </a:pPr>
+            <a:r>
+              <a:rPr sz="2000" dirty="0"/>
+              <a:t>Filter/Grouping/Summarizing - filter(), </a:t>
+            </a:r>
+            <a:r>
+              <a:rPr sz="2000" dirty="0" err="1"/>
+              <a:t>group_by</a:t>
+            </a:r>
+            <a:r>
+              <a:rPr sz="2000" dirty="0"/>
+              <a:t>(), </a:t>
+            </a:r>
+            <a:r>
+              <a:rPr sz="2000" dirty="0" err="1"/>
+              <a:t>summarise</a:t>
+            </a:r>
+            <a:r>
+              <a:rPr sz="2000" dirty="0"/>
+              <a:t>(), mutate()</a:t>
+            </a:r>
+          </a:p>
+          <a:p>
+            <a:pPr marL="152400" indent="-152400">
+              <a:buSzPct val="123000"/>
+              <a:buChar char="•"/>
+              <a:defRPr sz="4000"/>
+            </a:pPr>
+            <a:r>
+              <a:rPr sz="2000" dirty="0"/>
+              <a:t>Importing Data - </a:t>
+            </a:r>
+            <a:r>
+              <a:rPr sz="2000" dirty="0" err="1"/>
+              <a:t>read_csv</a:t>
+            </a:r>
+            <a:r>
+              <a:rPr sz="2000" dirty="0"/>
+              <a:t>(), </a:t>
+            </a:r>
+            <a:r>
+              <a:rPr sz="2000" dirty="0" err="1"/>
+              <a:t>read_tsv</a:t>
+            </a:r>
+            <a:r>
+              <a:rPr sz="2000" dirty="0"/>
+              <a:t>()</a:t>
+            </a:r>
+          </a:p>
+        </p:txBody>
+      </p:sp>
+      <p:sp>
+        <p:nvSpPr>
+          <p:cNvPr id="2" name="TextBox 1">
+            <a:extLst>
+              <a:ext uri="{FF2B5EF4-FFF2-40B4-BE49-F238E27FC236}">
+                <a16:creationId xmlns:a16="http://schemas.microsoft.com/office/drawing/2014/main" id="{E9D58880-F304-2884-78F0-DEE8B9D1069D}"/>
+              </a:ext>
+            </a:extLst>
+          </p:cNvPr>
+          <p:cNvSpPr txBox="1"/>
+          <p:nvPr/>
+        </p:nvSpPr>
+        <p:spPr>
+          <a:xfrm>
+            <a:off x="5177993" y="360875"/>
+            <a:ext cx="3976828" cy="369332"/>
+          </a:xfrm>
+          <a:prstGeom prst="rect">
+            <a:avLst/>
+          </a:prstGeom>
+          <a:noFill/>
+        </p:spPr>
+        <p:txBody>
+          <a:bodyPr wrap="square" rtlCol="0">
+            <a:spAutoFit/>
+          </a:bodyPr>
+          <a:lstStyle/>
+          <a:p>
+            <a:r>
+              <a:rPr lang="en-US" dirty="0"/>
+              <a:t>Last time</a:t>
+            </a:r>
+          </a:p>
+        </p:txBody>
+      </p:sp>
+    </p:spTree>
+  </p:cSld>
+  <p:clrMapOvr>
+    <a:masterClrMapping/>
+  </p:clrMapOvr>
+</p:sld>
+</file>
+
+<file path=ppt/slides/slide20.xml><?xml version="1.0" encoding="utf-8"?>
 <p:sld xmlns:a="http://schemas.openxmlformats.org/drawingml/2006/main" xmlns:r="http://schemas.openxmlformats.org/officeDocument/2006/relationships" xmlns:p="http://schemas.openxmlformats.org/presentationml/2006/main">
   <p:cSld>
     <p:spTree>
@@ -5847,7 +7268,7 @@
         </p:nvGraphicFramePr>
         <p:xfrm>
           <a:off x="2197395" y="1421165"/>
-          <a:ext cx="4153436" cy="3374067"/>
+          <a:ext cx="4147084" cy="3367716"/>
         </p:xfrm>
         <a:graphic>
           <a:graphicData uri="http://schemas.openxmlformats.org/drawingml/2006/table">
@@ -6261,7 +7682,7 @@
           </a:ln>
           <a:extLst>
             <a:ext uri="{C572A759-6A51-4108-AA02-DFA0A04FC94B}">
-              <ma14:wrappingTextBoxFlag xmlns:ma14="http://schemas.microsoft.com/office/mac/drawingml/2011/main" xmlns:a14="http://schemas.microsoft.com/office/drawing/2010/main" xmlns:m="http://schemas.openxmlformats.org/officeDocument/2006/math" xmlns="" val="1"/>
+              <ma14:wrappingTextBoxFlag xmlns="" xmlns:m="http://schemas.openxmlformats.org/officeDocument/2006/math" xmlns:a14="http://schemas.microsoft.com/office/drawing/2010/main" xmlns:ma14="http://schemas.microsoft.com/office/mac/drawingml/2011/main" val="1"/>
             </a:ext>
           </a:extLst>
         </p:spPr>
@@ -6282,6 +7703,36 @@
           </a:p>
         </p:txBody>
       </p:sp>
+      <p:pic>
+        <p:nvPicPr>
+          <p:cNvPr id="2" name="Picture 1">
+            <a:extLst>
+              <a:ext uri="{FF2B5EF4-FFF2-40B4-BE49-F238E27FC236}">
+                <a16:creationId xmlns:a16="http://schemas.microsoft.com/office/drawing/2014/main" id="{3D3D8711-5350-C33D-BCCA-48FEDB958B93}"/>
+              </a:ext>
+            </a:extLst>
+          </p:cNvPr>
+          <p:cNvPicPr>
+            <a:picLocks noChangeAspect="1"/>
+          </p:cNvPicPr>
+          <p:nvPr/>
+        </p:nvPicPr>
+        <p:blipFill>
+          <a:blip r:embed="rId2"/>
+          <a:stretch>
+            <a:fillRect/>
+          </a:stretch>
+        </p:blipFill>
+        <p:spPr>
+          <a:xfrm>
+            <a:off x="7366174" y="1652739"/>
+            <a:ext cx="3835400" cy="2387600"/>
+          </a:xfrm>
+          <a:prstGeom prst="rect">
+            <a:avLst/>
+          </a:prstGeom>
+        </p:spPr>
+      </p:pic>
     </p:spTree>
   </p:cSld>
   <p:clrMapOvr>
@@ -6290,7 +7741,7 @@
 </p:sld>
 </file>
 
-<file path=ppt/slides/slide16.xml><?xml version="1.0" encoding="utf-8"?>
+<file path=ppt/slides/slide21.xml><?xml version="1.0" encoding="utf-8"?>
 <p:sld xmlns:a="http://schemas.openxmlformats.org/drawingml/2006/main" xmlns:r="http://schemas.openxmlformats.org/officeDocument/2006/relationships" xmlns:p="http://schemas.openxmlformats.org/presentationml/2006/main">
   <p:cSld>
     <p:spTree>
@@ -6307,569 +7758,9 @@
           <a:chExt cx="0" cy="0"/>
         </a:xfrm>
       </p:grpSpPr>
-      <p:graphicFrame>
-        <p:nvGraphicFramePr>
-          <p:cNvPr id="378" name="Table 1"/>
-          <p:cNvGraphicFramePr/>
-          <p:nvPr/>
-        </p:nvGraphicFramePr>
-        <p:xfrm>
-          <a:off x="2197395" y="1421165"/>
-          <a:ext cx="2931110" cy="3374067"/>
-        </p:xfrm>
-        <a:graphic>
-          <a:graphicData uri="http://schemas.openxmlformats.org/drawingml/2006/table">
-            <a:tbl>
-              <a:tblPr firstRow="1" firstCol="1"/>
-              <a:tblGrid>
-                <a:gridCol w="888649">
-                  <a:extLst>
-                    <a:ext uri="{9D8B030D-6E8A-4147-A177-3AD203B41FA5}">
-                      <a16:colId xmlns:a16="http://schemas.microsoft.com/office/drawing/2014/main" val="20000"/>
-                    </a:ext>
-                  </a:extLst>
-                </a:gridCol>
-                <a:gridCol w="888649">
-                  <a:extLst>
-                    <a:ext uri="{9D8B030D-6E8A-4147-A177-3AD203B41FA5}">
-                      <a16:colId xmlns:a16="http://schemas.microsoft.com/office/drawing/2014/main" val="20001"/>
-                    </a:ext>
-                  </a:extLst>
-                </a:gridCol>
-                <a:gridCol w="1147462">
-                  <a:extLst>
-                    <a:ext uri="{9D8B030D-6E8A-4147-A177-3AD203B41FA5}">
-                      <a16:colId xmlns:a16="http://schemas.microsoft.com/office/drawing/2014/main" val="20002"/>
-                    </a:ext>
-                  </a:extLst>
-                </a:gridCol>
-              </a:tblGrid>
-              <a:tr h="571215">
-                <a:tc>
-                  <a:txBody>
-                    <a:bodyPr/>
-                    <a:lstStyle/>
-                    <a:p>
-                      <a:pPr defTabSz="914400">
-                        <a:tabLst>
-                          <a:tab pos="1663700" algn="l"/>
-                        </a:tabLst>
-                        <a:defRPr b="0"/>
-                      </a:pPr>
-                      <a:r>
-                        <a:rPr sz="1600" b="1"/>
-                        <a:t>Gene</a:t>
-                      </a:r>
-                    </a:p>
-                  </a:txBody>
-                  <a:tcPr marL="25400" marR="25400" marT="25400" marB="25400" anchor="ctr" horzOverflow="overflow"/>
-                </a:tc>
-                <a:tc>
-                  <a:txBody>
-                    <a:bodyPr/>
-                    <a:lstStyle/>
-                    <a:p>
-                      <a:pPr defTabSz="914400">
-                        <a:tabLst>
-                          <a:tab pos="1663700" algn="l"/>
-                        </a:tabLst>
-                        <a:defRPr b="0"/>
-                      </a:pPr>
-                      <a:r>
-                        <a:rPr sz="1600" b="1"/>
-                        <a:t>Count</a:t>
-                      </a:r>
-                    </a:p>
-                  </a:txBody>
-                  <a:tcPr marL="25400" marR="25400" marT="25400" marB="25400" anchor="ctr" horzOverflow="overflow"/>
-                </a:tc>
-                <a:tc>
-                  <a:txBody>
-                    <a:bodyPr/>
-                    <a:lstStyle/>
-                    <a:p>
-                      <a:pPr defTabSz="914400">
-                        <a:tabLst>
-                          <a:tab pos="1663700" algn="l"/>
-                        </a:tabLst>
-                        <a:defRPr b="0"/>
-                      </a:pPr>
-                      <a:r>
-                        <a:rPr sz="1600" b="1"/>
-                        <a:t>Sample</a:t>
-                      </a:r>
-                    </a:p>
-                  </a:txBody>
-                  <a:tcPr marL="25400" marR="25400" marT="25400" marB="25400" anchor="ctr" horzOverflow="overflow"/>
-                </a:tc>
-                <a:extLst>
-                  <a:ext uri="{0D108BD9-81ED-4DB2-BD59-A6C34878D82A}">
-                    <a16:rowId xmlns:a16="http://schemas.microsoft.com/office/drawing/2014/main" val="10000"/>
-                  </a:ext>
-                </a:extLst>
-              </a:tr>
-              <a:tr h="775872">
-                <a:tc>
-                  <a:txBody>
-                    <a:bodyPr/>
-                    <a:lstStyle/>
-                    <a:p>
-                      <a:pPr defTabSz="914400">
-                        <a:tabLst>
-                          <a:tab pos="1663700" algn="l"/>
-                        </a:tabLst>
-                        <a:defRPr b="0"/>
-                      </a:pPr>
-                      <a:r>
-                        <a:rPr sz="1600" b="1"/>
-                        <a:t>Arid2</a:t>
-                      </a:r>
-                    </a:p>
-                  </a:txBody>
-                  <a:tcPr marL="25400" marR="25400" marT="25400" marB="25400" anchor="ctr" horzOverflow="overflow"/>
-                </a:tc>
-                <a:tc>
-                  <a:txBody>
-                    <a:bodyPr/>
-                    <a:lstStyle/>
-                    <a:p>
-                      <a:pPr defTabSz="914400"/>
-                      <a:r>
-                        <a:rPr sz="1600"/>
-                        <a:t>33</a:t>
-                      </a:r>
-                    </a:p>
-                  </a:txBody>
-                  <a:tcPr marL="25400" marR="25400" marT="25400" marB="25400" anchor="ctr" horzOverflow="overflow"/>
-                </a:tc>
-                <a:tc>
-                  <a:txBody>
-                    <a:bodyPr/>
-                    <a:lstStyle/>
-                    <a:p>
-                      <a:pPr defTabSz="914400"/>
-                      <a:r>
-                        <a:rPr sz="1600"/>
-                        <a:t>A</a:t>
-                      </a:r>
-                    </a:p>
-                  </a:txBody>
-                  <a:tcPr marL="25400" marR="25400" marT="25400" marB="25400" anchor="ctr" horzOverflow="overflow"/>
-                </a:tc>
-                <a:extLst>
-                  <a:ext uri="{0D108BD9-81ED-4DB2-BD59-A6C34878D82A}">
-                    <a16:rowId xmlns:a16="http://schemas.microsoft.com/office/drawing/2014/main" val="10001"/>
-                  </a:ext>
-                </a:extLst>
-              </a:tr>
-              <a:tr h="673543">
-                <a:tc>
-                  <a:txBody>
-                    <a:bodyPr/>
-                    <a:lstStyle/>
-                    <a:p>
-                      <a:pPr defTabSz="914400">
-                        <a:tabLst>
-                          <a:tab pos="1663700" algn="l"/>
-                        </a:tabLst>
-                        <a:defRPr b="0"/>
-                      </a:pPr>
-                      <a:r>
-                        <a:rPr sz="1600" b="1"/>
-                        <a:t>Xist</a:t>
-                      </a:r>
-                    </a:p>
-                  </a:txBody>
-                  <a:tcPr marL="25400" marR="25400" marT="25400" marB="25400" anchor="ctr" horzOverflow="overflow"/>
-                </a:tc>
-                <a:tc>
-                  <a:txBody>
-                    <a:bodyPr/>
-                    <a:lstStyle/>
-                    <a:p>
-                      <a:pPr defTabSz="914400"/>
-                      <a:r>
-                        <a:rPr sz="1600"/>
-                        <a:t>22</a:t>
-                      </a:r>
-                    </a:p>
-                  </a:txBody>
-                  <a:tcPr marL="25400" marR="25400" marT="25400" marB="25400" anchor="ctr" horzOverflow="overflow"/>
-                </a:tc>
-                <a:tc>
-                  <a:txBody>
-                    <a:bodyPr/>
-                    <a:lstStyle/>
-                    <a:p>
-                      <a:pPr defTabSz="914400"/>
-                      <a:r>
-                        <a:rPr sz="1600"/>
-                        <a:t>B</a:t>
-                      </a:r>
-                    </a:p>
-                  </a:txBody>
-                  <a:tcPr marL="25400" marR="25400" marT="25400" marB="25400" anchor="ctr" horzOverflow="overflow"/>
-                </a:tc>
-                <a:extLst>
-                  <a:ext uri="{0D108BD9-81ED-4DB2-BD59-A6C34878D82A}">
-                    <a16:rowId xmlns:a16="http://schemas.microsoft.com/office/drawing/2014/main" val="10002"/>
-                  </a:ext>
-                </a:extLst>
-              </a:tr>
-              <a:tr h="673543">
-                <a:tc>
-                  <a:txBody>
-                    <a:bodyPr/>
-                    <a:lstStyle/>
-                    <a:p>
-                      <a:pPr defTabSz="914400">
-                        <a:tabLst>
-                          <a:tab pos="1663700" algn="l"/>
-                        </a:tabLst>
-                        <a:defRPr b="0"/>
-                      </a:pPr>
-                      <a:r>
-                        <a:rPr sz="1600" b="1"/>
-                        <a:t>Arid2</a:t>
-                      </a:r>
-                    </a:p>
-                  </a:txBody>
-                  <a:tcPr marL="25400" marR="25400" marT="25400" marB="25400" anchor="ctr" horzOverflow="overflow"/>
-                </a:tc>
-                <a:tc>
-                  <a:txBody>
-                    <a:bodyPr/>
-                    <a:lstStyle/>
-                    <a:p>
-                      <a:pPr defTabSz="914400"/>
-                      <a:r>
-                        <a:rPr sz="1600"/>
-                        <a:t>100</a:t>
-                      </a:r>
-                    </a:p>
-                  </a:txBody>
-                  <a:tcPr marL="25400" marR="25400" marT="25400" marB="25400" anchor="ctr" horzOverflow="overflow"/>
-                </a:tc>
-                <a:tc>
-                  <a:txBody>
-                    <a:bodyPr/>
-                    <a:lstStyle/>
-                    <a:p>
-                      <a:pPr defTabSz="914400"/>
-                      <a:r>
-                        <a:rPr sz="1600"/>
-                        <a:t>C</a:t>
-                      </a:r>
-                    </a:p>
-                  </a:txBody>
-                  <a:tcPr marL="25400" marR="25400" marT="25400" marB="25400" anchor="ctr" horzOverflow="overflow"/>
-                </a:tc>
-                <a:extLst>
-                  <a:ext uri="{0D108BD9-81ED-4DB2-BD59-A6C34878D82A}">
-                    <a16:rowId xmlns:a16="http://schemas.microsoft.com/office/drawing/2014/main" val="10003"/>
-                  </a:ext>
-                </a:extLst>
-              </a:tr>
-              <a:tr h="673543">
-                <a:tc>
-                  <a:txBody>
-                    <a:bodyPr/>
-                    <a:lstStyle/>
-                    <a:p>
-                      <a:pPr defTabSz="914400">
-                        <a:tabLst>
-                          <a:tab pos="1663700" algn="l"/>
-                        </a:tabLst>
-                        <a:defRPr b="0"/>
-                      </a:pPr>
-                      <a:r>
-                        <a:rPr sz="1600" b="1"/>
-                        <a:t>Xist</a:t>
-                      </a:r>
-                    </a:p>
-                  </a:txBody>
-                  <a:tcPr marL="25400" marR="25400" marT="25400" marB="25400" anchor="ctr" horzOverflow="overflow"/>
-                </a:tc>
-                <a:tc>
-                  <a:txBody>
-                    <a:bodyPr/>
-                    <a:lstStyle/>
-                    <a:p>
-                      <a:pPr defTabSz="914400"/>
-                      <a:r>
-                        <a:rPr sz="1600"/>
-                        <a:t>30</a:t>
-                      </a:r>
-                    </a:p>
-                  </a:txBody>
-                  <a:tcPr marL="25400" marR="25400" marT="25400" marB="25400" anchor="ctr" horzOverflow="overflow"/>
-                </a:tc>
-                <a:tc>
-                  <a:txBody>
-                    <a:bodyPr/>
-                    <a:lstStyle/>
-                    <a:p>
-                      <a:pPr defTabSz="914400"/>
-                      <a:r>
-                        <a:rPr sz="1600"/>
-                        <a:t>C</a:t>
-                      </a:r>
-                    </a:p>
-                  </a:txBody>
-                  <a:tcPr marL="25400" marR="25400" marT="25400" marB="25400" anchor="ctr" horzOverflow="overflow"/>
-                </a:tc>
-                <a:extLst>
-                  <a:ext uri="{0D108BD9-81ED-4DB2-BD59-A6C34878D82A}">
-                    <a16:rowId xmlns:a16="http://schemas.microsoft.com/office/drawing/2014/main" val="10004"/>
-                  </a:ext>
-                </a:extLst>
-              </a:tr>
-            </a:tbl>
-          </a:graphicData>
-        </a:graphic>
-      </p:graphicFrame>
-      <p:graphicFrame>
-        <p:nvGraphicFramePr>
-          <p:cNvPr id="379" name="Table 1-1"/>
-          <p:cNvGraphicFramePr/>
-          <p:nvPr/>
-        </p:nvGraphicFramePr>
-        <p:xfrm>
-          <a:off x="7261420" y="1356725"/>
-          <a:ext cx="2931110" cy="3374066"/>
-        </p:xfrm>
-        <a:graphic>
-          <a:graphicData uri="http://schemas.openxmlformats.org/drawingml/2006/table">
-            <a:tbl>
-              <a:tblPr firstRow="1" firstCol="1"/>
-              <a:tblGrid>
-                <a:gridCol w="1462380">
-                  <a:extLst>
-                    <a:ext uri="{9D8B030D-6E8A-4147-A177-3AD203B41FA5}">
-                      <a16:colId xmlns:a16="http://schemas.microsoft.com/office/drawing/2014/main" val="20000"/>
-                    </a:ext>
-                  </a:extLst>
-                </a:gridCol>
-                <a:gridCol w="1462380">
-                  <a:extLst>
-                    <a:ext uri="{9D8B030D-6E8A-4147-A177-3AD203B41FA5}">
-                      <a16:colId xmlns:a16="http://schemas.microsoft.com/office/drawing/2014/main" val="20001"/>
-                    </a:ext>
-                  </a:extLst>
-                </a:gridCol>
-              </a:tblGrid>
-              <a:tr h="335910">
-                <a:tc>
-                  <a:txBody>
-                    <a:bodyPr/>
-                    <a:lstStyle/>
-                    <a:p>
-                      <a:pPr defTabSz="914400">
-                        <a:tabLst>
-                          <a:tab pos="1663700" algn="l"/>
-                        </a:tabLst>
-                        <a:defRPr b="0"/>
-                      </a:pPr>
-                      <a:r>
-                        <a:rPr sz="1600" b="1"/>
-                        <a:t>Sample</a:t>
-                      </a:r>
-                    </a:p>
-                  </a:txBody>
-                  <a:tcPr marL="25400" marR="25400" marT="25400" marB="25400" anchor="ctr" horzOverflow="overflow"/>
-                </a:tc>
-                <a:tc>
-                  <a:txBody>
-                    <a:bodyPr/>
-                    <a:lstStyle/>
-                    <a:p>
-                      <a:pPr defTabSz="914400">
-                        <a:tabLst>
-                          <a:tab pos="1663700" algn="l"/>
-                        </a:tabLst>
-                        <a:defRPr b="0"/>
-                      </a:pPr>
-                      <a:r>
-                        <a:rPr sz="1600" b="1"/>
-                        <a:t>Disease</a:t>
-                      </a:r>
-                    </a:p>
-                  </a:txBody>
-                  <a:tcPr marL="25400" marR="25400" marT="25400" marB="25400" anchor="ctr" horzOverflow="overflow"/>
-                </a:tc>
-                <a:extLst>
-                  <a:ext uri="{0D108BD9-81ED-4DB2-BD59-A6C34878D82A}">
-                    <a16:rowId xmlns:a16="http://schemas.microsoft.com/office/drawing/2014/main" val="10000"/>
-                  </a:ext>
-                </a:extLst>
-              </a:tr>
-              <a:tr h="294640">
-                <a:tc>
-                  <a:txBody>
-                    <a:bodyPr/>
-                    <a:lstStyle/>
-                    <a:p>
-                      <a:pPr defTabSz="914400">
-                        <a:tabLst>
-                          <a:tab pos="1663700" algn="l"/>
-                        </a:tabLst>
-                        <a:defRPr b="0"/>
-                      </a:pPr>
-                      <a:r>
-                        <a:rPr sz="1600" b="1"/>
-                        <a:t>A</a:t>
-                      </a:r>
-                    </a:p>
-                  </a:txBody>
-                  <a:tcPr marL="25400" marR="25400" marT="25400" marB="25400" anchor="ctr" horzOverflow="overflow"/>
-                </a:tc>
-                <a:tc>
-                  <a:txBody>
-                    <a:bodyPr/>
-                    <a:lstStyle/>
-                    <a:p>
-                      <a:pPr defTabSz="914400"/>
-                      <a:r>
-                        <a:rPr sz="1600"/>
-                        <a:t>Tumor</a:t>
-                      </a:r>
-                    </a:p>
-                  </a:txBody>
-                  <a:tcPr marL="25400" marR="25400" marT="25400" marB="25400" anchor="ctr" horzOverflow="overflow"/>
-                </a:tc>
-                <a:extLst>
-                  <a:ext uri="{0D108BD9-81ED-4DB2-BD59-A6C34878D82A}">
-                    <a16:rowId xmlns:a16="http://schemas.microsoft.com/office/drawing/2014/main" val="10001"/>
-                  </a:ext>
-                </a:extLst>
-              </a:tr>
-              <a:tr h="294640">
-                <a:tc>
-                  <a:txBody>
-                    <a:bodyPr/>
-                    <a:lstStyle/>
-                    <a:p>
-                      <a:pPr defTabSz="914400">
-                        <a:tabLst>
-                          <a:tab pos="1663700" algn="l"/>
-                        </a:tabLst>
-                        <a:defRPr b="0"/>
-                      </a:pPr>
-                      <a:r>
-                        <a:rPr sz="1600" b="1"/>
-                        <a:t>B</a:t>
-                      </a:r>
-                    </a:p>
-                  </a:txBody>
-                  <a:tcPr marL="25400" marR="25400" marT="25400" marB="25400" anchor="ctr" horzOverflow="overflow"/>
-                </a:tc>
-                <a:tc>
-                  <a:txBody>
-                    <a:bodyPr/>
-                    <a:lstStyle/>
-                    <a:p>
-                      <a:pPr defTabSz="914400"/>
-                      <a:r>
-                        <a:rPr sz="1600"/>
-                        <a:t>Normal</a:t>
-                      </a:r>
-                    </a:p>
-                  </a:txBody>
-                  <a:tcPr marL="25400" marR="25400" marT="25400" marB="25400" anchor="ctr" horzOverflow="overflow"/>
-                </a:tc>
-                <a:extLst>
-                  <a:ext uri="{0D108BD9-81ED-4DB2-BD59-A6C34878D82A}">
-                    <a16:rowId xmlns:a16="http://schemas.microsoft.com/office/drawing/2014/main" val="10002"/>
-                  </a:ext>
-                </a:extLst>
-              </a:tr>
-              <a:tr h="294640">
-                <a:tc>
-                  <a:txBody>
-                    <a:bodyPr/>
-                    <a:lstStyle/>
-                    <a:p>
-                      <a:pPr defTabSz="914400">
-                        <a:tabLst>
-                          <a:tab pos="1663700" algn="l"/>
-                        </a:tabLst>
-                        <a:defRPr b="0"/>
-                      </a:pPr>
-                      <a:r>
-                        <a:rPr sz="1600" b="1"/>
-                        <a:t>C</a:t>
-                      </a:r>
-                    </a:p>
-                  </a:txBody>
-                  <a:tcPr marL="25400" marR="25400" marT="25400" marB="25400" anchor="ctr" horzOverflow="overflow"/>
-                </a:tc>
-                <a:tc>
-                  <a:txBody>
-                    <a:bodyPr/>
-                    <a:lstStyle/>
-                    <a:p>
-                      <a:pPr defTabSz="914400"/>
-                      <a:r>
-                        <a:rPr sz="1600"/>
-                        <a:t>Stroma</a:t>
-                      </a:r>
-                    </a:p>
-                  </a:txBody>
-                  <a:tcPr marL="25400" marR="25400" marT="25400" marB="25400" anchor="ctr" horzOverflow="overflow"/>
-                </a:tc>
-                <a:extLst>
-                  <a:ext uri="{0D108BD9-81ED-4DB2-BD59-A6C34878D82A}">
-                    <a16:rowId xmlns:a16="http://schemas.microsoft.com/office/drawing/2014/main" val="10003"/>
-                  </a:ext>
-                </a:extLst>
-              </a:tr>
-              <a:tr h="294640">
-                <a:tc>
-                  <a:txBody>
-                    <a:bodyPr/>
-                    <a:lstStyle/>
-                    <a:p>
-                      <a:pPr defTabSz="914400">
-                        <a:tabLst>
-                          <a:tab pos="1663700" algn="l"/>
-                        </a:tabLst>
-                        <a:defRPr b="0"/>
-                      </a:pPr>
-                      <a:r>
-                        <a:rPr sz="1600" b="1"/>
-                        <a:t>D</a:t>
-                      </a:r>
-                    </a:p>
-                  </a:txBody>
-                  <a:tcPr marL="25400" marR="25400" marT="25400" marB="25400" anchor="ctr" horzOverflow="overflow"/>
-                </a:tc>
-                <a:tc>
-                  <a:txBody>
-                    <a:bodyPr/>
-                    <a:lstStyle/>
-                    <a:p>
-                      <a:pPr defTabSz="914400"/>
-                      <a:r>
-                        <a:rPr sz="1600"/>
-                        <a:t>Brain</a:t>
-                      </a:r>
-                    </a:p>
-                  </a:txBody>
-                  <a:tcPr marL="25400" marR="25400" marT="25400" marB="25400" anchor="ctr" horzOverflow="overflow"/>
-                </a:tc>
-                <a:extLst>
-                  <a:ext uri="{0D108BD9-81ED-4DB2-BD59-A6C34878D82A}">
-                    <a16:rowId xmlns:a16="http://schemas.microsoft.com/office/drawing/2014/main" val="10004"/>
-                  </a:ext>
-                </a:extLst>
-              </a:tr>
-            </a:tbl>
-          </a:graphicData>
-        </a:graphic>
-      </p:graphicFrame>
-      <p:sp>
-        <p:nvSpPr>
-          <p:cNvPr id="380" name="inner_join()"/>
+      <p:sp>
+        <p:nvSpPr>
+          <p:cNvPr id="382" name="inner_join()"/>
           <p:cNvSpPr txBox="1"/>
           <p:nvPr/>
         </p:nvSpPr>
@@ -6886,7 +7777,7 @@
           </a:ln>
           <a:extLst>
             <a:ext uri="{C572A759-6A51-4108-AA02-DFA0A04FC94B}">
-              <ma14:wrappingTextBoxFlag xmlns:ma14="http://schemas.microsoft.com/office/mac/drawingml/2011/main" xmlns:a14="http://schemas.microsoft.com/office/drawing/2010/main" xmlns:m="http://schemas.openxmlformats.org/officeDocument/2006/math" xmlns="" val="1"/>
+              <ma14:wrappingTextBoxFlag xmlns="" xmlns:m="http://schemas.openxmlformats.org/officeDocument/2006/math" xmlns:a14="http://schemas.microsoft.com/office/drawing/2010/main" xmlns:ma14="http://schemas.microsoft.com/office/mac/drawingml/2011/main" val="1"/>
             </a:ext>
           </a:extLst>
         </p:spPr>
@@ -6912,85 +7803,21 @@
           </a:p>
         </p:txBody>
       </p:sp>
-    </p:spTree>
-  </p:cSld>
-  <p:clrMapOvr>
-    <a:masterClrMapping/>
-  </p:clrMapOvr>
-</p:sld>
-</file>
-
-<file path=ppt/slides/slide17.xml><?xml version="1.0" encoding="utf-8"?>
-<p:sld xmlns:a="http://schemas.openxmlformats.org/drawingml/2006/main" xmlns:r="http://schemas.openxmlformats.org/officeDocument/2006/relationships" xmlns:p="http://schemas.openxmlformats.org/presentationml/2006/main">
-  <p:cSld>
-    <p:spTree>
-      <p:nvGrpSpPr>
-        <p:cNvPr id="1" name=""/>
-        <p:cNvGrpSpPr/>
-        <p:nvPr/>
-      </p:nvGrpSpPr>
-      <p:grpSpPr>
-        <a:xfrm>
-          <a:off x="0" y="0"/>
-          <a:ext cx="0" cy="0"/>
-          <a:chOff x="0" y="0"/>
-          <a:chExt cx="0" cy="0"/>
-        </a:xfrm>
-      </p:grpSpPr>
-      <p:sp>
-        <p:nvSpPr>
-          <p:cNvPr id="382" name="inner_join()"/>
-          <p:cNvSpPr txBox="1"/>
-          <p:nvPr/>
-        </p:nvSpPr>
-        <p:spPr>
-          <a:xfrm>
-            <a:off x="5226551" y="248014"/>
-            <a:ext cx="1635063" cy="420628"/>
-          </a:xfrm>
-          <a:prstGeom prst="rect">
-            <a:avLst/>
-          </a:prstGeom>
-          <a:ln w="12700">
-            <a:miter lim="400000"/>
-          </a:ln>
-          <a:extLst>
-            <a:ext uri="{C572A759-6A51-4108-AA02-DFA0A04FC94B}">
-              <ma14:wrappingTextBoxFlag xmlns:ma14="http://schemas.microsoft.com/office/mac/drawingml/2011/main" xmlns:a14="http://schemas.microsoft.com/office/drawing/2010/main" xmlns:m="http://schemas.openxmlformats.org/officeDocument/2006/math" xmlns="" val="1"/>
-            </a:ext>
-          </a:extLst>
-        </p:spPr>
-        <p:txBody>
-          <a:bodyPr wrap="none" lIns="25400" tIns="25400" rIns="25400" bIns="25400" anchor="ctr">
-            <a:spAutoFit/>
-          </a:bodyPr>
-          <a:lstStyle>
-            <a:lvl1pPr>
-              <a:defRPr sz="4800">
-                <a:latin typeface="Avenir Next Regular"/>
-                <a:ea typeface="Avenir Next Regular"/>
-                <a:cs typeface="Avenir Next Regular"/>
-                <a:sym typeface="Avenir Next Regular"/>
-              </a:defRPr>
-            </a:lvl1pPr>
-          </a:lstStyle>
-          <a:p>
-            <a:r>
-              <a:rPr sz="2400"/>
-              <a:t>inner_join()</a:t>
-            </a:r>
-          </a:p>
-        </p:txBody>
-      </p:sp>
       <p:graphicFrame>
         <p:nvGraphicFramePr>
           <p:cNvPr id="383" name="Table 1"/>
           <p:cNvGraphicFramePr/>
-          <p:nvPr/>
+          <p:nvPr>
+            <p:extLst>
+              <p:ext uri="{D42A27DB-BD31-4B8C-83A1-F6EECF244321}">
+                <p14:modId xmlns:p14="http://schemas.microsoft.com/office/powerpoint/2010/main" val="866051991"/>
+              </p:ext>
+            </p:extLst>
+          </p:nvPr>
         </p:nvGraphicFramePr>
         <p:xfrm>
           <a:off x="670173" y="1234290"/>
-          <a:ext cx="2931110" cy="3374066"/>
+          <a:ext cx="2924760" cy="3367716"/>
         </p:xfrm>
         <a:graphic>
           <a:graphicData uri="http://schemas.openxmlformats.org/drawingml/2006/table">
@@ -7286,9 +8113,10 @@
                     <a:p>
                       <a:pPr defTabSz="914400"/>
                       <a:r>
-                        <a:rPr sz="1600"/>
-                        <a:t>B</a:t>
+                        <a:rPr lang="en-US" sz="1600" dirty="0"/>
+                        <a:t>C</a:t>
                       </a:r>
+                      <a:endParaRPr sz="1600" dirty="0"/>
                     </a:p>
                   </a:txBody>
                   <a:tcPr marL="25400" marR="25400" marT="25400" marB="25400" anchor="ctr" horzOverflow="overflow"/>
@@ -7307,11 +8135,17 @@
         <p:nvGraphicFramePr>
           <p:cNvPr id="384" name="Table 1-1"/>
           <p:cNvGraphicFramePr/>
-          <p:nvPr/>
+          <p:nvPr>
+            <p:extLst>
+              <p:ext uri="{D42A27DB-BD31-4B8C-83A1-F6EECF244321}">
+                <p14:modId xmlns:p14="http://schemas.microsoft.com/office/powerpoint/2010/main" val="2995162280"/>
+              </p:ext>
+            </p:extLst>
+          </p:nvPr>
         </p:nvGraphicFramePr>
         <p:xfrm>
           <a:off x="3936329" y="1234290"/>
-          <a:ext cx="2931110" cy="3374066"/>
+          <a:ext cx="2924760" cy="1111434"/>
         </p:xfrm>
         <a:graphic>
           <a:graphicData uri="http://schemas.openxmlformats.org/drawingml/2006/table">
@@ -7431,7 +8265,7 @@
                         <a:defRPr b="0"/>
                       </a:pPr>
                       <a:r>
-                        <a:rPr sz="1600" b="1"/>
+                        <a:rPr sz="1600" b="1" dirty="0"/>
                         <a:t>B</a:t>
                       </a:r>
                     </a:p>
@@ -7445,7 +8279,7 @@
                     <a:p>
                       <a:pPr defTabSz="914400"/>
                       <a:r>
-                        <a:rPr sz="1600"/>
+                        <a:rPr sz="1600" dirty="0"/>
                         <a:t>Normal</a:t>
                       </a:r>
                     </a:p>
@@ -7458,46 +8292,6 @@
                   </a:ext>
                 </a:extLst>
               </a:tr>
-              <a:tr h="341781">
-                <a:tc>
-                  <a:txBody>
-                    <a:bodyPr/>
-                    <a:lstStyle/>
-                    <a:p>
-                      <a:pPr defTabSz="914400">
-                        <a:tabLst>
-                          <a:tab pos="1663700" algn="l"/>
-                        </a:tabLst>
-                        <a:defRPr b="0"/>
-                      </a:pPr>
-                      <a:r>
-                        <a:rPr sz="1600" b="1"/>
-                        <a:t>C</a:t>
-                      </a:r>
-                    </a:p>
-                  </a:txBody>
-                  <a:tcPr marL="25400" marR="25400" marT="25400" marB="25400" anchor="ctr" horzOverflow="overflow"/>
-                </a:tc>
-                <a:tc>
-                  <a:txBody>
-                    <a:bodyPr/>
-                    <a:lstStyle/>
-                    <a:p>
-                      <a:pPr defTabSz="914400"/>
-                      <a:r>
-                        <a:rPr sz="1600"/>
-                        <a:t>Stroma</a:t>
-                      </a:r>
-                    </a:p>
-                  </a:txBody>
-                  <a:tcPr marL="25400" marR="25400" marT="25400" marB="25400" anchor="ctr" horzOverflow="overflow"/>
-                </a:tc>
-                <a:extLst>
-                  <a:ext uri="{0D108BD9-81ED-4DB2-BD59-A6C34878D82A}">
-                    <a16:rowId xmlns:a16="http://schemas.microsoft.com/office/drawing/2014/main" val="10003"/>
-                  </a:ext>
-                </a:extLst>
-              </a:tr>
             </a:tbl>
           </a:graphicData>
         </a:graphic>
@@ -7506,11 +8300,17 @@
         <p:nvGraphicFramePr>
           <p:cNvPr id="385" name="Table 1-2"/>
           <p:cNvGraphicFramePr/>
-          <p:nvPr/>
+          <p:nvPr>
+            <p:extLst>
+              <p:ext uri="{D42A27DB-BD31-4B8C-83A1-F6EECF244321}">
+                <p14:modId xmlns:p14="http://schemas.microsoft.com/office/powerpoint/2010/main" val="3286214300"/>
+              </p:ext>
+            </p:extLst>
+          </p:nvPr>
         </p:nvGraphicFramePr>
         <p:xfrm>
           <a:off x="7631055" y="1234290"/>
-          <a:ext cx="4153436" cy="3374066"/>
+          <a:ext cx="4147084" cy="2694173"/>
         </p:xfrm>
         <a:graphic>
           <a:graphicData uri="http://schemas.openxmlformats.org/drawingml/2006/table">
@@ -7710,9 +8510,10 @@
                         <a:defRPr b="0"/>
                       </a:pPr>
                       <a:r>
-                        <a:rPr sz="1600" b="1"/>
-                        <a:t>Arid2</a:t>
+                        <a:rPr lang="en-US" sz="1600" b="1" dirty="0" err="1"/>
+                        <a:t>Xist</a:t>
                       </a:r>
+                      <a:endParaRPr sz="1600" b="1" dirty="0"/>
                     </a:p>
                   </a:txBody>
                   <a:tcPr marL="25400" marR="25400" marT="25400" marB="25400" anchor="ctr" horzOverflow="overflow"/>
@@ -7778,9 +8579,10 @@
                         <a:defRPr b="0"/>
                       </a:pPr>
                       <a:r>
-                        <a:rPr sz="1600" b="1"/>
-                        <a:t>Xist</a:t>
+                        <a:rPr lang="en-US" sz="1600" b="1" dirty="0"/>
+                        <a:t>Arid2</a:t>
                       </a:r>
+                      <a:endParaRPr sz="1600" b="1" dirty="0"/>
                     </a:p>
                   </a:txBody>
                   <a:tcPr marL="25400" marR="25400" marT="25400" marB="25400" anchor="ctr" horzOverflow="overflow"/>
@@ -7820,7 +8622,7 @@
                     <a:p>
                       <a:pPr defTabSz="914400"/>
                       <a:r>
-                        <a:rPr sz="1600"/>
+                        <a:rPr sz="1600" dirty="0"/>
                         <a:t>Tumor</a:t>
                       </a:r>
                     </a:p>
@@ -7833,78 +8635,40 @@
                   </a:ext>
                 </a:extLst>
               </a:tr>
-              <a:tr h="673543">
-                <a:tc>
-                  <a:txBody>
-                    <a:bodyPr/>
-                    <a:lstStyle/>
-                    <a:p>
-                      <a:pPr defTabSz="914400">
-                        <a:tabLst>
-                          <a:tab pos="1663700" algn="l"/>
-                        </a:tabLst>
-                        <a:defRPr b="0"/>
-                      </a:pPr>
-                      <a:r>
-                        <a:rPr sz="1600" b="1"/>
-                        <a:t>Xist</a:t>
-                      </a:r>
-                    </a:p>
-                  </a:txBody>
-                  <a:tcPr marL="25400" marR="25400" marT="25400" marB="25400" anchor="ctr" horzOverflow="overflow"/>
-                </a:tc>
-                <a:tc>
-                  <a:txBody>
-                    <a:bodyPr/>
-                    <a:lstStyle/>
-                    <a:p>
-                      <a:pPr defTabSz="914400"/>
-                      <a:r>
-                        <a:rPr sz="1600"/>
-                        <a:t>30</a:t>
-                      </a:r>
-                    </a:p>
-                  </a:txBody>
-                  <a:tcPr marL="25400" marR="25400" marT="25400" marB="25400" anchor="ctr" horzOverflow="overflow"/>
-                </a:tc>
-                <a:tc>
-                  <a:txBody>
-                    <a:bodyPr/>
-                    <a:lstStyle/>
-                    <a:p>
-                      <a:pPr defTabSz="914400"/>
-                      <a:r>
-                        <a:rPr sz="1600"/>
-                        <a:t>B</a:t>
-                      </a:r>
-                    </a:p>
-                  </a:txBody>
-                  <a:tcPr marL="25400" marR="25400" marT="25400" marB="25400" anchor="ctr" horzOverflow="overflow"/>
-                </a:tc>
-                <a:tc>
-                  <a:txBody>
-                    <a:bodyPr/>
-                    <a:lstStyle/>
-                    <a:p>
-                      <a:pPr defTabSz="914400"/>
-                      <a:r>
-                        <a:rPr sz="1600"/>
-                        <a:t>Normal</a:t>
-                      </a:r>
-                    </a:p>
-                  </a:txBody>
-                  <a:tcPr marL="25400" marR="25400" marT="25400" marB="25400" anchor="ctr" horzOverflow="overflow"/>
-                </a:tc>
-                <a:extLst>
-                  <a:ext uri="{0D108BD9-81ED-4DB2-BD59-A6C34878D82A}">
-                    <a16:rowId xmlns:a16="http://schemas.microsoft.com/office/drawing/2014/main" val="10004"/>
-                  </a:ext>
-                </a:extLst>
-              </a:tr>
             </a:tbl>
           </a:graphicData>
         </a:graphic>
       </p:graphicFrame>
+      <p:pic>
+        <p:nvPicPr>
+          <p:cNvPr id="2" name="Picture 1">
+            <a:extLst>
+              <a:ext uri="{FF2B5EF4-FFF2-40B4-BE49-F238E27FC236}">
+                <a16:creationId xmlns:a16="http://schemas.microsoft.com/office/drawing/2014/main" id="{0C7839C2-2B7C-A9EC-B9D1-2975C6F00B3F}"/>
+              </a:ext>
+            </a:extLst>
+          </p:cNvPr>
+          <p:cNvPicPr>
+            <a:picLocks noChangeAspect="1"/>
+          </p:cNvPicPr>
+          <p:nvPr/>
+        </p:nvPicPr>
+        <p:blipFill>
+          <a:blip r:embed="rId2"/>
+          <a:stretch>
+            <a:fillRect/>
+          </a:stretch>
+        </p:blipFill>
+        <p:spPr>
+          <a:xfrm>
+            <a:off x="3875849" y="3654381"/>
+            <a:ext cx="3537968" cy="2376901"/>
+          </a:xfrm>
+          <a:prstGeom prst="rect">
+            <a:avLst/>
+          </a:prstGeom>
+        </p:spPr>
+      </p:pic>
     </p:spTree>
   </p:cSld>
   <p:clrMapOvr>
@@ -7913,7 +8677,7 @@
 </p:sld>
 </file>
 
-<file path=ppt/slides/slide18.xml><?xml version="1.0" encoding="utf-8"?>
+<file path=ppt/slides/slide22.xml><?xml version="1.0" encoding="utf-8"?>
 <p:sld xmlns:a="http://schemas.openxmlformats.org/drawingml/2006/main" xmlns:r="http://schemas.openxmlformats.org/officeDocument/2006/relationships" xmlns:p="http://schemas.openxmlformats.org/presentationml/2006/main">
   <p:cSld>
     <p:spTree>
@@ -7976,7 +8740,7 @@
           </a:ln>
           <a:extLst>
             <a:ext uri="{C572A759-6A51-4108-AA02-DFA0A04FC94B}">
-              <ma14:wrappingTextBoxFlag xmlns:ma14="http://schemas.microsoft.com/office/mac/drawingml/2011/main" xmlns:a14="http://schemas.microsoft.com/office/drawing/2010/main" xmlns:m="http://schemas.openxmlformats.org/officeDocument/2006/math" xmlns="" val="1"/>
+              <ma14:wrappingTextBoxFlag xmlns="" xmlns:m="http://schemas.openxmlformats.org/officeDocument/2006/math" xmlns:a14="http://schemas.microsoft.com/office/drawing/2010/main" xmlns:ma14="http://schemas.microsoft.com/office/mac/drawingml/2011/main" val="1"/>
             </a:ext>
           </a:extLst>
         </p:spPr>
@@ -8012,7 +8776,7 @@
           </a:ln>
           <a:extLst>
             <a:ext uri="{C572A759-6A51-4108-AA02-DFA0A04FC94B}">
-              <ma14:wrappingTextBoxFlag xmlns:ma14="http://schemas.microsoft.com/office/mac/drawingml/2011/main" xmlns:a14="http://schemas.microsoft.com/office/drawing/2010/main" xmlns:m="http://schemas.openxmlformats.org/officeDocument/2006/math" xmlns="" val="1"/>
+              <ma14:wrappingTextBoxFlag xmlns="" xmlns:m="http://schemas.openxmlformats.org/officeDocument/2006/math" xmlns:a14="http://schemas.microsoft.com/office/drawing/2010/main" xmlns:ma14="http://schemas.microsoft.com/office/mac/drawingml/2011/main" val="1"/>
             </a:ext>
           </a:extLst>
         </p:spPr>
@@ -8048,7 +8812,7 @@
 </p:sld>
 </file>
 
-<file path=ppt/slides/slide19.xml><?xml version="1.0" encoding="utf-8"?>
+<file path=ppt/slides/slide23.xml><?xml version="1.0" encoding="utf-8"?>
 <p:sld xmlns:a="http://schemas.openxmlformats.org/drawingml/2006/main" xmlns:r="http://schemas.openxmlformats.org/officeDocument/2006/relationships" xmlns:p="http://schemas.openxmlformats.org/presentationml/2006/main">
   <p:cSld>
     <p:spTree>
@@ -8067,41 +8831,105 @@
       </p:grpSpPr>
       <p:sp>
         <p:nvSpPr>
-          <p:cNvPr id="391" name="back to code"/>
+          <p:cNvPr id="2" name="TextBox 1">
+            <a:extLst>
+              <a:ext uri="{FF2B5EF4-FFF2-40B4-BE49-F238E27FC236}">
+                <a16:creationId xmlns:a16="http://schemas.microsoft.com/office/drawing/2014/main" id="{A819696E-90FA-20E5-DEDA-9D8EF88EF437}"/>
+              </a:ext>
+            </a:extLst>
+          </p:cNvPr>
           <p:cNvSpPr txBox="1"/>
           <p:nvPr/>
         </p:nvSpPr>
         <p:spPr>
           <a:xfrm>
-            <a:off x="5619979" y="3334102"/>
-            <a:ext cx="646011" cy="189796"/>
-          </a:xfrm>
-          <a:prstGeom prst="rect">
-            <a:avLst/>
-          </a:prstGeom>
-          <a:ln w="12700">
-            <a:miter lim="400000"/>
-          </a:ln>
-          <a:extLst>
-            <a:ext uri="{C572A759-6A51-4108-AA02-DFA0A04FC94B}">
-              <ma14:wrappingTextBoxFlag xmlns:ma14="http://schemas.microsoft.com/office/mac/drawingml/2011/main" xmlns:a14="http://schemas.microsoft.com/office/drawing/2010/main" xmlns:m="http://schemas.openxmlformats.org/officeDocument/2006/math" xmlns="" val="1"/>
-            </a:ext>
-          </a:extLst>
-        </p:spPr>
-        <p:txBody>
-          <a:bodyPr wrap="none" lIns="25400" tIns="25400" rIns="25400" bIns="25400" anchor="ctr">
+            <a:off x="4816257" y="413359"/>
+            <a:ext cx="5423770" cy="369332"/>
+          </a:xfrm>
+          <a:prstGeom prst="rect">
+            <a:avLst/>
+          </a:prstGeom>
+          <a:noFill/>
+        </p:spPr>
+        <p:txBody>
+          <a:bodyPr wrap="square" rtlCol="0">
             <a:spAutoFit/>
           </a:bodyPr>
           <a:lstStyle/>
           <a:p>
             <a:r>
-              <a:rPr sz="900"/>
-              <a:t>back to code</a:t>
-            </a:r>
-          </a:p>
-        </p:txBody>
-      </p:sp>
+              <a:rPr lang="en-US" dirty="0"/>
+              <a:t>Adding to plots</a:t>
+            </a:r>
+          </a:p>
+        </p:txBody>
+      </p:sp>
+      <p:pic>
+        <p:nvPicPr>
+          <p:cNvPr id="3" name="Picture 2">
+            <a:extLst>
+              <a:ext uri="{FF2B5EF4-FFF2-40B4-BE49-F238E27FC236}">
+                <a16:creationId xmlns:a16="http://schemas.microsoft.com/office/drawing/2014/main" id="{3AEB7DA1-01E0-57D5-BCCD-A3B23DEC2DDD}"/>
+              </a:ext>
+            </a:extLst>
+          </p:cNvPr>
+          <p:cNvPicPr>
+            <a:picLocks noChangeAspect="1"/>
+          </p:cNvPicPr>
+          <p:nvPr/>
+        </p:nvPicPr>
+        <p:blipFill>
+          <a:blip r:embed="rId2"/>
+          <a:stretch>
+            <a:fillRect/>
+          </a:stretch>
+        </p:blipFill>
+        <p:spPr>
+          <a:xfrm>
+            <a:off x="860730" y="1507298"/>
+            <a:ext cx="4481621" cy="632699"/>
+          </a:xfrm>
+          <a:prstGeom prst="rect">
+            <a:avLst/>
+          </a:prstGeom>
+        </p:spPr>
+      </p:pic>
+      <p:pic>
+        <p:nvPicPr>
+          <p:cNvPr id="4" name="Picture 3">
+            <a:extLst>
+              <a:ext uri="{FF2B5EF4-FFF2-40B4-BE49-F238E27FC236}">
+                <a16:creationId xmlns:a16="http://schemas.microsoft.com/office/drawing/2014/main" id="{527AC54C-DA3A-2D2F-9F68-4BD9D7A7B114}"/>
+              </a:ext>
+            </a:extLst>
+          </p:cNvPr>
+          <p:cNvPicPr>
+            <a:picLocks noChangeAspect="1"/>
+          </p:cNvPicPr>
+          <p:nvPr/>
+        </p:nvPicPr>
+        <p:blipFill>
+          <a:blip r:embed="rId3"/>
+          <a:stretch>
+            <a:fillRect/>
+          </a:stretch>
+        </p:blipFill>
+        <p:spPr>
+          <a:xfrm>
+            <a:off x="997337" y="2256166"/>
+            <a:ext cx="3762553" cy="4194738"/>
+          </a:xfrm>
+          <a:prstGeom prst="rect">
+            <a:avLst/>
+          </a:prstGeom>
+        </p:spPr>
+      </p:pic>
     </p:spTree>
+    <p:extLst>
+      <p:ext uri="{BB962C8B-B14F-4D97-AF65-F5344CB8AC3E}">
+        <p14:creationId xmlns:p14="http://schemas.microsoft.com/office/powerpoint/2010/main" val="959462186"/>
+      </p:ext>
+    </p:extLst>
   </p:cSld>
   <p:clrMapOvr>
     <a:masterClrMapping/>
@@ -8109,7 +8937,7 @@
 </p:sld>
 </file>
 
-<file path=ppt/slides/slide2.xml><?xml version="1.0" encoding="utf-8"?>
+<file path=ppt/slides/slide24.xml><?xml version="1.0" encoding="utf-8"?>
 <p:sld xmlns:a="http://schemas.openxmlformats.org/drawingml/2006/main" xmlns:r="http://schemas.openxmlformats.org/officeDocument/2006/relationships" xmlns:p="http://schemas.openxmlformats.org/presentationml/2006/main">
   <p:cSld>
     <p:spTree>
@@ -8128,137 +8956,165 @@
       </p:grpSpPr>
       <p:sp>
         <p:nvSpPr>
-          <p:cNvPr id="311" name="Recap"/>
+          <p:cNvPr id="2" name="TextBox 1">
+            <a:extLst>
+              <a:ext uri="{FF2B5EF4-FFF2-40B4-BE49-F238E27FC236}">
+                <a16:creationId xmlns:a16="http://schemas.microsoft.com/office/drawing/2014/main" id="{A819696E-90FA-20E5-DEDA-9D8EF88EF437}"/>
+              </a:ext>
+            </a:extLst>
+          </p:cNvPr>
           <p:cNvSpPr txBox="1"/>
           <p:nvPr/>
         </p:nvSpPr>
         <p:spPr>
           <a:xfrm>
-            <a:off x="5819759" y="383337"/>
-            <a:ext cx="51361" cy="420628"/>
-          </a:xfrm>
-          <a:prstGeom prst="rect">
-            <a:avLst/>
-          </a:prstGeom>
-          <a:ln w="12700">
-            <a:miter lim="400000"/>
-          </a:ln>
-          <a:extLst>
-            <a:ext uri="{C572A759-6A51-4108-AA02-DFA0A04FC94B}">
-              <ma14:wrappingTextBoxFlag xmlns:ma14="http://schemas.microsoft.com/office/mac/drawingml/2011/main" xmlns:a14="http://schemas.microsoft.com/office/drawing/2010/main" xmlns:m="http://schemas.openxmlformats.org/officeDocument/2006/math" xmlns="" val="1"/>
-            </a:ext>
-          </a:extLst>
-        </p:spPr>
-        <p:txBody>
-          <a:bodyPr wrap="none" lIns="25400" tIns="25400" rIns="25400" bIns="25400" anchor="ctr">
-            <a:spAutoFit/>
-          </a:bodyPr>
-          <a:lstStyle>
-            <a:lvl1pPr>
-              <a:defRPr sz="4800"/>
-            </a:lvl1pPr>
-          </a:lstStyle>
-          <a:p>
-            <a:endParaRPr sz="2400" dirty="0"/>
-          </a:p>
-        </p:txBody>
-      </p:sp>
-      <p:sp>
-        <p:nvSpPr>
-          <p:cNvPr id="312" name="Installing/loading libraries  - library()…"/>
-          <p:cNvSpPr txBox="1"/>
-          <p:nvPr/>
-        </p:nvSpPr>
-        <p:spPr>
-          <a:xfrm>
-            <a:off x="2161626" y="2277958"/>
-            <a:ext cx="7850226" cy="974626"/>
-          </a:xfrm>
-          <a:prstGeom prst="rect">
-            <a:avLst/>
-          </a:prstGeom>
-          <a:ln w="12700">
-            <a:miter lim="400000"/>
-          </a:ln>
-          <a:extLst>
-            <a:ext uri="{C572A759-6A51-4108-AA02-DFA0A04FC94B}">
-              <ma14:wrappingTextBoxFlag xmlns:ma14="http://schemas.microsoft.com/office/mac/drawingml/2011/main" xmlns:a14="http://schemas.microsoft.com/office/drawing/2010/main" xmlns:m="http://schemas.openxmlformats.org/officeDocument/2006/math" xmlns="" val="1"/>
-            </a:ext>
-          </a:extLst>
-        </p:spPr>
-        <p:txBody>
-          <a:bodyPr wrap="none" lIns="25400" tIns="25400" rIns="25400" bIns="25400" anchor="ctr">
+            <a:off x="4816257" y="413359"/>
+            <a:ext cx="5423770" cy="369332"/>
+          </a:xfrm>
+          <a:prstGeom prst="rect">
+            <a:avLst/>
+          </a:prstGeom>
+          <a:noFill/>
+        </p:spPr>
+        <p:txBody>
+          <a:bodyPr wrap="square" rtlCol="0">
             <a:spAutoFit/>
           </a:bodyPr>
           <a:lstStyle/>
           <a:p>
-            <a:pPr marL="152400" indent="-152400">
-              <a:buSzPct val="123000"/>
-              <a:buChar char="•"/>
-              <a:defRPr sz="4000"/>
-            </a:pPr>
-            <a:r>
-              <a:rPr sz="2000" dirty="0"/>
-              <a:t>Installing/loading libraries  - library()</a:t>
-            </a:r>
-          </a:p>
-          <a:p>
-            <a:pPr marL="152400" indent="-152400">
-              <a:buSzPct val="123000"/>
-              <a:buChar char="•"/>
-              <a:defRPr sz="4000"/>
-            </a:pPr>
-            <a:r>
-              <a:rPr sz="2000" dirty="0"/>
-              <a:t>Filter/Grouping/Summarizing - filter(), </a:t>
-            </a:r>
-            <a:r>
-              <a:rPr sz="2000" dirty="0" err="1"/>
-              <a:t>group_by</a:t>
-            </a:r>
-            <a:r>
-              <a:rPr sz="2000" dirty="0"/>
-              <a:t>(), </a:t>
-            </a:r>
-            <a:r>
-              <a:rPr sz="2000" dirty="0" err="1"/>
-              <a:t>summarise</a:t>
-            </a:r>
-            <a:r>
-              <a:rPr sz="2000" dirty="0"/>
-              <a:t>(), mutate()</a:t>
-            </a:r>
-          </a:p>
-          <a:p>
-            <a:pPr marL="152400" indent="-152400">
-              <a:buSzPct val="123000"/>
-              <a:buChar char="•"/>
-              <a:defRPr sz="4000"/>
-            </a:pPr>
-            <a:r>
-              <a:rPr sz="2000" dirty="0"/>
-              <a:t>Importing Data - </a:t>
-            </a:r>
-            <a:r>
-              <a:rPr sz="2000" dirty="0" err="1"/>
-              <a:t>read_csv</a:t>
-            </a:r>
-            <a:r>
-              <a:rPr sz="2000" dirty="0"/>
-              <a:t>(), </a:t>
-            </a:r>
-            <a:r>
-              <a:rPr sz="2000" dirty="0" err="1"/>
-              <a:t>read_tsv</a:t>
-            </a:r>
-            <a:r>
-              <a:rPr sz="2000" dirty="0"/>
-              <a:t>()</a:t>
-            </a:r>
-          </a:p>
-        </p:txBody>
-      </p:sp>
+            <a:r>
+              <a:rPr lang="en-US" dirty="0"/>
+              <a:t>Adding to plots</a:t>
+            </a:r>
+          </a:p>
+        </p:txBody>
+      </p:sp>
+      <p:pic>
+        <p:nvPicPr>
+          <p:cNvPr id="3" name="Picture 2">
+            <a:extLst>
+              <a:ext uri="{FF2B5EF4-FFF2-40B4-BE49-F238E27FC236}">
+                <a16:creationId xmlns:a16="http://schemas.microsoft.com/office/drawing/2014/main" id="{3AEB7DA1-01E0-57D5-BCCD-A3B23DEC2DDD}"/>
+              </a:ext>
+            </a:extLst>
+          </p:cNvPr>
+          <p:cNvPicPr>
+            <a:picLocks noChangeAspect="1"/>
+          </p:cNvPicPr>
+          <p:nvPr/>
+        </p:nvPicPr>
+        <p:blipFill>
+          <a:blip r:embed="rId2"/>
+          <a:stretch>
+            <a:fillRect/>
+          </a:stretch>
+        </p:blipFill>
+        <p:spPr>
+          <a:xfrm>
+            <a:off x="860730" y="1507298"/>
+            <a:ext cx="4481621" cy="632699"/>
+          </a:xfrm>
+          <a:prstGeom prst="rect">
+            <a:avLst/>
+          </a:prstGeom>
+        </p:spPr>
+      </p:pic>
+      <p:pic>
+        <p:nvPicPr>
+          <p:cNvPr id="4" name="Picture 3">
+            <a:extLst>
+              <a:ext uri="{FF2B5EF4-FFF2-40B4-BE49-F238E27FC236}">
+                <a16:creationId xmlns:a16="http://schemas.microsoft.com/office/drawing/2014/main" id="{527AC54C-DA3A-2D2F-9F68-4BD9D7A7B114}"/>
+              </a:ext>
+            </a:extLst>
+          </p:cNvPr>
+          <p:cNvPicPr>
+            <a:picLocks noChangeAspect="1"/>
+          </p:cNvPicPr>
+          <p:nvPr/>
+        </p:nvPicPr>
+        <p:blipFill>
+          <a:blip r:embed="rId3"/>
+          <a:stretch>
+            <a:fillRect/>
+          </a:stretch>
+        </p:blipFill>
+        <p:spPr>
+          <a:xfrm>
+            <a:off x="997337" y="2256166"/>
+            <a:ext cx="3762553" cy="4194738"/>
+          </a:xfrm>
+          <a:prstGeom prst="rect">
+            <a:avLst/>
+          </a:prstGeom>
+        </p:spPr>
+      </p:pic>
+      <p:pic>
+        <p:nvPicPr>
+          <p:cNvPr id="5" name="Picture 4">
+            <a:extLst>
+              <a:ext uri="{FF2B5EF4-FFF2-40B4-BE49-F238E27FC236}">
+                <a16:creationId xmlns:a16="http://schemas.microsoft.com/office/drawing/2014/main" id="{69CEE7E9-BA82-A3E8-8076-D4CB078E2281}"/>
+              </a:ext>
+            </a:extLst>
+          </p:cNvPr>
+          <p:cNvPicPr>
+            <a:picLocks noChangeAspect="1"/>
+          </p:cNvPicPr>
+          <p:nvPr/>
+        </p:nvPicPr>
+        <p:blipFill>
+          <a:blip r:embed="rId4"/>
+          <a:stretch>
+            <a:fillRect/>
+          </a:stretch>
+        </p:blipFill>
+        <p:spPr>
+          <a:xfrm>
+            <a:off x="5828430" y="1417247"/>
+            <a:ext cx="5232400" cy="812800"/>
+          </a:xfrm>
+          <a:prstGeom prst="rect">
+            <a:avLst/>
+          </a:prstGeom>
+        </p:spPr>
+      </p:pic>
+      <p:pic>
+        <p:nvPicPr>
+          <p:cNvPr id="6" name="Picture 5">
+            <a:extLst>
+              <a:ext uri="{FF2B5EF4-FFF2-40B4-BE49-F238E27FC236}">
+                <a16:creationId xmlns:a16="http://schemas.microsoft.com/office/drawing/2014/main" id="{4B750163-A931-293D-B26C-1E073FA430BE}"/>
+              </a:ext>
+            </a:extLst>
+          </p:cNvPr>
+          <p:cNvPicPr>
+            <a:picLocks noChangeAspect="1"/>
+          </p:cNvPicPr>
+          <p:nvPr/>
+        </p:nvPicPr>
+        <p:blipFill>
+          <a:blip r:embed="rId5"/>
+          <a:stretch>
+            <a:fillRect/>
+          </a:stretch>
+        </p:blipFill>
+        <p:spPr>
+          <a:xfrm>
+            <a:off x="6194679" y="2256166"/>
+            <a:ext cx="3932613" cy="4416729"/>
+          </a:xfrm>
+          <a:prstGeom prst="rect">
+            <a:avLst/>
+          </a:prstGeom>
+        </p:spPr>
+      </p:pic>
     </p:spTree>
+    <p:extLst>
+      <p:ext uri="{BB962C8B-B14F-4D97-AF65-F5344CB8AC3E}">
+        <p14:creationId xmlns:p14="http://schemas.microsoft.com/office/powerpoint/2010/main" val="3465441234"/>
+      </p:ext>
+    </p:extLst>
   </p:cSld>
   <p:clrMapOvr>
     <a:masterClrMapping/>
@@ -8266,7 +9122,7 @@
 </p:sld>
 </file>
 
-<file path=ppt/slides/slide20.xml><?xml version="1.0" encoding="utf-8"?>
+<file path=ppt/slides/slide25.xml><?xml version="1.0" encoding="utf-8"?>
 <p:sld xmlns:a="http://schemas.openxmlformats.org/drawingml/2006/main" xmlns:r="http://schemas.openxmlformats.org/officeDocument/2006/relationships" xmlns:p="http://schemas.openxmlformats.org/presentationml/2006/main">
   <p:cSld>
     <p:spTree>
@@ -8285,14 +9141,669 @@
       </p:grpSpPr>
       <p:sp>
         <p:nvSpPr>
-          <p:cNvPr id="393" name="Functions"/>
+          <p:cNvPr id="2" name="TextBox 1">
+            <a:extLst>
+              <a:ext uri="{FF2B5EF4-FFF2-40B4-BE49-F238E27FC236}">
+                <a16:creationId xmlns:a16="http://schemas.microsoft.com/office/drawing/2014/main" id="{A819696E-90FA-20E5-DEDA-9D8EF88EF437}"/>
+              </a:ext>
+            </a:extLst>
+          </p:cNvPr>
           <p:cNvSpPr txBox="1"/>
           <p:nvPr/>
         </p:nvSpPr>
         <p:spPr>
           <a:xfrm>
-            <a:off x="5399151" y="177130"/>
-            <a:ext cx="1402500" cy="420628"/>
+            <a:off x="4816257" y="413359"/>
+            <a:ext cx="5423770" cy="369332"/>
+          </a:xfrm>
+          <a:prstGeom prst="rect">
+            <a:avLst/>
+          </a:prstGeom>
+          <a:noFill/>
+        </p:spPr>
+        <p:txBody>
+          <a:bodyPr wrap="square" rtlCol="0">
+            <a:spAutoFit/>
+          </a:bodyPr>
+          <a:lstStyle/>
+          <a:p>
+            <a:r>
+              <a:rPr lang="en-US" dirty="0"/>
+              <a:t>Adding to plots</a:t>
+            </a:r>
+          </a:p>
+        </p:txBody>
+      </p:sp>
+      <p:pic>
+        <p:nvPicPr>
+          <p:cNvPr id="7" name="Picture 6">
+            <a:extLst>
+              <a:ext uri="{FF2B5EF4-FFF2-40B4-BE49-F238E27FC236}">
+                <a16:creationId xmlns:a16="http://schemas.microsoft.com/office/drawing/2014/main" id="{CE5CC22E-0EFC-D30F-2A68-07750058C185}"/>
+              </a:ext>
+            </a:extLst>
+          </p:cNvPr>
+          <p:cNvPicPr>
+            <a:picLocks noChangeAspect="1"/>
+          </p:cNvPicPr>
+          <p:nvPr/>
+        </p:nvPicPr>
+        <p:blipFill>
+          <a:blip r:embed="rId2"/>
+          <a:stretch>
+            <a:fillRect/>
+          </a:stretch>
+        </p:blipFill>
+        <p:spPr>
+          <a:xfrm>
+            <a:off x="372736" y="1221809"/>
+            <a:ext cx="4756672" cy="988148"/>
+          </a:xfrm>
+          <a:prstGeom prst="rect">
+            <a:avLst/>
+          </a:prstGeom>
+        </p:spPr>
+      </p:pic>
+      <p:pic>
+        <p:nvPicPr>
+          <p:cNvPr id="8" name="Picture 7">
+            <a:extLst>
+              <a:ext uri="{FF2B5EF4-FFF2-40B4-BE49-F238E27FC236}">
+                <a16:creationId xmlns:a16="http://schemas.microsoft.com/office/drawing/2014/main" id="{FEE92BA7-B87D-BAB5-F39F-F551F17D326D}"/>
+              </a:ext>
+            </a:extLst>
+          </p:cNvPr>
+          <p:cNvPicPr>
+            <a:picLocks noChangeAspect="1"/>
+          </p:cNvPicPr>
+          <p:nvPr/>
+        </p:nvPicPr>
+        <p:blipFill>
+          <a:blip r:embed="rId3"/>
+          <a:stretch>
+            <a:fillRect/>
+          </a:stretch>
+        </p:blipFill>
+        <p:spPr>
+          <a:xfrm>
+            <a:off x="859109" y="2308924"/>
+            <a:ext cx="3759103" cy="4173295"/>
+          </a:xfrm>
+          <a:prstGeom prst="rect">
+            <a:avLst/>
+          </a:prstGeom>
+        </p:spPr>
+      </p:pic>
+      <p:pic>
+        <p:nvPicPr>
+          <p:cNvPr id="9" name="Picture 8">
+            <a:extLst>
+              <a:ext uri="{FF2B5EF4-FFF2-40B4-BE49-F238E27FC236}">
+                <a16:creationId xmlns:a16="http://schemas.microsoft.com/office/drawing/2014/main" id="{71E68F9D-CE1C-3433-A199-4F022E618C77}"/>
+              </a:ext>
+            </a:extLst>
+          </p:cNvPr>
+          <p:cNvPicPr>
+            <a:picLocks noChangeAspect="1"/>
+          </p:cNvPicPr>
+          <p:nvPr/>
+        </p:nvPicPr>
+        <p:blipFill>
+          <a:blip r:embed="rId4"/>
+          <a:stretch>
+            <a:fillRect/>
+          </a:stretch>
+        </p:blipFill>
+        <p:spPr>
+          <a:xfrm>
+            <a:off x="6530061" y="1164396"/>
+            <a:ext cx="4505369" cy="1102974"/>
+          </a:xfrm>
+          <a:prstGeom prst="rect">
+            <a:avLst/>
+          </a:prstGeom>
+        </p:spPr>
+      </p:pic>
+      <p:pic>
+        <p:nvPicPr>
+          <p:cNvPr id="10" name="Picture 9">
+            <a:extLst>
+              <a:ext uri="{FF2B5EF4-FFF2-40B4-BE49-F238E27FC236}">
+                <a16:creationId xmlns:a16="http://schemas.microsoft.com/office/drawing/2014/main" id="{D85A8081-977E-A64B-5127-7198A85BC7E2}"/>
+              </a:ext>
+            </a:extLst>
+          </p:cNvPr>
+          <p:cNvPicPr>
+            <a:picLocks noChangeAspect="1"/>
+          </p:cNvPicPr>
+          <p:nvPr/>
+        </p:nvPicPr>
+        <p:blipFill>
+          <a:blip r:embed="rId5"/>
+          <a:stretch>
+            <a:fillRect/>
+          </a:stretch>
+        </p:blipFill>
+        <p:spPr>
+          <a:xfrm>
+            <a:off x="6735425" y="2308924"/>
+            <a:ext cx="3586021" cy="3975155"/>
+          </a:xfrm>
+          <a:prstGeom prst="rect">
+            <a:avLst/>
+          </a:prstGeom>
+        </p:spPr>
+      </p:pic>
+    </p:spTree>
+    <p:extLst>
+      <p:ext uri="{BB962C8B-B14F-4D97-AF65-F5344CB8AC3E}">
+        <p14:creationId xmlns:p14="http://schemas.microsoft.com/office/powerpoint/2010/main" val="3204375063"/>
+      </p:ext>
+    </p:extLst>
+  </p:cSld>
+  <p:clrMapOvr>
+    <a:masterClrMapping/>
+  </p:clrMapOvr>
+</p:sld>
+</file>
+
+<file path=ppt/slides/slide26.xml><?xml version="1.0" encoding="utf-8"?>
+<p:sld xmlns:a="http://schemas.openxmlformats.org/drawingml/2006/main" xmlns:r="http://schemas.openxmlformats.org/officeDocument/2006/relationships" xmlns:p="http://schemas.openxmlformats.org/presentationml/2006/main">
+  <p:cSld>
+    <p:spTree>
+      <p:nvGrpSpPr>
+        <p:cNvPr id="1" name=""/>
+        <p:cNvGrpSpPr/>
+        <p:nvPr/>
+      </p:nvGrpSpPr>
+      <p:grpSpPr>
+        <a:xfrm>
+          <a:off x="0" y="0"/>
+          <a:ext cx="0" cy="0"/>
+          <a:chOff x="0" y="0"/>
+          <a:chExt cx="0" cy="0"/>
+        </a:xfrm>
+      </p:grpSpPr>
+      <p:sp>
+        <p:nvSpPr>
+          <p:cNvPr id="2" name="TextBox 1">
+            <a:extLst>
+              <a:ext uri="{FF2B5EF4-FFF2-40B4-BE49-F238E27FC236}">
+                <a16:creationId xmlns:a16="http://schemas.microsoft.com/office/drawing/2014/main" id="{BC3D68CD-363F-FDDD-56F1-E286D0BB3EA5}"/>
+              </a:ext>
+            </a:extLst>
+          </p:cNvPr>
+          <p:cNvSpPr txBox="1"/>
+          <p:nvPr/>
+        </p:nvSpPr>
+        <p:spPr>
+          <a:xfrm>
+            <a:off x="4283901" y="482252"/>
+            <a:ext cx="4014592" cy="369332"/>
+          </a:xfrm>
+          <a:prstGeom prst="rect">
+            <a:avLst/>
+          </a:prstGeom>
+          <a:noFill/>
+        </p:spPr>
+        <p:txBody>
+          <a:bodyPr wrap="square" rtlCol="0">
+            <a:spAutoFit/>
+          </a:bodyPr>
+          <a:lstStyle/>
+          <a:p>
+            <a:r>
+              <a:rPr lang="en-US" dirty="0"/>
+              <a:t>Making plots look better – Themes!</a:t>
+            </a:r>
+          </a:p>
+        </p:txBody>
+      </p:sp>
+      <p:pic>
+        <p:nvPicPr>
+          <p:cNvPr id="3" name="Picture 2">
+            <a:extLst>
+              <a:ext uri="{FF2B5EF4-FFF2-40B4-BE49-F238E27FC236}">
+                <a16:creationId xmlns:a16="http://schemas.microsoft.com/office/drawing/2014/main" id="{98D59025-87C0-C6BC-53D3-2AD1D8216A6E}"/>
+              </a:ext>
+            </a:extLst>
+          </p:cNvPr>
+          <p:cNvPicPr>
+            <a:picLocks noChangeAspect="1"/>
+          </p:cNvPicPr>
+          <p:nvPr/>
+        </p:nvPicPr>
+        <p:blipFill>
+          <a:blip r:embed="rId2"/>
+          <a:stretch>
+            <a:fillRect/>
+          </a:stretch>
+        </p:blipFill>
+        <p:spPr>
+          <a:xfrm>
+            <a:off x="1027831" y="1479202"/>
+            <a:ext cx="1117600" cy="292100"/>
+          </a:xfrm>
+          <a:prstGeom prst="rect">
+            <a:avLst/>
+          </a:prstGeom>
+        </p:spPr>
+      </p:pic>
+      <p:pic>
+        <p:nvPicPr>
+          <p:cNvPr id="4" name="Picture 3">
+            <a:extLst>
+              <a:ext uri="{FF2B5EF4-FFF2-40B4-BE49-F238E27FC236}">
+                <a16:creationId xmlns:a16="http://schemas.microsoft.com/office/drawing/2014/main" id="{33CED6A7-4ECC-F738-ABF9-8DD1BD4DC339}"/>
+              </a:ext>
+            </a:extLst>
+          </p:cNvPr>
+          <p:cNvPicPr>
+            <a:picLocks noChangeAspect="1"/>
+          </p:cNvPicPr>
+          <p:nvPr/>
+        </p:nvPicPr>
+        <p:blipFill>
+          <a:blip r:embed="rId3"/>
+          <a:stretch>
+            <a:fillRect/>
+          </a:stretch>
+        </p:blipFill>
+        <p:spPr>
+          <a:xfrm>
+            <a:off x="124865" y="1910218"/>
+            <a:ext cx="3524866" cy="3895595"/>
+          </a:xfrm>
+          <a:prstGeom prst="rect">
+            <a:avLst/>
+          </a:prstGeom>
+        </p:spPr>
+      </p:pic>
+      <p:pic>
+        <p:nvPicPr>
+          <p:cNvPr id="5" name="Picture 4">
+            <a:extLst>
+              <a:ext uri="{FF2B5EF4-FFF2-40B4-BE49-F238E27FC236}">
+                <a16:creationId xmlns:a16="http://schemas.microsoft.com/office/drawing/2014/main" id="{5E95CDF4-2363-3B7E-A97E-B81AC7B0612B}"/>
+              </a:ext>
+            </a:extLst>
+          </p:cNvPr>
+          <p:cNvPicPr>
+            <a:picLocks noChangeAspect="1"/>
+          </p:cNvPicPr>
+          <p:nvPr/>
+        </p:nvPicPr>
+        <p:blipFill>
+          <a:blip r:embed="rId4"/>
+          <a:stretch>
+            <a:fillRect/>
+          </a:stretch>
+        </p:blipFill>
+        <p:spPr>
+          <a:xfrm>
+            <a:off x="4158641" y="1930271"/>
+            <a:ext cx="3651337" cy="3875542"/>
+          </a:xfrm>
+          <a:prstGeom prst="rect">
+            <a:avLst/>
+          </a:prstGeom>
+        </p:spPr>
+      </p:pic>
+      <p:pic>
+        <p:nvPicPr>
+          <p:cNvPr id="6" name="Picture 5">
+            <a:extLst>
+              <a:ext uri="{FF2B5EF4-FFF2-40B4-BE49-F238E27FC236}">
+                <a16:creationId xmlns:a16="http://schemas.microsoft.com/office/drawing/2014/main" id="{83579CEE-E3D4-3118-F0EA-5357BE50F129}"/>
+              </a:ext>
+            </a:extLst>
+          </p:cNvPr>
+          <p:cNvPicPr>
+            <a:picLocks noChangeAspect="1"/>
+          </p:cNvPicPr>
+          <p:nvPr/>
+        </p:nvPicPr>
+        <p:blipFill>
+          <a:blip r:embed="rId5"/>
+          <a:stretch>
+            <a:fillRect/>
+          </a:stretch>
+        </p:blipFill>
+        <p:spPr>
+          <a:xfrm>
+            <a:off x="5276850" y="1453802"/>
+            <a:ext cx="1638300" cy="317500"/>
+          </a:xfrm>
+          <a:prstGeom prst="rect">
+            <a:avLst/>
+          </a:prstGeom>
+        </p:spPr>
+      </p:pic>
+      <p:pic>
+        <p:nvPicPr>
+          <p:cNvPr id="7" name="Picture 6">
+            <a:extLst>
+              <a:ext uri="{FF2B5EF4-FFF2-40B4-BE49-F238E27FC236}">
+                <a16:creationId xmlns:a16="http://schemas.microsoft.com/office/drawing/2014/main" id="{6128C118-F8CB-10C6-CB0C-2F8F7A41E6EA}"/>
+              </a:ext>
+            </a:extLst>
+          </p:cNvPr>
+          <p:cNvPicPr>
+            <a:picLocks noChangeAspect="1"/>
+          </p:cNvPicPr>
+          <p:nvPr/>
+        </p:nvPicPr>
+        <p:blipFill>
+          <a:blip r:embed="rId6"/>
+          <a:stretch>
+            <a:fillRect/>
+          </a:stretch>
+        </p:blipFill>
+        <p:spPr>
+          <a:xfrm>
+            <a:off x="8284136" y="527343"/>
+            <a:ext cx="3524866" cy="1097909"/>
+          </a:xfrm>
+          <a:prstGeom prst="rect">
+            <a:avLst/>
+          </a:prstGeom>
+        </p:spPr>
+      </p:pic>
+      <p:pic>
+        <p:nvPicPr>
+          <p:cNvPr id="8" name="Picture 7">
+            <a:extLst>
+              <a:ext uri="{FF2B5EF4-FFF2-40B4-BE49-F238E27FC236}">
+                <a16:creationId xmlns:a16="http://schemas.microsoft.com/office/drawing/2014/main" id="{C1C346ED-6D3D-F60C-9413-E6360C27D1B1}"/>
+              </a:ext>
+            </a:extLst>
+          </p:cNvPr>
+          <p:cNvPicPr>
+            <a:picLocks noChangeAspect="1"/>
+          </p:cNvPicPr>
+          <p:nvPr/>
+        </p:nvPicPr>
+        <p:blipFill>
+          <a:blip r:embed="rId7"/>
+          <a:stretch>
+            <a:fillRect/>
+          </a:stretch>
+        </p:blipFill>
+        <p:spPr>
+          <a:xfrm>
+            <a:off x="8041449" y="2174206"/>
+            <a:ext cx="3717418" cy="3895595"/>
+          </a:xfrm>
+          <a:prstGeom prst="rect">
+            <a:avLst/>
+          </a:prstGeom>
+        </p:spPr>
+      </p:pic>
+      <p:pic>
+        <p:nvPicPr>
+          <p:cNvPr id="9" name="Picture 8">
+            <a:extLst>
+              <a:ext uri="{FF2B5EF4-FFF2-40B4-BE49-F238E27FC236}">
+                <a16:creationId xmlns:a16="http://schemas.microsoft.com/office/drawing/2014/main" id="{1D89B98D-6FC3-10BC-EC07-DD686B028A73}"/>
+              </a:ext>
+            </a:extLst>
+          </p:cNvPr>
+          <p:cNvPicPr>
+            <a:picLocks noChangeAspect="1"/>
+          </p:cNvPicPr>
+          <p:nvPr/>
+        </p:nvPicPr>
+        <p:blipFill>
+          <a:blip r:embed="rId8"/>
+          <a:stretch>
+            <a:fillRect/>
+          </a:stretch>
+        </p:blipFill>
+        <p:spPr>
+          <a:xfrm>
+            <a:off x="8808319" y="1740979"/>
+            <a:ext cx="2476500" cy="317500"/>
+          </a:xfrm>
+          <a:prstGeom prst="rect">
+            <a:avLst/>
+          </a:prstGeom>
+        </p:spPr>
+      </p:pic>
+    </p:spTree>
+    <p:extLst>
+      <p:ext uri="{BB962C8B-B14F-4D97-AF65-F5344CB8AC3E}">
+        <p14:creationId xmlns:p14="http://schemas.microsoft.com/office/powerpoint/2010/main" val="295684193"/>
+      </p:ext>
+    </p:extLst>
+  </p:cSld>
+  <p:clrMapOvr>
+    <a:masterClrMapping/>
+  </p:clrMapOvr>
+</p:sld>
+</file>
+
+<file path=ppt/slides/slide27.xml><?xml version="1.0" encoding="utf-8"?>
+<p:sld xmlns:a="http://schemas.openxmlformats.org/drawingml/2006/main" xmlns:r="http://schemas.openxmlformats.org/officeDocument/2006/relationships" xmlns:p="http://schemas.openxmlformats.org/presentationml/2006/main">
+  <p:cSld>
+    <p:spTree>
+      <p:nvGrpSpPr>
+        <p:cNvPr id="1" name=""/>
+        <p:cNvGrpSpPr/>
+        <p:nvPr/>
+      </p:nvGrpSpPr>
+      <p:grpSpPr>
+        <a:xfrm>
+          <a:off x="0" y="0"/>
+          <a:ext cx="0" cy="0"/>
+          <a:chOff x="0" y="0"/>
+          <a:chExt cx="0" cy="0"/>
+        </a:xfrm>
+      </p:grpSpPr>
+      <p:sp>
+        <p:nvSpPr>
+          <p:cNvPr id="2" name="TextBox 1">
+            <a:extLst>
+              <a:ext uri="{FF2B5EF4-FFF2-40B4-BE49-F238E27FC236}">
+                <a16:creationId xmlns:a16="http://schemas.microsoft.com/office/drawing/2014/main" id="{BB0ED4C7-7072-9DBF-33A9-4AA4D246AA68}"/>
+              </a:ext>
+            </a:extLst>
+          </p:cNvPr>
+          <p:cNvSpPr txBox="1"/>
+          <p:nvPr/>
+        </p:nvSpPr>
+        <p:spPr>
+          <a:xfrm>
+            <a:off x="3331923" y="269310"/>
+            <a:ext cx="5073440" cy="369332"/>
+          </a:xfrm>
+          <a:prstGeom prst="rect">
+            <a:avLst/>
+          </a:prstGeom>
+          <a:noFill/>
+        </p:spPr>
+        <p:txBody>
+          <a:bodyPr wrap="none" rtlCol="0">
+            <a:spAutoFit/>
+          </a:bodyPr>
+          <a:lstStyle/>
+          <a:p>
+            <a:r>
+              <a:rPr lang="en-US" dirty="0"/>
+              <a:t>Themes can be added to like any other plot element</a:t>
+            </a:r>
+          </a:p>
+        </p:txBody>
+      </p:sp>
+      <p:pic>
+        <p:nvPicPr>
+          <p:cNvPr id="3" name="Picture 2">
+            <a:extLst>
+              <a:ext uri="{FF2B5EF4-FFF2-40B4-BE49-F238E27FC236}">
+                <a16:creationId xmlns:a16="http://schemas.microsoft.com/office/drawing/2014/main" id="{96F45484-C265-8873-5FCA-E2E58BE96ABD}"/>
+              </a:ext>
+            </a:extLst>
+          </p:cNvPr>
+          <p:cNvPicPr>
+            <a:picLocks noChangeAspect="1"/>
+          </p:cNvPicPr>
+          <p:nvPr/>
+        </p:nvPicPr>
+        <p:blipFill>
+          <a:blip r:embed="rId2"/>
+          <a:stretch>
+            <a:fillRect/>
+          </a:stretch>
+        </p:blipFill>
+        <p:spPr>
+          <a:xfrm>
+            <a:off x="322023" y="1191785"/>
+            <a:ext cx="4801122" cy="1285462"/>
+          </a:xfrm>
+          <a:prstGeom prst="rect">
+            <a:avLst/>
+          </a:prstGeom>
+        </p:spPr>
+      </p:pic>
+      <p:pic>
+        <p:nvPicPr>
+          <p:cNvPr id="4" name="Picture 3">
+            <a:extLst>
+              <a:ext uri="{FF2B5EF4-FFF2-40B4-BE49-F238E27FC236}">
+                <a16:creationId xmlns:a16="http://schemas.microsoft.com/office/drawing/2014/main" id="{0CE3BC9A-8B3E-F9BF-FF6D-0D13A563D8E0}"/>
+              </a:ext>
+            </a:extLst>
+          </p:cNvPr>
+          <p:cNvPicPr>
+            <a:picLocks noChangeAspect="1"/>
+          </p:cNvPicPr>
+          <p:nvPr/>
+        </p:nvPicPr>
+        <p:blipFill>
+          <a:blip r:embed="rId3"/>
+          <a:stretch>
+            <a:fillRect/>
+          </a:stretch>
+        </p:blipFill>
+        <p:spPr>
+          <a:xfrm>
+            <a:off x="800121" y="2477247"/>
+            <a:ext cx="3844926" cy="4267868"/>
+          </a:xfrm>
+          <a:prstGeom prst="rect">
+            <a:avLst/>
+          </a:prstGeom>
+        </p:spPr>
+      </p:pic>
+      <p:pic>
+        <p:nvPicPr>
+          <p:cNvPr id="5" name="Picture 4">
+            <a:extLst>
+              <a:ext uri="{FF2B5EF4-FFF2-40B4-BE49-F238E27FC236}">
+                <a16:creationId xmlns:a16="http://schemas.microsoft.com/office/drawing/2014/main" id="{6E06D12F-FC24-750F-E5C8-857AC5C81927}"/>
+              </a:ext>
+            </a:extLst>
+          </p:cNvPr>
+          <p:cNvPicPr>
+            <a:picLocks noChangeAspect="1"/>
+          </p:cNvPicPr>
+          <p:nvPr/>
+        </p:nvPicPr>
+        <p:blipFill>
+          <a:blip r:embed="rId4"/>
+          <a:stretch>
+            <a:fillRect/>
+          </a:stretch>
+        </p:blipFill>
+        <p:spPr>
+          <a:xfrm>
+            <a:off x="5795718" y="1139868"/>
+            <a:ext cx="3053920" cy="5357682"/>
+          </a:xfrm>
+          <a:prstGeom prst="rect">
+            <a:avLst/>
+          </a:prstGeom>
+        </p:spPr>
+      </p:pic>
+      <p:sp>
+        <p:nvSpPr>
+          <p:cNvPr id="7" name="TextBox 6">
+            <a:extLst>
+              <a:ext uri="{FF2B5EF4-FFF2-40B4-BE49-F238E27FC236}">
+                <a16:creationId xmlns:a16="http://schemas.microsoft.com/office/drawing/2014/main" id="{7CF36290-573D-639B-4CB0-8A36DCE32216}"/>
+              </a:ext>
+            </a:extLst>
+          </p:cNvPr>
+          <p:cNvSpPr txBox="1"/>
+          <p:nvPr/>
+        </p:nvSpPr>
+        <p:spPr>
+          <a:xfrm>
+            <a:off x="7125744" y="6147100"/>
+            <a:ext cx="6097044" cy="369332"/>
+          </a:xfrm>
+          <a:prstGeom prst="rect">
+            <a:avLst/>
+          </a:prstGeom>
+          <a:noFill/>
+        </p:spPr>
+        <p:txBody>
+          <a:bodyPr wrap="square">
+            <a:spAutoFit/>
+          </a:bodyPr>
+          <a:lstStyle/>
+          <a:p>
+            <a:r>
+              <a:rPr lang="en-US" dirty="0"/>
+              <a:t>https://ggplot2.tidyverse.org/reference/</a:t>
+            </a:r>
+            <a:r>
+              <a:rPr lang="en-US" dirty="0" err="1"/>
+              <a:t>theme.html</a:t>
+            </a:r>
+            <a:endParaRPr lang="en-US" dirty="0"/>
+          </a:p>
+        </p:txBody>
+      </p:sp>
+    </p:spTree>
+    <p:extLst>
+      <p:ext uri="{BB962C8B-B14F-4D97-AF65-F5344CB8AC3E}">
+        <p14:creationId xmlns:p14="http://schemas.microsoft.com/office/powerpoint/2010/main" val="1375084345"/>
+      </p:ext>
+    </p:extLst>
+  </p:cSld>
+  <p:clrMapOvr>
+    <a:masterClrMapping/>
+  </p:clrMapOvr>
+</p:sld>
+</file>
+
+<file path=ppt/slides/slide28.xml><?xml version="1.0" encoding="utf-8"?>
+<p:sld xmlns:a="http://schemas.openxmlformats.org/drawingml/2006/main" xmlns:r="http://schemas.openxmlformats.org/officeDocument/2006/relationships" xmlns:p="http://schemas.openxmlformats.org/presentationml/2006/main">
+  <p:cSld>
+    <p:spTree>
+      <p:nvGrpSpPr>
+        <p:cNvPr id="1" name=""/>
+        <p:cNvGrpSpPr/>
+        <p:nvPr/>
+      </p:nvGrpSpPr>
+      <p:grpSpPr>
+        <a:xfrm>
+          <a:off x="0" y="0"/>
+          <a:ext cx="0" cy="0"/>
+          <a:chOff x="0" y="0"/>
+          <a:chExt cx="0" cy="0"/>
+        </a:xfrm>
+      </p:grpSpPr>
+      <p:sp>
+        <p:nvSpPr>
+          <p:cNvPr id="391" name="back to code"/>
+          <p:cNvSpPr txBox="1"/>
+          <p:nvPr/>
+        </p:nvSpPr>
+        <p:spPr>
+          <a:xfrm>
+            <a:off x="5619979" y="3334102"/>
+            <a:ext cx="646011" cy="189796"/>
           </a:xfrm>
           <a:prstGeom prst="rect">
             <a:avLst/>
@@ -8302,52 +9813,7 @@
           </a:ln>
           <a:extLst>
             <a:ext uri="{C572A759-6A51-4108-AA02-DFA0A04FC94B}">
-              <ma14:wrappingTextBoxFlag xmlns:ma14="http://schemas.microsoft.com/office/mac/drawingml/2011/main" xmlns:a14="http://schemas.microsoft.com/office/drawing/2010/main" xmlns:m="http://schemas.openxmlformats.org/officeDocument/2006/math" xmlns="" val="1"/>
-            </a:ext>
-          </a:extLst>
-        </p:spPr>
-        <p:txBody>
-          <a:bodyPr wrap="none" lIns="25400" tIns="25400" rIns="25400" bIns="25400" anchor="ctr">
-            <a:spAutoFit/>
-          </a:bodyPr>
-          <a:lstStyle>
-            <a:lvl1pPr>
-              <a:defRPr sz="4800">
-                <a:latin typeface="Avenir Next Regular"/>
-                <a:ea typeface="Avenir Next Regular"/>
-                <a:cs typeface="Avenir Next Regular"/>
-                <a:sym typeface="Avenir Next Regular"/>
-              </a:defRPr>
-            </a:lvl1pPr>
-          </a:lstStyle>
-          <a:p>
-            <a:r>
-              <a:rPr sz="2400"/>
-              <a:t>Functions</a:t>
-            </a:r>
-          </a:p>
-        </p:txBody>
-      </p:sp>
-      <p:sp>
-        <p:nvSpPr>
-          <p:cNvPr id="394" name="You can give a function an evocative name that makes your code easier to understand.…"/>
-          <p:cNvSpPr txBox="1"/>
-          <p:nvPr/>
-        </p:nvSpPr>
-        <p:spPr>
-          <a:xfrm>
-            <a:off x="1132557" y="4544220"/>
-            <a:ext cx="7902804" cy="682238"/>
-          </a:xfrm>
-          <a:prstGeom prst="rect">
-            <a:avLst/>
-          </a:prstGeom>
-          <a:ln w="12700">
-            <a:miter lim="400000"/>
-          </a:ln>
-          <a:extLst>
-            <a:ext uri="{C572A759-6A51-4108-AA02-DFA0A04FC94B}">
-              <ma14:wrappingTextBoxFlag xmlns:ma14="http://schemas.microsoft.com/office/mac/drawingml/2011/main" xmlns:a14="http://schemas.microsoft.com/office/drawing/2010/main" xmlns:m="http://schemas.openxmlformats.org/officeDocument/2006/math" xmlns="" val="1"/>
+              <ma14:wrappingTextBoxFlag xmlns="" xmlns:m="http://schemas.openxmlformats.org/officeDocument/2006/math" xmlns:a14="http://schemas.microsoft.com/office/drawing/2010/main" xmlns:ma14="http://schemas.microsoft.com/office/mac/drawingml/2011/main" val="1"/>
             </a:ext>
           </a:extLst>
         </p:spPr>
@@ -8357,281 +9823,9 @@
           </a:bodyPr>
           <a:lstStyle/>
           <a:p>
-            <a:pPr marL="228600" indent="-158750" defTabSz="228600">
-              <a:spcBef>
-                <a:spcPts val="300"/>
-              </a:spcBef>
-              <a:buClr>
-                <a:srgbClr val="212529"/>
-              </a:buClr>
-              <a:buSzPct val="100000"/>
-              <a:buFont typeface="TimesNewRomanPSMT"/>
-              <a:buAutoNum type="arabicPeriod"/>
-              <a:defRPr>
-                <a:solidFill>
-                  <a:srgbClr val="212529"/>
-                </a:solidFill>
-                <a:latin typeface="Avenir Next Regular"/>
-                <a:ea typeface="Avenir Next Regular"/>
-                <a:cs typeface="Avenir Next Regular"/>
-                <a:sym typeface="Avenir Next Regular"/>
-              </a:defRPr>
-            </a:pPr>
             <a:r>
               <a:rPr sz="900"/>
-              <a:t>You can give a function an evocative name that makes your code easier to understand.</a:t>
-            </a:r>
-          </a:p>
-          <a:p>
-            <a:pPr marL="228600" indent="-158750" defTabSz="228600">
-              <a:spcBef>
-                <a:spcPts val="300"/>
-              </a:spcBef>
-              <a:buClr>
-                <a:srgbClr val="212529"/>
-              </a:buClr>
-              <a:buSzPct val="100000"/>
-              <a:buFont typeface="TimesNewRomanPSMT"/>
-              <a:buAutoNum type="arabicPeriod"/>
-              <a:defRPr>
-                <a:solidFill>
-                  <a:srgbClr val="212529"/>
-                </a:solidFill>
-                <a:latin typeface="Avenir Next Regular"/>
-                <a:ea typeface="Avenir Next Regular"/>
-                <a:cs typeface="Avenir Next Regular"/>
-                <a:sym typeface="Avenir Next Regular"/>
-              </a:defRPr>
-            </a:pPr>
-            <a:r>
-              <a:rPr sz="900"/>
-              <a:t>As requirements change, you only need to update code in one place, instead of many.</a:t>
-            </a:r>
-          </a:p>
-          <a:p>
-            <a:pPr marL="228600" indent="-158750" defTabSz="228600">
-              <a:spcBef>
-                <a:spcPts val="300"/>
-              </a:spcBef>
-              <a:buClr>
-                <a:srgbClr val="212529"/>
-              </a:buClr>
-              <a:buSzPct val="100000"/>
-              <a:buFont typeface="TimesNewRomanPSMT"/>
-              <a:buAutoNum type="arabicPeriod"/>
-              <a:defRPr>
-                <a:solidFill>
-                  <a:srgbClr val="212529"/>
-                </a:solidFill>
-                <a:latin typeface="Avenir Next Regular"/>
-                <a:ea typeface="Avenir Next Regular"/>
-                <a:cs typeface="Avenir Next Regular"/>
-                <a:sym typeface="Avenir Next Regular"/>
-              </a:defRPr>
-            </a:pPr>
-            <a:r>
-              <a:rPr sz="900"/>
-              <a:t>You eliminate the chance of making incidental mistakes when you copy and paste (i.e. updating a variable name in one place, but not in another).</a:t>
-            </a:r>
-            <a:br>
-              <a:rPr sz="900"/>
-            </a:br>
-            <a:endParaRPr sz="900"/>
-          </a:p>
-        </p:txBody>
-      </p:sp>
-      <p:sp>
-        <p:nvSpPr>
-          <p:cNvPr id="395" name="-https://r4ds.had.co.nz/functions.html"/>
-          <p:cNvSpPr txBox="1"/>
-          <p:nvPr/>
-        </p:nvSpPr>
-        <p:spPr>
-          <a:xfrm>
-            <a:off x="8402526" y="3964672"/>
-            <a:ext cx="1888337" cy="189796"/>
-          </a:xfrm>
-          <a:prstGeom prst="rect">
-            <a:avLst/>
-          </a:prstGeom>
-          <a:ln w="12700">
-            <a:miter lim="400000"/>
-          </a:ln>
-          <a:extLst>
-            <a:ext uri="{C572A759-6A51-4108-AA02-DFA0A04FC94B}">
-              <ma14:wrappingTextBoxFlag xmlns:ma14="http://schemas.microsoft.com/office/mac/drawingml/2011/main" xmlns:a14="http://schemas.microsoft.com/office/drawing/2010/main" xmlns:m="http://schemas.openxmlformats.org/officeDocument/2006/math" xmlns="" val="1"/>
-            </a:ext>
-          </a:extLst>
-        </p:spPr>
-        <p:txBody>
-          <a:bodyPr wrap="none" lIns="25400" tIns="25400" rIns="25400" bIns="25400" anchor="ctr">
-            <a:spAutoFit/>
-          </a:bodyPr>
-          <a:lstStyle/>
-          <a:p>
-            <a:r>
-              <a:rPr sz="900"/>
-              <a:t> -https://r4ds.had.co.nz/functions.html</a:t>
-            </a:r>
-          </a:p>
-        </p:txBody>
-      </p:sp>
-      <p:sp>
-        <p:nvSpPr>
-          <p:cNvPr id="396" name="Reasons to make a new function"/>
-          <p:cNvSpPr txBox="1"/>
-          <p:nvPr/>
-        </p:nvSpPr>
-        <p:spPr>
-          <a:xfrm>
-            <a:off x="1153739" y="3940531"/>
-            <a:ext cx="3417089" cy="328295"/>
-          </a:xfrm>
-          <a:prstGeom prst="rect">
-            <a:avLst/>
-          </a:prstGeom>
-          <a:ln w="12700">
-            <a:miter lim="400000"/>
-          </a:ln>
-          <a:extLst>
-            <a:ext uri="{C572A759-6A51-4108-AA02-DFA0A04FC94B}">
-              <ma14:wrappingTextBoxFlag xmlns:ma14="http://schemas.microsoft.com/office/mac/drawingml/2011/main" xmlns:a14="http://schemas.microsoft.com/office/drawing/2010/main" xmlns:m="http://schemas.openxmlformats.org/officeDocument/2006/math" xmlns="" val="1"/>
-            </a:ext>
-          </a:extLst>
-        </p:spPr>
-        <p:txBody>
-          <a:bodyPr wrap="none" lIns="25400" tIns="25400" rIns="25400" bIns="25400" anchor="ctr">
-            <a:spAutoFit/>
-          </a:bodyPr>
-          <a:lstStyle>
-            <a:lvl1pPr>
-              <a:defRPr sz="3600">
-                <a:solidFill>
-                  <a:schemeClr val="accent1">
-                    <a:lumOff val="-13575"/>
-                  </a:schemeClr>
-                </a:solidFill>
-                <a:latin typeface="Avenir Next Regular"/>
-                <a:ea typeface="Avenir Next Regular"/>
-                <a:cs typeface="Avenir Next Regular"/>
-                <a:sym typeface="Avenir Next Regular"/>
-              </a:defRPr>
-            </a:lvl1pPr>
-          </a:lstStyle>
-          <a:p>
-            <a:r>
-              <a:rPr sz="1800"/>
-              <a:t>Reasons to make a new function</a:t>
-            </a:r>
-          </a:p>
-        </p:txBody>
-      </p:sp>
-      <p:sp>
-        <p:nvSpPr>
-          <p:cNvPr id="397" name="Any chunk of code you are going to reuse - can be built in or come with a package or user made…"/>
-          <p:cNvSpPr txBox="1"/>
-          <p:nvPr/>
-        </p:nvSpPr>
-        <p:spPr>
-          <a:xfrm>
-            <a:off x="1130476" y="1636162"/>
-            <a:ext cx="4637488" cy="466794"/>
-          </a:xfrm>
-          <a:prstGeom prst="rect">
-            <a:avLst/>
-          </a:prstGeom>
-          <a:ln w="12700">
-            <a:miter lim="400000"/>
-          </a:ln>
-          <a:extLst>
-            <a:ext uri="{C572A759-6A51-4108-AA02-DFA0A04FC94B}">
-              <ma14:wrappingTextBoxFlag xmlns:ma14="http://schemas.microsoft.com/office/mac/drawingml/2011/main" xmlns:a14="http://schemas.microsoft.com/office/drawing/2010/main" xmlns:m="http://schemas.openxmlformats.org/officeDocument/2006/math" xmlns="" val="1"/>
-            </a:ext>
-          </a:extLst>
-        </p:spPr>
-        <p:txBody>
-          <a:bodyPr wrap="none" lIns="25400" tIns="25400" rIns="25400" bIns="25400" anchor="ctr">
-            <a:spAutoFit/>
-          </a:bodyPr>
-          <a:lstStyle/>
-          <a:p>
-            <a:pPr marL="114300" indent="-114300">
-              <a:buSzPct val="100000"/>
-              <a:buChar char="•"/>
-            </a:pPr>
-            <a:r>
-              <a:rPr sz="900"/>
-              <a:t>Any chunk of code you are going to reuse - can be built in or come with a package or user made</a:t>
-            </a:r>
-          </a:p>
-          <a:p>
-            <a:pPr marL="114300" indent="-114300">
-              <a:buSzPct val="100000"/>
-              <a:buChar char="•"/>
-            </a:pPr>
-            <a:r>
-              <a:rPr sz="900"/>
-              <a:t>Can take 0 or more arguments</a:t>
-            </a:r>
-          </a:p>
-          <a:p>
-            <a:pPr marL="114300" indent="-114300">
-              <a:buSzPct val="100000"/>
-              <a:buChar char="•"/>
-            </a:pPr>
-            <a:r>
-              <a:rPr sz="900"/>
-              <a:t>Can return some value(s) or objects</a:t>
-            </a:r>
-          </a:p>
-        </p:txBody>
-      </p:sp>
-      <p:sp>
-        <p:nvSpPr>
-          <p:cNvPr id="398" name="What are functions"/>
-          <p:cNvSpPr txBox="1"/>
-          <p:nvPr/>
-        </p:nvSpPr>
-        <p:spPr>
-          <a:xfrm>
-            <a:off x="1087266" y="1155794"/>
-            <a:ext cx="2018822" cy="328295"/>
-          </a:xfrm>
-          <a:prstGeom prst="rect">
-            <a:avLst/>
-          </a:prstGeom>
-          <a:ln w="12700">
-            <a:miter lim="400000"/>
-          </a:ln>
-          <a:extLst>
-            <a:ext uri="{C572A759-6A51-4108-AA02-DFA0A04FC94B}">
-              <ma14:wrappingTextBoxFlag xmlns:ma14="http://schemas.microsoft.com/office/mac/drawingml/2011/main" xmlns:a14="http://schemas.microsoft.com/office/drawing/2010/main" xmlns:m="http://schemas.openxmlformats.org/officeDocument/2006/math" xmlns="" val="1"/>
-            </a:ext>
-          </a:extLst>
-        </p:spPr>
-        <p:txBody>
-          <a:bodyPr wrap="none" lIns="25400" tIns="25400" rIns="25400" bIns="25400" anchor="ctr">
-            <a:spAutoFit/>
-          </a:bodyPr>
-          <a:lstStyle>
-            <a:lvl1pPr>
-              <a:defRPr sz="3600">
-                <a:solidFill>
-                  <a:schemeClr val="accent1">
-                    <a:lumOff val="-13575"/>
-                  </a:schemeClr>
-                </a:solidFill>
-                <a:latin typeface="Avenir Next Regular"/>
-                <a:ea typeface="Avenir Next Regular"/>
-                <a:cs typeface="Avenir Next Regular"/>
-                <a:sym typeface="Avenir Next Regular"/>
-              </a:defRPr>
-            </a:lvl1pPr>
-          </a:lstStyle>
-          <a:p>
-            <a:r>
-              <a:rPr sz="1800"/>
-              <a:t>What are functions</a:t>
+              <a:t>back to code</a:t>
             </a:r>
           </a:p>
         </p:txBody>
@@ -8680,7 +9874,7 @@
           </a:ln>
           <a:extLst>
             <a:ext uri="{C572A759-6A51-4108-AA02-DFA0A04FC94B}">
-              <ma14:wrappingTextBoxFlag xmlns:ma14="http://schemas.microsoft.com/office/mac/drawingml/2011/main" xmlns:a14="http://schemas.microsoft.com/office/drawing/2010/main" xmlns:m="http://schemas.openxmlformats.org/officeDocument/2006/math" xmlns="" val="1"/>
+              <ma14:wrappingTextBoxFlag xmlns="" xmlns:m="http://schemas.openxmlformats.org/officeDocument/2006/math" xmlns:a14="http://schemas.microsoft.com/office/drawing/2010/main" xmlns:ma14="http://schemas.microsoft.com/office/mac/drawingml/2011/main" val="1"/>
             </a:ext>
           </a:extLst>
         </p:spPr>
@@ -8724,7 +9918,7 @@
           </a:ln>
           <a:extLst>
             <a:ext uri="{C572A759-6A51-4108-AA02-DFA0A04FC94B}">
-              <ma14:wrappingTextBoxFlag xmlns:ma14="http://schemas.microsoft.com/office/mac/drawingml/2011/main" xmlns:a14="http://schemas.microsoft.com/office/drawing/2010/main" xmlns:m="http://schemas.openxmlformats.org/officeDocument/2006/math" xmlns="" val="1"/>
+              <ma14:wrappingTextBoxFlag xmlns="" xmlns:m="http://schemas.openxmlformats.org/officeDocument/2006/math" xmlns:a14="http://schemas.microsoft.com/office/drawing/2010/main" xmlns:ma14="http://schemas.microsoft.com/office/mac/drawingml/2011/main" val="1"/>
             </a:ext>
           </a:extLst>
         </p:spPr>
@@ -8761,7 +9955,7 @@
           </a:ln>
           <a:extLst>
             <a:ext uri="{C572A759-6A51-4108-AA02-DFA0A04FC94B}">
-              <ma14:wrappingTextBoxFlag xmlns:ma14="http://schemas.microsoft.com/office/mac/drawingml/2011/main" xmlns:a14="http://schemas.microsoft.com/office/drawing/2010/main" xmlns:m="http://schemas.openxmlformats.org/officeDocument/2006/math" xmlns="" val="1"/>
+              <ma14:wrappingTextBoxFlag xmlns="" xmlns:m="http://schemas.openxmlformats.org/officeDocument/2006/math" xmlns:a14="http://schemas.microsoft.com/office/drawing/2010/main" xmlns:ma14="http://schemas.microsoft.com/office/mac/drawingml/2011/main" val="1"/>
             </a:ext>
           </a:extLst>
         </p:spPr>
@@ -8930,8 +10124,8 @@
         </p:nvSpPr>
         <p:spPr>
           <a:xfrm>
-            <a:off x="703384" y="2573560"/>
-            <a:ext cx="2321170" cy="4524315"/>
+            <a:off x="748896" y="2027084"/>
+            <a:ext cx="2321170" cy="4801314"/>
           </a:xfrm>
           <a:prstGeom prst="rect">
             <a:avLst/>
@@ -8946,7 +10140,7 @@
           <a:p>
             <a:r>
               <a:rPr lang="en-US" dirty="0"/>
-              <a:t>How many airports originated flights </a:t>
+              <a:t>How many flights originated at each airport</a:t>
             </a:r>
           </a:p>
           <a:p>
@@ -8955,7 +10149,7 @@
           <a:p>
             <a:r>
               <a:rPr lang="en-US" dirty="0"/>
-              <a:t>How long was the average flight that arrived at EWR (Newark)</a:t>
+              <a:t>How long was the average flight that left EWR (Newark)</a:t>
             </a:r>
           </a:p>
           <a:p>
@@ -8964,7 +10158,7 @@
           <a:p>
             <a:r>
               <a:rPr lang="en-US" dirty="0"/>
-              <a:t>What airport had the longest arrival delay</a:t>
+              <a:t>What airport had the longest average arrival delay </a:t>
             </a:r>
           </a:p>
           <a:p>
@@ -8981,12 +10175,8 @@
           </a:p>
           <a:p>
             <a:r>
-              <a:rPr lang="en-US" dirty="0" err="1"/>
-              <a:t>Hnow</a:t>
-            </a:r>
-            <a:r>
               <a:rPr lang="en-US" dirty="0"/>
-              <a:t> many flights per year</a:t>
+              <a:t>How many flights per year</a:t>
             </a:r>
           </a:p>
         </p:txBody>
@@ -9035,7 +10225,7 @@
           </a:ln>
           <a:extLst>
             <a:ext uri="{C572A759-6A51-4108-AA02-DFA0A04FC94B}">
-              <ma14:wrappingTextBoxFlag xmlns:ma14="http://schemas.microsoft.com/office/mac/drawingml/2011/main" xmlns:a14="http://schemas.microsoft.com/office/drawing/2010/main" xmlns:m="http://schemas.openxmlformats.org/officeDocument/2006/math" xmlns="" val="1"/>
+              <ma14:wrappingTextBoxFlag xmlns="" xmlns:m="http://schemas.openxmlformats.org/officeDocument/2006/math" xmlns:a14="http://schemas.microsoft.com/office/drawing/2010/main" xmlns:ma14="http://schemas.microsoft.com/office/mac/drawingml/2011/main" val="1"/>
             </a:ext>
           </a:extLst>
         </p:spPr>
@@ -9134,7 +10324,7 @@
           </a:ln>
           <a:extLst>
             <a:ext uri="{C572A759-6A51-4108-AA02-DFA0A04FC94B}">
-              <ma14:wrappingTextBoxFlag xmlns:ma14="http://schemas.microsoft.com/office/mac/drawingml/2011/main" xmlns:a14="http://schemas.microsoft.com/office/drawing/2010/main" xmlns:m="http://schemas.openxmlformats.org/officeDocument/2006/math" xmlns="" val="1"/>
+              <ma14:wrappingTextBoxFlag xmlns="" xmlns:m="http://schemas.openxmlformats.org/officeDocument/2006/math" xmlns:a14="http://schemas.microsoft.com/office/drawing/2010/main" xmlns:ma14="http://schemas.microsoft.com/office/mac/drawingml/2011/main" val="1"/>
             </a:ext>
           </a:extLst>
         </p:spPr>
@@ -9170,7 +10360,7 @@
           </a:ln>
           <a:extLst>
             <a:ext uri="{C572A759-6A51-4108-AA02-DFA0A04FC94B}">
-              <ma14:wrappingTextBoxFlag xmlns:ma14="http://schemas.microsoft.com/office/mac/drawingml/2011/main" xmlns:a14="http://schemas.microsoft.com/office/drawing/2010/main" xmlns:m="http://schemas.openxmlformats.org/officeDocument/2006/math" xmlns="" val="1"/>
+              <ma14:wrappingTextBoxFlag xmlns="" xmlns:m="http://schemas.openxmlformats.org/officeDocument/2006/math" xmlns:a14="http://schemas.microsoft.com/office/drawing/2010/main" xmlns:ma14="http://schemas.microsoft.com/office/mac/drawingml/2011/main" val="1"/>
             </a:ext>
           </a:extLst>
         </p:spPr>
@@ -9210,7 +10400,7 @@
           </a:ln>
           <a:extLst>
             <a:ext uri="{C572A759-6A51-4108-AA02-DFA0A04FC94B}">
-              <ma14:wrappingTextBoxFlag xmlns:ma14="http://schemas.microsoft.com/office/mac/drawingml/2011/main" xmlns:a14="http://schemas.microsoft.com/office/drawing/2010/main" xmlns:m="http://schemas.openxmlformats.org/officeDocument/2006/math" xmlns="" val="1"/>
+              <ma14:wrappingTextBoxFlag xmlns="" xmlns:m="http://schemas.openxmlformats.org/officeDocument/2006/math" xmlns:a14="http://schemas.microsoft.com/office/drawing/2010/main" xmlns:ma14="http://schemas.microsoft.com/office/mac/drawingml/2011/main" val="1"/>
             </a:ext>
           </a:extLst>
         </p:spPr>
@@ -9329,7 +10519,7 @@
           </a:ln>
           <a:extLst>
             <a:ext uri="{C572A759-6A51-4108-AA02-DFA0A04FC94B}">
-              <ma14:wrappingTextBoxFlag xmlns:ma14="http://schemas.microsoft.com/office/mac/drawingml/2011/main" xmlns:a14="http://schemas.microsoft.com/office/drawing/2010/main" xmlns:m="http://schemas.openxmlformats.org/officeDocument/2006/math" xmlns="" val="1"/>
+              <ma14:wrappingTextBoxFlag xmlns="" xmlns:m="http://schemas.openxmlformats.org/officeDocument/2006/math" xmlns:a14="http://schemas.microsoft.com/office/drawing/2010/main" xmlns:ma14="http://schemas.microsoft.com/office/mac/drawingml/2011/main" val="1"/>
             </a:ext>
           </a:extLst>
         </p:spPr>
@@ -9369,7 +10559,7 @@
           </a:ln>
           <a:extLst>
             <a:ext uri="{C572A759-6A51-4108-AA02-DFA0A04FC94B}">
-              <ma14:wrappingTextBoxFlag xmlns:ma14="http://schemas.microsoft.com/office/mac/drawingml/2011/main" xmlns:a14="http://schemas.microsoft.com/office/drawing/2010/main" xmlns:m="http://schemas.openxmlformats.org/officeDocument/2006/math" xmlns="" val="1"/>
+              <ma14:wrappingTextBoxFlag xmlns="" xmlns:m="http://schemas.openxmlformats.org/officeDocument/2006/math" xmlns:a14="http://schemas.microsoft.com/office/drawing/2010/main" xmlns:ma14="http://schemas.microsoft.com/office/mac/drawingml/2011/main" val="1"/>
             </a:ext>
           </a:extLst>
         </p:spPr>
@@ -9457,7 +10647,7 @@
           </a:ln>
           <a:extLst>
             <a:ext uri="{C572A759-6A51-4108-AA02-DFA0A04FC94B}">
-              <ma14:wrappingTextBoxFlag xmlns:ma14="http://schemas.microsoft.com/office/mac/drawingml/2011/main" xmlns:a14="http://schemas.microsoft.com/office/drawing/2010/main" xmlns:m="http://schemas.openxmlformats.org/officeDocument/2006/math" xmlns="" val="1"/>
+              <ma14:wrappingTextBoxFlag xmlns="" xmlns:m="http://schemas.openxmlformats.org/officeDocument/2006/math" xmlns:a14="http://schemas.microsoft.com/office/drawing/2010/main" xmlns:ma14="http://schemas.microsoft.com/office/mac/drawingml/2011/main" val="1"/>
             </a:ext>
           </a:extLst>
         </p:spPr>
@@ -9497,7 +10687,7 @@
           </a:ln>
           <a:extLst>
             <a:ext uri="{C572A759-6A51-4108-AA02-DFA0A04FC94B}">
-              <ma14:wrappingTextBoxFlag xmlns:ma14="http://schemas.microsoft.com/office/mac/drawingml/2011/main" xmlns:a14="http://schemas.microsoft.com/office/drawing/2010/main" xmlns:m="http://schemas.openxmlformats.org/officeDocument/2006/math" xmlns="" val="1"/>
+              <ma14:wrappingTextBoxFlag xmlns="" xmlns:m="http://schemas.openxmlformats.org/officeDocument/2006/math" xmlns:a14="http://schemas.microsoft.com/office/drawing/2010/main" xmlns:ma14="http://schemas.microsoft.com/office/mac/drawingml/2011/main" val="1"/>
             </a:ext>
           </a:extLst>
         </p:spPr>
@@ -9687,7 +10877,7 @@
           <p:cNvPr id="2" name="TextBox 1">
             <a:extLst>
               <a:ext uri="{FF2B5EF4-FFF2-40B4-BE49-F238E27FC236}">
-                <a16:creationId xmlns:a16="http://schemas.microsoft.com/office/drawing/2014/main" id="{F5588A42-1D87-D0A9-0707-A4AF57ABA0D9}"/>
+                <a16:creationId xmlns:a16="http://schemas.microsoft.com/office/drawing/2014/main" id="{6B4160CC-7053-9CF3-384D-01F51F309646}"/>
               </a:ext>
             </a:extLst>
           </p:cNvPr>
@@ -9696,8 +10886,8 @@
         </p:nvSpPr>
         <p:spPr>
           <a:xfrm>
-            <a:off x="3453669" y="559165"/>
-            <a:ext cx="5966625" cy="369332"/>
+            <a:off x="4912872" y="211015"/>
+            <a:ext cx="3289675" cy="369332"/>
           </a:xfrm>
           <a:prstGeom prst="rect">
             <a:avLst/>
@@ -9712,15 +10902,390 @@
           <a:p>
             <a:r>
               <a:rPr lang="en-US" dirty="0"/>
-              <a:t>What is tidy data</a:t>
-            </a:r>
-          </a:p>
-        </p:txBody>
-      </p:sp>
+              <a:t>Plotting using </a:t>
+            </a:r>
+            <a:r>
+              <a:rPr lang="en-US" dirty="0" err="1"/>
+              <a:t>ggplot</a:t>
+            </a:r>
+            <a:endParaRPr lang="en-US" dirty="0"/>
+          </a:p>
+        </p:txBody>
+      </p:sp>
+      <p:sp>
+        <p:nvSpPr>
+          <p:cNvPr id="3" name="TextBox 2">
+            <a:extLst>
+              <a:ext uri="{FF2B5EF4-FFF2-40B4-BE49-F238E27FC236}">
+                <a16:creationId xmlns:a16="http://schemas.microsoft.com/office/drawing/2014/main" id="{B0E71378-DCC3-EC64-3A63-94C96963874B}"/>
+              </a:ext>
+            </a:extLst>
+          </p:cNvPr>
+          <p:cNvSpPr txBox="1"/>
+          <p:nvPr/>
+        </p:nvSpPr>
+        <p:spPr>
+          <a:xfrm>
+            <a:off x="5080602" y="681742"/>
+            <a:ext cx="1688123" cy="369332"/>
+          </a:xfrm>
+          <a:prstGeom prst="rect">
+            <a:avLst/>
+          </a:prstGeom>
+          <a:noFill/>
+        </p:spPr>
+        <p:txBody>
+          <a:bodyPr wrap="square" rtlCol="0">
+            <a:spAutoFit/>
+          </a:bodyPr>
+          <a:lstStyle/>
+          <a:p>
+            <a:r>
+              <a:rPr lang="en-US" dirty="0"/>
+              <a:t>library(ggplot2)</a:t>
+            </a:r>
+          </a:p>
+        </p:txBody>
+      </p:sp>
+      <p:sp>
+        <p:nvSpPr>
+          <p:cNvPr id="5" name="TextBox 4">
+            <a:extLst>
+              <a:ext uri="{FF2B5EF4-FFF2-40B4-BE49-F238E27FC236}">
+                <a16:creationId xmlns:a16="http://schemas.microsoft.com/office/drawing/2014/main" id="{FE48D9F7-C7D5-5F4E-9188-FC845831B06D}"/>
+              </a:ext>
+            </a:extLst>
+          </p:cNvPr>
+          <p:cNvSpPr txBox="1"/>
+          <p:nvPr/>
+        </p:nvSpPr>
+        <p:spPr>
+          <a:xfrm>
+            <a:off x="8870762" y="6167437"/>
+            <a:ext cx="6097802" cy="369332"/>
+          </a:xfrm>
+          <a:prstGeom prst="rect">
+            <a:avLst/>
+          </a:prstGeom>
+          <a:noFill/>
+        </p:spPr>
+        <p:txBody>
+          <a:bodyPr wrap="square">
+            <a:spAutoFit/>
+          </a:bodyPr>
+          <a:lstStyle/>
+          <a:p>
+            <a:r>
+              <a:rPr lang="en-US" dirty="0"/>
+              <a:t>https://ggplot2.tidyverse.org/</a:t>
+            </a:r>
+          </a:p>
+        </p:txBody>
+      </p:sp>
+      <p:pic>
+        <p:nvPicPr>
+          <p:cNvPr id="6" name="Picture 5">
+            <a:extLst>
+              <a:ext uri="{FF2B5EF4-FFF2-40B4-BE49-F238E27FC236}">
+                <a16:creationId xmlns:a16="http://schemas.microsoft.com/office/drawing/2014/main" id="{758E8B14-F7B1-36D5-1409-573B8CDD5197}"/>
+              </a:ext>
+            </a:extLst>
+          </p:cNvPr>
+          <p:cNvPicPr>
+            <a:picLocks noChangeAspect="1"/>
+          </p:cNvPicPr>
+          <p:nvPr/>
+        </p:nvPicPr>
+        <p:blipFill>
+          <a:blip r:embed="rId2"/>
+          <a:stretch>
+            <a:fillRect/>
+          </a:stretch>
+        </p:blipFill>
+        <p:spPr>
+          <a:xfrm>
+            <a:off x="2616200" y="1687297"/>
+            <a:ext cx="6959600" cy="431800"/>
+          </a:xfrm>
+          <a:prstGeom prst="rect">
+            <a:avLst/>
+          </a:prstGeom>
+        </p:spPr>
+      </p:pic>
+      <p:sp>
+        <p:nvSpPr>
+          <p:cNvPr id="7" name="TextBox 6">
+            <a:extLst>
+              <a:ext uri="{FF2B5EF4-FFF2-40B4-BE49-F238E27FC236}">
+                <a16:creationId xmlns:a16="http://schemas.microsoft.com/office/drawing/2014/main" id="{58A52827-F68B-075C-9FB9-F3CEAA30A2E8}"/>
+              </a:ext>
+            </a:extLst>
+          </p:cNvPr>
+          <p:cNvSpPr txBox="1"/>
+          <p:nvPr/>
+        </p:nvSpPr>
+        <p:spPr>
+          <a:xfrm>
+            <a:off x="3181463" y="2570654"/>
+            <a:ext cx="599716" cy="369332"/>
+          </a:xfrm>
+          <a:prstGeom prst="rect">
+            <a:avLst/>
+          </a:prstGeom>
+          <a:noFill/>
+        </p:spPr>
+        <p:txBody>
+          <a:bodyPr wrap="none" rtlCol="0">
+            <a:spAutoFit/>
+          </a:bodyPr>
+          <a:lstStyle/>
+          <a:p>
+            <a:r>
+              <a:rPr lang="en-US" dirty="0"/>
+              <a:t>data</a:t>
+            </a:r>
+          </a:p>
+        </p:txBody>
+      </p:sp>
+      <p:sp>
+        <p:nvSpPr>
+          <p:cNvPr id="9" name="TextBox 8">
+            <a:extLst>
+              <a:ext uri="{FF2B5EF4-FFF2-40B4-BE49-F238E27FC236}">
+                <a16:creationId xmlns:a16="http://schemas.microsoft.com/office/drawing/2014/main" id="{9984B211-744B-0F49-0214-2007D806E3F3}"/>
+              </a:ext>
+            </a:extLst>
+          </p:cNvPr>
+          <p:cNvSpPr txBox="1"/>
+          <p:nvPr/>
+        </p:nvSpPr>
+        <p:spPr>
+          <a:xfrm>
+            <a:off x="5531871" y="2570654"/>
+            <a:ext cx="1128258" cy="369332"/>
+          </a:xfrm>
+          <a:prstGeom prst="rect">
+            <a:avLst/>
+          </a:prstGeom>
+          <a:noFill/>
+        </p:spPr>
+        <p:txBody>
+          <a:bodyPr wrap="none" rtlCol="0">
+            <a:spAutoFit/>
+          </a:bodyPr>
+          <a:lstStyle/>
+          <a:p>
+            <a:r>
+              <a:rPr lang="en-US" dirty="0"/>
+              <a:t>aesthetics</a:t>
+            </a:r>
+          </a:p>
+        </p:txBody>
+      </p:sp>
+      <p:sp>
+        <p:nvSpPr>
+          <p:cNvPr id="10" name="TextBox 9">
+            <a:extLst>
+              <a:ext uri="{FF2B5EF4-FFF2-40B4-BE49-F238E27FC236}">
+                <a16:creationId xmlns:a16="http://schemas.microsoft.com/office/drawing/2014/main" id="{381756F0-2D9B-7013-F93B-793D486B14B0}"/>
+              </a:ext>
+            </a:extLst>
+          </p:cNvPr>
+          <p:cNvSpPr txBox="1"/>
+          <p:nvPr/>
+        </p:nvSpPr>
+        <p:spPr>
+          <a:xfrm>
+            <a:off x="8523961" y="2633887"/>
+            <a:ext cx="1299523" cy="369332"/>
+          </a:xfrm>
+          <a:prstGeom prst="rect">
+            <a:avLst/>
+          </a:prstGeom>
+          <a:noFill/>
+        </p:spPr>
+        <p:txBody>
+          <a:bodyPr wrap="none" rtlCol="0">
+            <a:spAutoFit/>
+          </a:bodyPr>
+          <a:lstStyle/>
+          <a:p>
+            <a:r>
+              <a:rPr lang="en-US" dirty="0"/>
+              <a:t>Type of plot</a:t>
+            </a:r>
+          </a:p>
+        </p:txBody>
+      </p:sp>
+      <p:cxnSp>
+        <p:nvCxnSpPr>
+          <p:cNvPr id="12" name="Straight Arrow Connector 11">
+            <a:extLst>
+              <a:ext uri="{FF2B5EF4-FFF2-40B4-BE49-F238E27FC236}">
+                <a16:creationId xmlns:a16="http://schemas.microsoft.com/office/drawing/2014/main" id="{D6574E1F-B2BF-6B7D-46EE-8BC501F660FA}"/>
+              </a:ext>
+            </a:extLst>
+          </p:cNvPr>
+          <p:cNvCxnSpPr>
+            <a:cxnSpLocks/>
+            <a:stCxn id="7" idx="0"/>
+          </p:cNvCxnSpPr>
+          <p:nvPr/>
+        </p:nvCxnSpPr>
+        <p:spPr>
+          <a:xfrm flipV="1">
+            <a:off x="3481321" y="2119097"/>
+            <a:ext cx="107386" cy="451557"/>
+          </a:xfrm>
+          <a:prstGeom prst="straightConnector1">
+            <a:avLst/>
+          </a:prstGeom>
+          <a:ln w="34925">
+            <a:tailEnd type="triangle"/>
+          </a:ln>
+        </p:spPr>
+        <p:style>
+          <a:lnRef idx="1">
+            <a:schemeClr val="accent1"/>
+          </a:lnRef>
+          <a:fillRef idx="0">
+            <a:schemeClr val="accent1"/>
+          </a:fillRef>
+          <a:effectRef idx="0">
+            <a:schemeClr val="accent1"/>
+          </a:effectRef>
+          <a:fontRef idx="minor">
+            <a:schemeClr val="tx1"/>
+          </a:fontRef>
+        </p:style>
+      </p:cxnSp>
+      <p:cxnSp>
+        <p:nvCxnSpPr>
+          <p:cNvPr id="14" name="Straight Arrow Connector 13">
+            <a:extLst>
+              <a:ext uri="{FF2B5EF4-FFF2-40B4-BE49-F238E27FC236}">
+                <a16:creationId xmlns:a16="http://schemas.microsoft.com/office/drawing/2014/main" id="{1527A65B-D2D0-21C0-AFD5-CF267277532D}"/>
+              </a:ext>
+            </a:extLst>
+          </p:cNvPr>
+          <p:cNvCxnSpPr>
+            <a:cxnSpLocks/>
+          </p:cNvCxnSpPr>
+          <p:nvPr/>
+        </p:nvCxnSpPr>
+        <p:spPr>
+          <a:xfrm flipH="1" flipV="1">
+            <a:off x="5417507" y="2211430"/>
+            <a:ext cx="538494" cy="393357"/>
+          </a:xfrm>
+          <a:prstGeom prst="straightConnector1">
+            <a:avLst/>
+          </a:prstGeom>
+          <a:ln w="34925">
+            <a:tailEnd type="triangle"/>
+          </a:ln>
+        </p:spPr>
+        <p:style>
+          <a:lnRef idx="1">
+            <a:schemeClr val="accent1"/>
+          </a:lnRef>
+          <a:fillRef idx="0">
+            <a:schemeClr val="accent1"/>
+          </a:fillRef>
+          <a:effectRef idx="0">
+            <a:schemeClr val="accent1"/>
+          </a:effectRef>
+          <a:fontRef idx="minor">
+            <a:schemeClr val="tx1"/>
+          </a:fontRef>
+        </p:style>
+      </p:cxnSp>
+      <p:cxnSp>
+        <p:nvCxnSpPr>
+          <p:cNvPr id="16" name="Straight Arrow Connector 15">
+            <a:extLst>
+              <a:ext uri="{FF2B5EF4-FFF2-40B4-BE49-F238E27FC236}">
+                <a16:creationId xmlns:a16="http://schemas.microsoft.com/office/drawing/2014/main" id="{2A936A9C-316F-9495-ADE9-3EBE6276D74A}"/>
+              </a:ext>
+            </a:extLst>
+          </p:cNvPr>
+          <p:cNvCxnSpPr>
+            <a:cxnSpLocks/>
+          </p:cNvCxnSpPr>
+          <p:nvPr/>
+        </p:nvCxnSpPr>
+        <p:spPr>
+          <a:xfrm flipV="1">
+            <a:off x="6494495" y="2158024"/>
+            <a:ext cx="332190" cy="475863"/>
+          </a:xfrm>
+          <a:prstGeom prst="straightConnector1">
+            <a:avLst/>
+          </a:prstGeom>
+          <a:ln w="34925">
+            <a:tailEnd type="triangle"/>
+          </a:ln>
+        </p:spPr>
+        <p:style>
+          <a:lnRef idx="1">
+            <a:schemeClr val="accent1"/>
+          </a:lnRef>
+          <a:fillRef idx="0">
+            <a:schemeClr val="accent1"/>
+          </a:fillRef>
+          <a:effectRef idx="0">
+            <a:schemeClr val="accent1"/>
+          </a:effectRef>
+          <a:fontRef idx="minor">
+            <a:schemeClr val="tx1"/>
+          </a:fontRef>
+        </p:style>
+      </p:cxnSp>
+      <p:cxnSp>
+        <p:nvCxnSpPr>
+          <p:cNvPr id="18" name="Straight Arrow Connector 17">
+            <a:extLst>
+              <a:ext uri="{FF2B5EF4-FFF2-40B4-BE49-F238E27FC236}">
+                <a16:creationId xmlns:a16="http://schemas.microsoft.com/office/drawing/2014/main" id="{EA01CE6F-0C83-90BD-D0DA-A166ABB0D9E2}"/>
+              </a:ext>
+            </a:extLst>
+          </p:cNvPr>
+          <p:cNvCxnSpPr>
+            <a:cxnSpLocks/>
+          </p:cNvCxnSpPr>
+          <p:nvPr/>
+        </p:nvCxnSpPr>
+        <p:spPr>
+          <a:xfrm flipH="1" flipV="1">
+            <a:off x="8906256" y="2138671"/>
+            <a:ext cx="175114" cy="616649"/>
+          </a:xfrm>
+          <a:prstGeom prst="straightConnector1">
+            <a:avLst/>
+          </a:prstGeom>
+          <a:ln w="34925">
+            <a:tailEnd type="triangle"/>
+          </a:ln>
+        </p:spPr>
+        <p:style>
+          <a:lnRef idx="1">
+            <a:schemeClr val="accent1"/>
+          </a:lnRef>
+          <a:fillRef idx="0">
+            <a:schemeClr val="accent1"/>
+          </a:fillRef>
+          <a:effectRef idx="0">
+            <a:schemeClr val="accent1"/>
+          </a:effectRef>
+          <a:fontRef idx="minor">
+            <a:schemeClr val="tx1"/>
+          </a:fontRef>
+        </p:style>
+      </p:cxnSp>
     </p:spTree>
     <p:extLst>
       <p:ext uri="{BB962C8B-B14F-4D97-AF65-F5344CB8AC3E}">
-        <p14:creationId xmlns:p14="http://schemas.microsoft.com/office/powerpoint/2010/main" val="3689402220"/>
+        <p14:creationId xmlns:p14="http://schemas.microsoft.com/office/powerpoint/2010/main" val="1970389113"/>
       </p:ext>
     </p:extLst>
   </p:cSld>
@@ -9747,9 +11312,125 @@
           <a:chExt cx="0" cy="0"/>
         </a:xfrm>
       </p:grpSpPr>
+      <p:sp>
+        <p:nvSpPr>
+          <p:cNvPr id="2" name="TextBox 1">
+            <a:extLst>
+              <a:ext uri="{FF2B5EF4-FFF2-40B4-BE49-F238E27FC236}">
+                <a16:creationId xmlns:a16="http://schemas.microsoft.com/office/drawing/2014/main" id="{6B4160CC-7053-9CF3-384D-01F51F309646}"/>
+              </a:ext>
+            </a:extLst>
+          </p:cNvPr>
+          <p:cNvSpPr txBox="1"/>
+          <p:nvPr/>
+        </p:nvSpPr>
+        <p:spPr>
+          <a:xfrm>
+            <a:off x="4912872" y="211015"/>
+            <a:ext cx="3289675" cy="369332"/>
+          </a:xfrm>
+          <a:prstGeom prst="rect">
+            <a:avLst/>
+          </a:prstGeom>
+          <a:noFill/>
+        </p:spPr>
+        <p:txBody>
+          <a:bodyPr wrap="square" rtlCol="0">
+            <a:spAutoFit/>
+          </a:bodyPr>
+          <a:lstStyle/>
+          <a:p>
+            <a:r>
+              <a:rPr lang="en-US" dirty="0"/>
+              <a:t>Plotting using </a:t>
+            </a:r>
+            <a:r>
+              <a:rPr lang="en-US" dirty="0" err="1"/>
+              <a:t>ggplot</a:t>
+            </a:r>
+            <a:endParaRPr lang="en-US" dirty="0"/>
+          </a:p>
+        </p:txBody>
+      </p:sp>
+      <p:sp>
+        <p:nvSpPr>
+          <p:cNvPr id="3" name="TextBox 2">
+            <a:extLst>
+              <a:ext uri="{FF2B5EF4-FFF2-40B4-BE49-F238E27FC236}">
+                <a16:creationId xmlns:a16="http://schemas.microsoft.com/office/drawing/2014/main" id="{B0E71378-DCC3-EC64-3A63-94C96963874B}"/>
+              </a:ext>
+            </a:extLst>
+          </p:cNvPr>
+          <p:cNvSpPr txBox="1"/>
+          <p:nvPr/>
+        </p:nvSpPr>
+        <p:spPr>
+          <a:xfrm>
+            <a:off x="5080602" y="681742"/>
+            <a:ext cx="1688123" cy="369332"/>
+          </a:xfrm>
+          <a:prstGeom prst="rect">
+            <a:avLst/>
+          </a:prstGeom>
+          <a:noFill/>
+        </p:spPr>
+        <p:txBody>
+          <a:bodyPr wrap="square" rtlCol="0">
+            <a:spAutoFit/>
+          </a:bodyPr>
+          <a:lstStyle/>
+          <a:p>
+            <a:r>
+              <a:rPr lang="en-US" dirty="0"/>
+              <a:t>library(ggplot2)</a:t>
+            </a:r>
+          </a:p>
+        </p:txBody>
+      </p:sp>
+      <p:sp>
+        <p:nvSpPr>
+          <p:cNvPr id="5" name="TextBox 4">
+            <a:extLst>
+              <a:ext uri="{FF2B5EF4-FFF2-40B4-BE49-F238E27FC236}">
+                <a16:creationId xmlns:a16="http://schemas.microsoft.com/office/drawing/2014/main" id="{FE48D9F7-C7D5-5F4E-9188-FC845831B06D}"/>
+              </a:ext>
+            </a:extLst>
+          </p:cNvPr>
+          <p:cNvSpPr txBox="1"/>
+          <p:nvPr/>
+        </p:nvSpPr>
+        <p:spPr>
+          <a:xfrm>
+            <a:off x="8870762" y="6167437"/>
+            <a:ext cx="6097802" cy="369332"/>
+          </a:xfrm>
+          <a:prstGeom prst="rect">
+            <a:avLst/>
+          </a:prstGeom>
+          <a:noFill/>
+        </p:spPr>
+        <p:txBody>
+          <a:bodyPr wrap="square">
+            <a:spAutoFit/>
+          </a:bodyPr>
+          <a:lstStyle/>
+          <a:p>
+            <a:r>
+              <a:rPr lang="en-US" dirty="0"/>
+              <a:t>https://ggplot2.tidyverse.org/</a:t>
+            </a:r>
+          </a:p>
+        </p:txBody>
+      </p:sp>
       <p:pic>
         <p:nvPicPr>
-          <p:cNvPr id="333" name="Image" descr="Image"/>
+          <p:cNvPr id="6" name="Picture 5">
+            <a:extLst>
+              <a:ext uri="{FF2B5EF4-FFF2-40B4-BE49-F238E27FC236}">
+                <a16:creationId xmlns:a16="http://schemas.microsoft.com/office/drawing/2014/main" id="{758E8B14-F7B1-36D5-1409-573B8CDD5197}"/>
+              </a:ext>
+            </a:extLst>
+          </p:cNvPr>
           <p:cNvPicPr>
             <a:picLocks noChangeAspect="1"/>
           </p:cNvPicPr>
@@ -9763,58 +11444,360 @@
         </p:blipFill>
         <p:spPr>
           <a:xfrm>
-            <a:off x="548667" y="1956759"/>
-            <a:ext cx="2557080" cy="3752929"/>
-          </a:xfrm>
-          <a:prstGeom prst="rect">
-            <a:avLst/>
-          </a:prstGeom>
-          <a:ln w="12700">
-            <a:miter lim="400000"/>
-          </a:ln>
+            <a:off x="2616200" y="1687297"/>
+            <a:ext cx="6959600" cy="431800"/>
+          </a:xfrm>
+          <a:prstGeom prst="rect">
+            <a:avLst/>
+          </a:prstGeom>
         </p:spPr>
       </p:pic>
       <p:sp>
         <p:nvSpPr>
-          <p:cNvPr id="334" name="What if we want to look at expression levels of these 4 genes?"/>
+          <p:cNvPr id="7" name="TextBox 6">
+            <a:extLst>
+              <a:ext uri="{FF2B5EF4-FFF2-40B4-BE49-F238E27FC236}">
+                <a16:creationId xmlns:a16="http://schemas.microsoft.com/office/drawing/2014/main" id="{58A52827-F68B-075C-9FB9-F3CEAA30A2E8}"/>
+              </a:ext>
+            </a:extLst>
+          </p:cNvPr>
           <p:cNvSpPr txBox="1"/>
           <p:nvPr/>
         </p:nvSpPr>
         <p:spPr>
           <a:xfrm>
-            <a:off x="3105747" y="316171"/>
-            <a:ext cx="5295360" cy="328295"/>
-          </a:xfrm>
-          <a:prstGeom prst="rect">
-            <a:avLst/>
-          </a:prstGeom>
-          <a:ln w="12700">
-            <a:miter lim="400000"/>
-          </a:ln>
-          <a:extLst>
-            <a:ext uri="{C572A759-6A51-4108-AA02-DFA0A04FC94B}">
-              <ma14:wrappingTextBoxFlag xmlns:ma14="http://schemas.microsoft.com/office/mac/drawingml/2011/main" xmlns:a14="http://schemas.microsoft.com/office/drawing/2010/main" xmlns:m="http://schemas.openxmlformats.org/officeDocument/2006/math" xmlns="" val="1"/>
-            </a:ext>
-          </a:extLst>
-        </p:spPr>
-        <p:txBody>
-          <a:bodyPr wrap="none" lIns="25400" tIns="25400" rIns="25400" bIns="25400" anchor="ctr">
+            <a:off x="3181463" y="2570654"/>
+            <a:ext cx="599716" cy="369332"/>
+          </a:xfrm>
+          <a:prstGeom prst="rect">
+            <a:avLst/>
+          </a:prstGeom>
+          <a:noFill/>
+        </p:spPr>
+        <p:txBody>
+          <a:bodyPr wrap="none" rtlCol="0">
             <a:spAutoFit/>
           </a:bodyPr>
-          <a:lstStyle>
-            <a:lvl1pPr>
-              <a:defRPr sz="3600"/>
-            </a:lvl1pPr>
-          </a:lstStyle>
-          <a:p>
-            <a:r>
-              <a:rPr sz="1800" dirty="0"/>
-              <a:t>What if we want to look at expression levels of 4 genes?</a:t>
-            </a:r>
+          <a:lstStyle/>
+          <a:p>
+            <a:r>
+              <a:rPr lang="en-US" dirty="0"/>
+              <a:t>data</a:t>
+            </a:r>
+          </a:p>
+        </p:txBody>
+      </p:sp>
+      <p:sp>
+        <p:nvSpPr>
+          <p:cNvPr id="9" name="TextBox 8">
+            <a:extLst>
+              <a:ext uri="{FF2B5EF4-FFF2-40B4-BE49-F238E27FC236}">
+                <a16:creationId xmlns:a16="http://schemas.microsoft.com/office/drawing/2014/main" id="{9984B211-744B-0F49-0214-2007D806E3F3}"/>
+              </a:ext>
+            </a:extLst>
+          </p:cNvPr>
+          <p:cNvSpPr txBox="1"/>
+          <p:nvPr/>
+        </p:nvSpPr>
+        <p:spPr>
+          <a:xfrm>
+            <a:off x="5531871" y="2570654"/>
+            <a:ext cx="1128258" cy="369332"/>
+          </a:xfrm>
+          <a:prstGeom prst="rect">
+            <a:avLst/>
+          </a:prstGeom>
+          <a:noFill/>
+        </p:spPr>
+        <p:txBody>
+          <a:bodyPr wrap="none" rtlCol="0">
+            <a:spAutoFit/>
+          </a:bodyPr>
+          <a:lstStyle/>
+          <a:p>
+            <a:r>
+              <a:rPr lang="en-US" dirty="0"/>
+              <a:t>aesthetics</a:t>
+            </a:r>
+          </a:p>
+        </p:txBody>
+      </p:sp>
+      <p:sp>
+        <p:nvSpPr>
+          <p:cNvPr id="10" name="TextBox 9">
+            <a:extLst>
+              <a:ext uri="{FF2B5EF4-FFF2-40B4-BE49-F238E27FC236}">
+                <a16:creationId xmlns:a16="http://schemas.microsoft.com/office/drawing/2014/main" id="{381756F0-2D9B-7013-F93B-793D486B14B0}"/>
+              </a:ext>
+            </a:extLst>
+          </p:cNvPr>
+          <p:cNvSpPr txBox="1"/>
+          <p:nvPr/>
+        </p:nvSpPr>
+        <p:spPr>
+          <a:xfrm>
+            <a:off x="8523961" y="2633887"/>
+            <a:ext cx="1299523" cy="369332"/>
+          </a:xfrm>
+          <a:prstGeom prst="rect">
+            <a:avLst/>
+          </a:prstGeom>
+          <a:noFill/>
+        </p:spPr>
+        <p:txBody>
+          <a:bodyPr wrap="none" rtlCol="0">
+            <a:spAutoFit/>
+          </a:bodyPr>
+          <a:lstStyle/>
+          <a:p>
+            <a:r>
+              <a:rPr lang="en-US" dirty="0"/>
+              <a:t>Type of plot</a:t>
+            </a:r>
+          </a:p>
+        </p:txBody>
+      </p:sp>
+      <p:cxnSp>
+        <p:nvCxnSpPr>
+          <p:cNvPr id="12" name="Straight Arrow Connector 11">
+            <a:extLst>
+              <a:ext uri="{FF2B5EF4-FFF2-40B4-BE49-F238E27FC236}">
+                <a16:creationId xmlns:a16="http://schemas.microsoft.com/office/drawing/2014/main" id="{D6574E1F-B2BF-6B7D-46EE-8BC501F660FA}"/>
+              </a:ext>
+            </a:extLst>
+          </p:cNvPr>
+          <p:cNvCxnSpPr>
+            <a:cxnSpLocks/>
+            <a:stCxn id="7" idx="0"/>
+          </p:cNvCxnSpPr>
+          <p:nvPr/>
+        </p:nvCxnSpPr>
+        <p:spPr>
+          <a:xfrm flipV="1">
+            <a:off x="3481321" y="2119097"/>
+            <a:ext cx="107386" cy="451557"/>
+          </a:xfrm>
+          <a:prstGeom prst="straightConnector1">
+            <a:avLst/>
+          </a:prstGeom>
+          <a:ln w="34925">
+            <a:tailEnd type="triangle"/>
+          </a:ln>
+        </p:spPr>
+        <p:style>
+          <a:lnRef idx="1">
+            <a:schemeClr val="accent1"/>
+          </a:lnRef>
+          <a:fillRef idx="0">
+            <a:schemeClr val="accent1"/>
+          </a:fillRef>
+          <a:effectRef idx="0">
+            <a:schemeClr val="accent1"/>
+          </a:effectRef>
+          <a:fontRef idx="minor">
+            <a:schemeClr val="tx1"/>
+          </a:fontRef>
+        </p:style>
+      </p:cxnSp>
+      <p:cxnSp>
+        <p:nvCxnSpPr>
+          <p:cNvPr id="14" name="Straight Arrow Connector 13">
+            <a:extLst>
+              <a:ext uri="{FF2B5EF4-FFF2-40B4-BE49-F238E27FC236}">
+                <a16:creationId xmlns:a16="http://schemas.microsoft.com/office/drawing/2014/main" id="{1527A65B-D2D0-21C0-AFD5-CF267277532D}"/>
+              </a:ext>
+            </a:extLst>
+          </p:cNvPr>
+          <p:cNvCxnSpPr>
+            <a:cxnSpLocks/>
+          </p:cNvCxnSpPr>
+          <p:nvPr/>
+        </p:nvCxnSpPr>
+        <p:spPr>
+          <a:xfrm flipH="1" flipV="1">
+            <a:off x="5417507" y="2211430"/>
+            <a:ext cx="538494" cy="393357"/>
+          </a:xfrm>
+          <a:prstGeom prst="straightConnector1">
+            <a:avLst/>
+          </a:prstGeom>
+          <a:ln w="34925">
+            <a:tailEnd type="triangle"/>
+          </a:ln>
+        </p:spPr>
+        <p:style>
+          <a:lnRef idx="1">
+            <a:schemeClr val="accent1"/>
+          </a:lnRef>
+          <a:fillRef idx="0">
+            <a:schemeClr val="accent1"/>
+          </a:fillRef>
+          <a:effectRef idx="0">
+            <a:schemeClr val="accent1"/>
+          </a:effectRef>
+          <a:fontRef idx="minor">
+            <a:schemeClr val="tx1"/>
+          </a:fontRef>
+        </p:style>
+      </p:cxnSp>
+      <p:cxnSp>
+        <p:nvCxnSpPr>
+          <p:cNvPr id="16" name="Straight Arrow Connector 15">
+            <a:extLst>
+              <a:ext uri="{FF2B5EF4-FFF2-40B4-BE49-F238E27FC236}">
+                <a16:creationId xmlns:a16="http://schemas.microsoft.com/office/drawing/2014/main" id="{2A936A9C-316F-9495-ADE9-3EBE6276D74A}"/>
+              </a:ext>
+            </a:extLst>
+          </p:cNvPr>
+          <p:cNvCxnSpPr>
+            <a:cxnSpLocks/>
+          </p:cNvCxnSpPr>
+          <p:nvPr/>
+        </p:nvCxnSpPr>
+        <p:spPr>
+          <a:xfrm flipV="1">
+            <a:off x="6494495" y="2158024"/>
+            <a:ext cx="332190" cy="475863"/>
+          </a:xfrm>
+          <a:prstGeom prst="straightConnector1">
+            <a:avLst/>
+          </a:prstGeom>
+          <a:ln w="34925">
+            <a:tailEnd type="triangle"/>
+          </a:ln>
+        </p:spPr>
+        <p:style>
+          <a:lnRef idx="1">
+            <a:schemeClr val="accent1"/>
+          </a:lnRef>
+          <a:fillRef idx="0">
+            <a:schemeClr val="accent1"/>
+          </a:fillRef>
+          <a:effectRef idx="0">
+            <a:schemeClr val="accent1"/>
+          </a:effectRef>
+          <a:fontRef idx="minor">
+            <a:schemeClr val="tx1"/>
+          </a:fontRef>
+        </p:style>
+      </p:cxnSp>
+      <p:cxnSp>
+        <p:nvCxnSpPr>
+          <p:cNvPr id="18" name="Straight Arrow Connector 17">
+            <a:extLst>
+              <a:ext uri="{FF2B5EF4-FFF2-40B4-BE49-F238E27FC236}">
+                <a16:creationId xmlns:a16="http://schemas.microsoft.com/office/drawing/2014/main" id="{EA01CE6F-0C83-90BD-D0DA-A166ABB0D9E2}"/>
+              </a:ext>
+            </a:extLst>
+          </p:cNvPr>
+          <p:cNvCxnSpPr>
+            <a:cxnSpLocks/>
+          </p:cNvCxnSpPr>
+          <p:nvPr/>
+        </p:nvCxnSpPr>
+        <p:spPr>
+          <a:xfrm flipH="1" flipV="1">
+            <a:off x="8906256" y="2138671"/>
+            <a:ext cx="175114" cy="616649"/>
+          </a:xfrm>
+          <a:prstGeom prst="straightConnector1">
+            <a:avLst/>
+          </a:prstGeom>
+          <a:ln w="34925">
+            <a:tailEnd type="triangle"/>
+          </a:ln>
+        </p:spPr>
+        <p:style>
+          <a:lnRef idx="1">
+            <a:schemeClr val="accent1"/>
+          </a:lnRef>
+          <a:fillRef idx="0">
+            <a:schemeClr val="accent1"/>
+          </a:fillRef>
+          <a:effectRef idx="0">
+            <a:schemeClr val="accent1"/>
+          </a:effectRef>
+          <a:fontRef idx="minor">
+            <a:schemeClr val="tx1"/>
+          </a:fontRef>
+        </p:style>
+      </p:cxnSp>
+      <p:pic>
+        <p:nvPicPr>
+          <p:cNvPr id="4" name="Picture 3">
+            <a:extLst>
+              <a:ext uri="{FF2B5EF4-FFF2-40B4-BE49-F238E27FC236}">
+                <a16:creationId xmlns:a16="http://schemas.microsoft.com/office/drawing/2014/main" id="{26812886-00C7-CC34-35F9-C5AB6DC21C61}"/>
+              </a:ext>
+            </a:extLst>
+          </p:cNvPr>
+          <p:cNvPicPr>
+            <a:picLocks noChangeAspect="1"/>
+          </p:cNvPicPr>
+          <p:nvPr/>
+        </p:nvPicPr>
+        <p:blipFill>
+          <a:blip r:embed="rId3"/>
+          <a:stretch>
+            <a:fillRect/>
+          </a:stretch>
+        </p:blipFill>
+        <p:spPr>
+          <a:xfrm>
+            <a:off x="4479428" y="3226047"/>
+            <a:ext cx="2890470" cy="3210998"/>
+          </a:xfrm>
+          <a:prstGeom prst="rect">
+            <a:avLst/>
+          </a:prstGeom>
+        </p:spPr>
+      </p:pic>
+      <p:sp>
+        <p:nvSpPr>
+          <p:cNvPr id="11" name="TextBox 10">
+            <a:extLst>
+              <a:ext uri="{FF2B5EF4-FFF2-40B4-BE49-F238E27FC236}">
+                <a16:creationId xmlns:a16="http://schemas.microsoft.com/office/drawing/2014/main" id="{8CB302A6-B9A2-DA18-2A94-3D2322BC2684}"/>
+              </a:ext>
+            </a:extLst>
+          </p:cNvPr>
+          <p:cNvSpPr txBox="1"/>
+          <p:nvPr/>
+        </p:nvSpPr>
+        <p:spPr>
+          <a:xfrm>
+            <a:off x="7637745" y="5618016"/>
+            <a:ext cx="7484300" cy="369332"/>
+          </a:xfrm>
+          <a:prstGeom prst="rect">
+            <a:avLst/>
+          </a:prstGeom>
+          <a:noFill/>
+        </p:spPr>
+        <p:txBody>
+          <a:bodyPr wrap="square">
+            <a:spAutoFit/>
+          </a:bodyPr>
+          <a:lstStyle/>
+          <a:p>
+            <a:r>
+              <a:rPr lang="en-US" dirty="0"/>
+              <a:t>https://r4ds.had.co.nz/data-</a:t>
+            </a:r>
+            <a:r>
+              <a:rPr lang="en-US" dirty="0" err="1"/>
+              <a:t>visualisation.html</a:t>
+            </a:r>
+            <a:endParaRPr lang="en-US" dirty="0"/>
           </a:p>
         </p:txBody>
       </p:sp>
     </p:spTree>
+    <p:extLst>
+      <p:ext uri="{BB962C8B-B14F-4D97-AF65-F5344CB8AC3E}">
+        <p14:creationId xmlns:p14="http://schemas.microsoft.com/office/powerpoint/2010/main" val="3910450632"/>
+      </p:ext>
+    </p:extLst>
   </p:cSld>
   <p:clrMapOvr>
     <a:masterClrMapping/>
@@ -9839,9 +11822,50 @@
           <a:chExt cx="0" cy="0"/>
         </a:xfrm>
       </p:grpSpPr>
+      <p:sp>
+        <p:nvSpPr>
+          <p:cNvPr id="3" name="TextBox 2">
+            <a:extLst>
+              <a:ext uri="{FF2B5EF4-FFF2-40B4-BE49-F238E27FC236}">
+                <a16:creationId xmlns:a16="http://schemas.microsoft.com/office/drawing/2014/main" id="{65154B13-23B4-D285-8E9C-1D05B2CC3314}"/>
+              </a:ext>
+            </a:extLst>
+          </p:cNvPr>
+          <p:cNvSpPr txBox="1"/>
+          <p:nvPr/>
+        </p:nvSpPr>
+        <p:spPr>
+          <a:xfrm>
+            <a:off x="8253086" y="6281896"/>
+            <a:ext cx="6097044" cy="369332"/>
+          </a:xfrm>
+          <a:prstGeom prst="rect">
+            <a:avLst/>
+          </a:prstGeom>
+          <a:noFill/>
+        </p:spPr>
+        <p:txBody>
+          <a:bodyPr wrap="square">
+            <a:spAutoFit/>
+          </a:bodyPr>
+          <a:lstStyle/>
+          <a:p>
+            <a:r>
+              <a:rPr lang="en-US" dirty="0"/>
+              <a:t>https://ggplot2.tidyverse.org/reference/</a:t>
+            </a:r>
+          </a:p>
+        </p:txBody>
+      </p:sp>
       <p:pic>
         <p:nvPicPr>
-          <p:cNvPr id="333" name="Image" descr="Image"/>
+          <p:cNvPr id="4" name="Picture 3">
+            <a:extLst>
+              <a:ext uri="{FF2B5EF4-FFF2-40B4-BE49-F238E27FC236}">
+                <a16:creationId xmlns:a16="http://schemas.microsoft.com/office/drawing/2014/main" id="{427FDFC9-867C-629E-80F8-EC69839FE04B}"/>
+              </a:ext>
+            </a:extLst>
+          </p:cNvPr>
           <p:cNvPicPr>
             <a:picLocks noChangeAspect="1"/>
           </p:cNvPicPr>
@@ -9855,60 +11879,23 @@
         </p:blipFill>
         <p:spPr>
           <a:xfrm>
-            <a:off x="548667" y="1956759"/>
-            <a:ext cx="2557080" cy="3752929"/>
-          </a:xfrm>
-          <a:prstGeom prst="rect">
-            <a:avLst/>
-          </a:prstGeom>
-          <a:ln w="12700">
-            <a:miter lim="400000"/>
-          </a:ln>
+            <a:off x="287055" y="781822"/>
+            <a:ext cx="11244374" cy="1842381"/>
+          </a:xfrm>
+          <a:prstGeom prst="rect">
+            <a:avLst/>
+          </a:prstGeom>
         </p:spPr>
       </p:pic>
-      <p:sp>
-        <p:nvSpPr>
-          <p:cNvPr id="334" name="What if we want to look at expression levels of these 4 genes?"/>
-          <p:cNvSpPr txBox="1"/>
-          <p:nvPr/>
-        </p:nvSpPr>
-        <p:spPr>
-          <a:xfrm>
-            <a:off x="3105747" y="316171"/>
-            <a:ext cx="5295360" cy="328295"/>
-          </a:xfrm>
-          <a:prstGeom prst="rect">
-            <a:avLst/>
-          </a:prstGeom>
-          <a:ln w="12700">
-            <a:miter lim="400000"/>
-          </a:ln>
-          <a:extLst>
-            <a:ext uri="{C572A759-6A51-4108-AA02-DFA0A04FC94B}">
-              <ma14:wrappingTextBoxFlag xmlns="" xmlns:m="http://schemas.openxmlformats.org/officeDocument/2006/math" xmlns:a14="http://schemas.microsoft.com/office/drawing/2010/main" xmlns:ma14="http://schemas.microsoft.com/office/mac/drawingml/2011/main" val="1"/>
-            </a:ext>
-          </a:extLst>
-        </p:spPr>
-        <p:txBody>
-          <a:bodyPr wrap="none" lIns="25400" tIns="25400" rIns="25400" bIns="25400" anchor="ctr">
-            <a:spAutoFit/>
-          </a:bodyPr>
-          <a:lstStyle>
-            <a:lvl1pPr>
-              <a:defRPr sz="3600"/>
-            </a:lvl1pPr>
-          </a:lstStyle>
-          <a:p>
-            <a:r>
-              <a:rPr sz="1800" dirty="0"/>
-              <a:t>What if we want to look at expression levels of 4 genes?</a:t>
-            </a:r>
-          </a:p>
-        </p:txBody>
-      </p:sp>
       <p:pic>
         <p:nvPicPr>
-          <p:cNvPr id="335" name="Image" descr="Image"/>
+          <p:cNvPr id="5" name="Picture 4">
+            <a:extLst>
+              <a:ext uri="{FF2B5EF4-FFF2-40B4-BE49-F238E27FC236}">
+                <a16:creationId xmlns:a16="http://schemas.microsoft.com/office/drawing/2014/main" id="{6F350F51-53FD-22B7-D40E-9040D4480D15}"/>
+              </a:ext>
+            </a:extLst>
+          </p:cNvPr>
           <p:cNvPicPr>
             <a:picLocks noChangeAspect="1"/>
           </p:cNvPicPr>
@@ -9922,20 +11909,23 @@
         </p:blipFill>
         <p:spPr>
           <a:xfrm>
-            <a:off x="3794882" y="2257620"/>
-            <a:ext cx="7979507" cy="414838"/>
-          </a:xfrm>
-          <a:prstGeom prst="rect">
-            <a:avLst/>
-          </a:prstGeom>
-          <a:ln w="12700">
-            <a:miter lim="400000"/>
-          </a:ln>
+            <a:off x="287054" y="2799838"/>
+            <a:ext cx="11084223" cy="1258595"/>
+          </a:xfrm>
+          <a:prstGeom prst="rect">
+            <a:avLst/>
+          </a:prstGeom>
         </p:spPr>
       </p:pic>
       <p:pic>
         <p:nvPicPr>
-          <p:cNvPr id="336" name="Image" descr="Image"/>
+          <p:cNvPr id="6" name="Picture 5">
+            <a:extLst>
+              <a:ext uri="{FF2B5EF4-FFF2-40B4-BE49-F238E27FC236}">
+                <a16:creationId xmlns:a16="http://schemas.microsoft.com/office/drawing/2014/main" id="{F6DF3007-C154-2C33-1059-808C0550F56E}"/>
+              </a:ext>
+            </a:extLst>
+          </p:cNvPr>
           <p:cNvPicPr>
             <a:picLocks noChangeAspect="1"/>
           </p:cNvPicPr>
@@ -9949,21 +11939,95 @@
         </p:blipFill>
         <p:spPr>
           <a:xfrm>
-            <a:off x="3541283" y="2870097"/>
-            <a:ext cx="5653199" cy="3572603"/>
-          </a:xfrm>
-          <a:prstGeom prst="rect">
-            <a:avLst/>
-          </a:prstGeom>
-          <a:ln w="12700">
-            <a:miter lim="400000"/>
-          </a:ln>
+            <a:off x="287053" y="4006496"/>
+            <a:ext cx="10925879" cy="1035230"/>
+          </a:xfrm>
+          <a:prstGeom prst="rect">
+            <a:avLst/>
+          </a:prstGeom>
         </p:spPr>
       </p:pic>
+      <p:pic>
+        <p:nvPicPr>
+          <p:cNvPr id="7" name="Picture 6">
+            <a:extLst>
+              <a:ext uri="{FF2B5EF4-FFF2-40B4-BE49-F238E27FC236}">
+                <a16:creationId xmlns:a16="http://schemas.microsoft.com/office/drawing/2014/main" id="{D2C29005-1F40-FEC8-5E08-701F87647250}"/>
+              </a:ext>
+            </a:extLst>
+          </p:cNvPr>
+          <p:cNvPicPr>
+            <a:picLocks noChangeAspect="1"/>
+          </p:cNvPicPr>
+          <p:nvPr/>
+        </p:nvPicPr>
+        <p:blipFill>
+          <a:blip r:embed="rId5"/>
+          <a:stretch>
+            <a:fillRect/>
+          </a:stretch>
+        </p:blipFill>
+        <p:spPr>
+          <a:xfrm>
+            <a:off x="337158" y="5206868"/>
+            <a:ext cx="10742249" cy="937148"/>
+          </a:xfrm>
+          <a:prstGeom prst="rect">
+            <a:avLst/>
+          </a:prstGeom>
+        </p:spPr>
+      </p:pic>
+      <p:sp>
+        <p:nvSpPr>
+          <p:cNvPr id="8" name="TextBox 7">
+            <a:extLst>
+              <a:ext uri="{FF2B5EF4-FFF2-40B4-BE49-F238E27FC236}">
+                <a16:creationId xmlns:a16="http://schemas.microsoft.com/office/drawing/2014/main" id="{D2302473-7FDB-78CA-6715-5FD17DD32A35}"/>
+              </a:ext>
+            </a:extLst>
+          </p:cNvPr>
+          <p:cNvSpPr txBox="1"/>
+          <p:nvPr/>
+        </p:nvSpPr>
+        <p:spPr>
+          <a:xfrm>
+            <a:off x="3563655" y="247348"/>
+            <a:ext cx="7273914" cy="369332"/>
+          </a:xfrm>
+          <a:prstGeom prst="rect">
+            <a:avLst/>
+          </a:prstGeom>
+          <a:noFill/>
+        </p:spPr>
+        <p:txBody>
+          <a:bodyPr wrap="none" rtlCol="0">
+            <a:spAutoFit/>
+          </a:bodyPr>
+          <a:lstStyle/>
+          <a:p>
+            <a:r>
+              <a:rPr lang="en-US" dirty="0" err="1"/>
+              <a:t>ggplot</a:t>
+            </a:r>
+            <a:r>
+              <a:rPr lang="en-US" dirty="0"/>
+              <a:t> lets you make many different kinds of plots by using different ‘</a:t>
+            </a:r>
+            <a:r>
+              <a:rPr lang="en-US" dirty="0" err="1"/>
+              <a:t>geoms</a:t>
+            </a:r>
+            <a:r>
+              <a:rPr lang="en-US" dirty="0"/>
+              <a:t>’</a:t>
+            </a:r>
+          </a:p>
+        </p:txBody>
+      </p:sp>
     </p:spTree>
     <p:extLst>
       <p:ext uri="{BB962C8B-B14F-4D97-AF65-F5344CB8AC3E}">
-        <p14:creationId xmlns:p14="http://schemas.microsoft.com/office/powerpoint/2010/main" val="2696821515"/>
+        <p14:creationId xmlns:p14="http://schemas.microsoft.com/office/powerpoint/2010/main" val="1698419793"/>
       </p:ext>
     </p:extLst>
   </p:cSld>
